--- a/docs/SpringBoot2_0.pptx
+++ b/docs/SpringBoot2_0.pptx
@@ -104,6 +104,11 @@
       </a:defRPr>
     </a:lvl9pPr>
   </p:defaultTextStyle>
+  <p:extLst>
+    <p:ext uri="{EFAFB233-063F-42B5-8137-9DF3F51BA10A}">
+      <p15:sldGuideLst xmlns:p15="http://schemas.microsoft.com/office/powerpoint/2012/main"/>
+    </p:ext>
+  </p:extLst>
 </p:presentation>
 </file>
 
@@ -254,7 +259,7 @@
           <a:p>
             <a:fld id="{B70C3962-62A0-4DC5-A011-B5CBEA46A91D}" type="datetimeFigureOut">
               <a:rPr lang="en-US" smtClean="0"/>
-              <a:t>7/23/2019</a:t>
+              <a:t>8/12/2019</a:t>
             </a:fld>
             <a:endParaRPr lang="en-US"/>
           </a:p>
@@ -452,7 +457,7 @@
           <a:p>
             <a:fld id="{B70C3962-62A0-4DC5-A011-B5CBEA46A91D}" type="datetimeFigureOut">
               <a:rPr lang="en-US" smtClean="0"/>
-              <a:t>7/23/2019</a:t>
+              <a:t>8/12/2019</a:t>
             </a:fld>
             <a:endParaRPr lang="en-US"/>
           </a:p>
@@ -660,7 +665,7 @@
           <a:p>
             <a:fld id="{B70C3962-62A0-4DC5-A011-B5CBEA46A91D}" type="datetimeFigureOut">
               <a:rPr lang="en-US" smtClean="0"/>
-              <a:t>7/23/2019</a:t>
+              <a:t>8/12/2019</a:t>
             </a:fld>
             <a:endParaRPr lang="en-US"/>
           </a:p>
@@ -858,7 +863,7 @@
           <a:p>
             <a:fld id="{B70C3962-62A0-4DC5-A011-B5CBEA46A91D}" type="datetimeFigureOut">
               <a:rPr lang="en-US" smtClean="0"/>
-              <a:t>7/23/2019</a:t>
+              <a:t>8/12/2019</a:t>
             </a:fld>
             <a:endParaRPr lang="en-US"/>
           </a:p>
@@ -1133,7 +1138,7 @@
           <a:p>
             <a:fld id="{B70C3962-62A0-4DC5-A011-B5CBEA46A91D}" type="datetimeFigureOut">
               <a:rPr lang="en-US" smtClean="0"/>
-              <a:t>7/23/2019</a:t>
+              <a:t>8/12/2019</a:t>
             </a:fld>
             <a:endParaRPr lang="en-US"/>
           </a:p>
@@ -1398,7 +1403,7 @@
           <a:p>
             <a:fld id="{B70C3962-62A0-4DC5-A011-B5CBEA46A91D}" type="datetimeFigureOut">
               <a:rPr lang="en-US" smtClean="0"/>
-              <a:t>7/23/2019</a:t>
+              <a:t>8/12/2019</a:t>
             </a:fld>
             <a:endParaRPr lang="en-US"/>
           </a:p>
@@ -1810,7 +1815,7 @@
           <a:p>
             <a:fld id="{B70C3962-62A0-4DC5-A011-B5CBEA46A91D}" type="datetimeFigureOut">
               <a:rPr lang="en-US" smtClean="0"/>
-              <a:t>7/23/2019</a:t>
+              <a:t>8/12/2019</a:t>
             </a:fld>
             <a:endParaRPr lang="en-US"/>
           </a:p>
@@ -1951,7 +1956,7 @@
           <a:p>
             <a:fld id="{B70C3962-62A0-4DC5-A011-B5CBEA46A91D}" type="datetimeFigureOut">
               <a:rPr lang="en-US" smtClean="0"/>
-              <a:t>7/23/2019</a:t>
+              <a:t>8/12/2019</a:t>
             </a:fld>
             <a:endParaRPr lang="en-US"/>
           </a:p>
@@ -2064,7 +2069,7 @@
           <a:p>
             <a:fld id="{B70C3962-62A0-4DC5-A011-B5CBEA46A91D}" type="datetimeFigureOut">
               <a:rPr lang="en-US" smtClean="0"/>
-              <a:t>7/23/2019</a:t>
+              <a:t>8/12/2019</a:t>
             </a:fld>
             <a:endParaRPr lang="en-US"/>
           </a:p>
@@ -2375,7 +2380,7 @@
           <a:p>
             <a:fld id="{B70C3962-62A0-4DC5-A011-B5CBEA46A91D}" type="datetimeFigureOut">
               <a:rPr lang="en-US" smtClean="0"/>
-              <a:t>7/23/2019</a:t>
+              <a:t>8/12/2019</a:t>
             </a:fld>
             <a:endParaRPr lang="en-US"/>
           </a:p>
@@ -2663,7 +2668,7 @@
           <a:p>
             <a:fld id="{B70C3962-62A0-4DC5-A011-B5CBEA46A91D}" type="datetimeFigureOut">
               <a:rPr lang="en-US" smtClean="0"/>
-              <a:t>7/23/2019</a:t>
+              <a:t>8/12/2019</a:t>
             </a:fld>
             <a:endParaRPr lang="en-US"/>
           </a:p>
@@ -2904,7 +2909,7 @@
           <a:p>
             <a:fld id="{B70C3962-62A0-4DC5-A011-B5CBEA46A91D}" type="datetimeFigureOut">
               <a:rPr lang="en-US" smtClean="0"/>
-              <a:t>7/23/2019</a:t>
+              <a:t>8/12/2019</a:t>
             </a:fld>
             <a:endParaRPr lang="en-US"/>
           </a:p>
@@ -3337,7 +3342,7 @@
         </p:nvSpPr>
         <p:spPr bwMode="auto">
           <a:xfrm>
-            <a:off x="5192308" y="2785429"/>
+            <a:off x="3390017" y="3050469"/>
             <a:ext cx="1443346" cy="352425"/>
           </a:xfrm>
           <a:prstGeom prst="ellipse">
@@ -3410,10 +3415,10 @@
       </p:sp>
       <p:sp>
         <p:nvSpPr>
-          <p:cNvPr id="3" name="Text Box 2">
-            <a:extLst>
-              <a:ext uri="{FF2B5EF4-FFF2-40B4-BE49-F238E27FC236}">
-                <a16:creationId xmlns:a16="http://schemas.microsoft.com/office/drawing/2014/main" id="{4BEFBDAB-79AF-43B2-ACB6-4B0ECEA0C41D}"/>
+          <p:cNvPr id="4" name="Text Box 3">
+            <a:extLst>
+              <a:ext uri="{FF2B5EF4-FFF2-40B4-BE49-F238E27FC236}">
+                <a16:creationId xmlns:a16="http://schemas.microsoft.com/office/drawing/2014/main" id="{F6D53EFB-5228-4271-AF40-067966E40822}"/>
               </a:ext>
             </a:extLst>
           </p:cNvPr>
@@ -3423,94 +3428,9 @@
           <p:nvPr/>
         </p:nvSpPr>
         <p:spPr bwMode="auto">
-          <a:xfrm rot="-1018992">
-            <a:off x="6943632" y="2015616"/>
-            <a:ext cx="1661599" cy="276435"/>
-          </a:xfrm>
-          <a:prstGeom prst="rect">
-            <a:avLst/>
-          </a:prstGeom>
-          <a:noFill/>
-          <a:ln w="19050">
-            <a:solidFill>
-              <a:srgbClr val="FFFFFF"/>
-            </a:solidFill>
-            <a:miter lim="800000"/>
-            <a:headEnd/>
-            <a:tailEnd/>
-          </a:ln>
-        </p:spPr>
-        <p:txBody>
-          <a:bodyPr vert="horz" wrap="none" lIns="91440" tIns="45720" rIns="91440" bIns="45720" numCol="1" anchor="t" anchorCtr="0" compatLnSpc="1">
-            <a:prstTxWarp prst="textNoShape">
-              <a:avLst/>
-            </a:prstTxWarp>
-          </a:bodyPr>
-          <a:lstStyle/>
-          <a:p>
-            <a:pPr marL="0" marR="0" lvl="0" indent="0" algn="l" defTabSz="914400" rtl="0" eaLnBrk="0" fontAlgn="base" latinLnBrk="0" hangingPunct="0">
-              <a:lnSpc>
-                <a:spcPct val="100000"/>
-              </a:lnSpc>
-              <a:spcBef>
-                <a:spcPct val="0"/>
-              </a:spcBef>
-              <a:spcAft>
-                <a:spcPct val="0"/>
-              </a:spcAft>
-              <a:buClrTx/>
-              <a:buSzTx/>
-              <a:buFontTx/>
-              <a:buNone/>
-              <a:tabLst/>
-            </a:pPr>
-            <a:r>
-              <a:rPr kumimoji="0" lang="en-US" altLang="en-US" sz="1100" b="0" i="0" u="none" strike="noStrike" cap="none" normalizeH="0" baseline="0" dirty="0">
-                <a:ln>
-                  <a:noFill/>
-                </a:ln>
-                <a:solidFill>
-                  <a:schemeClr val="tx1"/>
-                </a:solidFill>
-                <a:effectLst/>
-                <a:latin typeface="Verdana" panose="020B0604030504040204" pitchFamily="34" charset="0"/>
-                <a:ea typeface="Verdana" panose="020B0604030504040204" pitchFamily="34" charset="0"/>
-                <a:cs typeface="Times New Roman" panose="02020603050405020304" pitchFamily="18" charset="0"/>
-              </a:rPr>
-              <a:t>Dependency Injection</a:t>
-            </a:r>
-            <a:endParaRPr kumimoji="0" lang="en-US" altLang="en-US" sz="1100" b="0" i="0" u="none" strike="noStrike" cap="none" normalizeH="0" baseline="0" dirty="0">
-              <a:ln>
-                <a:noFill/>
-              </a:ln>
-              <a:solidFill>
-                <a:schemeClr val="tx1"/>
-              </a:solidFill>
-              <a:effectLst/>
-              <a:latin typeface="Verdana" panose="020B0604030504040204" pitchFamily="34" charset="0"/>
-              <a:ea typeface="Verdana" panose="020B0604030504040204" pitchFamily="34" charset="0"/>
-            </a:endParaRPr>
-          </a:p>
-        </p:txBody>
-      </p:sp>
-      <p:sp>
-        <p:nvSpPr>
-          <p:cNvPr id="4" name="Text Box 3">
-            <a:extLst>
-              <a:ext uri="{FF2B5EF4-FFF2-40B4-BE49-F238E27FC236}">
-                <a16:creationId xmlns:a16="http://schemas.microsoft.com/office/drawing/2014/main" id="{F6D53EFB-5228-4271-AF40-067966E40822}"/>
-              </a:ext>
-            </a:extLst>
-          </p:cNvPr>
-          <p:cNvSpPr txBox="1">
-            <a:spLocks noChangeArrowheads="1"/>
-          </p:cNvSpPr>
-          <p:nvPr/>
-        </p:nvSpPr>
-        <p:spPr bwMode="auto">
-          <a:xfrm rot="437835">
-            <a:off x="7138223" y="2869501"/>
-            <a:ext cx="1233388" cy="279426"/>
+          <a:xfrm rot="719413">
+            <a:off x="5933775" y="3475201"/>
+            <a:ext cx="1252031" cy="229096"/>
           </a:xfrm>
           <a:prstGeom prst="rect">
             <a:avLst/>
@@ -3564,17 +3484,17 @@
           <a:p>
             <a:r>
               <a:rPr lang="en-US" altLang="en-US" dirty="0"/>
-              <a:t>IOC Container</a:t>
-            </a:r>
-          </a:p>
-        </p:txBody>
-      </p:sp>
-      <p:sp>
-        <p:nvSpPr>
-          <p:cNvPr id="5" name="Text Box 4">
-            <a:extLst>
-              <a:ext uri="{FF2B5EF4-FFF2-40B4-BE49-F238E27FC236}">
-                <a16:creationId xmlns:a16="http://schemas.microsoft.com/office/drawing/2014/main" id="{0C57D618-2F49-4628-821F-3CC6F091CCEA}"/>
+              <a:t>Introduction</a:t>
+            </a:r>
+          </a:p>
+        </p:txBody>
+      </p:sp>
+      <p:sp>
+        <p:nvSpPr>
+          <p:cNvPr id="8" name="Text Box 7">
+            <a:extLst>
+              <a:ext uri="{FF2B5EF4-FFF2-40B4-BE49-F238E27FC236}">
+                <a16:creationId xmlns:a16="http://schemas.microsoft.com/office/drawing/2014/main" id="{4217567E-0F26-4F82-A13F-6CD0700B393A}"/>
               </a:ext>
             </a:extLst>
           </p:cNvPr>
@@ -3584,9 +3504,9 @@
           <p:nvPr/>
         </p:nvSpPr>
         <p:spPr bwMode="auto">
-          <a:xfrm rot="735678">
-            <a:off x="7000281" y="3412948"/>
-            <a:ext cx="1708863" cy="261860"/>
+          <a:xfrm rot="2846415">
+            <a:off x="4470236" y="3934011"/>
+            <a:ext cx="450170" cy="283036"/>
           </a:xfrm>
           <a:prstGeom prst="rect">
             <a:avLst/>
@@ -3640,17 +3560,20 @@
           <a:p>
             <a:r>
               <a:rPr lang="en-US" altLang="en-US" dirty="0"/>
-              <a:t>Spring IOC Container</a:t>
-            </a:r>
-          </a:p>
-        </p:txBody>
-      </p:sp>
-      <p:sp>
-        <p:nvSpPr>
-          <p:cNvPr id="6" name="Text Box 5">
-            <a:extLst>
-              <a:ext uri="{FF2B5EF4-FFF2-40B4-BE49-F238E27FC236}">
-                <a16:creationId xmlns:a16="http://schemas.microsoft.com/office/drawing/2014/main" id="{11B822AE-4710-469C-86D2-FC7EBBDB2740}"/>
+              <a:t>JPA</a:t>
+            </a:r>
+          </a:p>
+          <a:p>
+            <a:endParaRPr lang="en-US" altLang="en-US" dirty="0"/>
+          </a:p>
+        </p:txBody>
+      </p:sp>
+      <p:sp>
+        <p:nvSpPr>
+          <p:cNvPr id="9" name="Text Box 8">
+            <a:extLst>
+              <a:ext uri="{FF2B5EF4-FFF2-40B4-BE49-F238E27FC236}">
+                <a16:creationId xmlns:a16="http://schemas.microsoft.com/office/drawing/2014/main" id="{237F9CAB-4473-41E7-ABB9-3587E6036EA1}"/>
               </a:ext>
             </a:extLst>
           </p:cNvPr>
@@ -3660,9 +3583,9 @@
           <p:nvPr/>
         </p:nvSpPr>
         <p:spPr bwMode="auto">
-          <a:xfrm rot="3241072">
-            <a:off x="6315293" y="4168664"/>
-            <a:ext cx="1937285" cy="275567"/>
+          <a:xfrm rot="20445392">
+            <a:off x="5983903" y="2375402"/>
+            <a:ext cx="665496" cy="235118"/>
           </a:xfrm>
           <a:prstGeom prst="rect">
             <a:avLst/>
@@ -3716,17 +3639,20 @@
           <a:p>
             <a:r>
               <a:rPr lang="en-US" altLang="en-US" dirty="0"/>
-              <a:t>Spring boot Starter packages</a:t>
-            </a:r>
-          </a:p>
-        </p:txBody>
-      </p:sp>
-      <p:sp>
-        <p:nvSpPr>
-          <p:cNvPr id="7" name="Text Box 6">
-            <a:extLst>
-              <a:ext uri="{FF2B5EF4-FFF2-40B4-BE49-F238E27FC236}">
-                <a16:creationId xmlns:a16="http://schemas.microsoft.com/office/drawing/2014/main" id="{FFB0809F-AFED-4D81-9376-9B0A786111BB}"/>
+              <a:t>Security</a:t>
+            </a:r>
+          </a:p>
+          <a:p>
+            <a:endParaRPr lang="en-US" altLang="en-US" dirty="0"/>
+          </a:p>
+        </p:txBody>
+      </p:sp>
+      <p:sp>
+        <p:nvSpPr>
+          <p:cNvPr id="10" name="Text Box 9">
+            <a:extLst>
+              <a:ext uri="{FF2B5EF4-FFF2-40B4-BE49-F238E27FC236}">
+                <a16:creationId xmlns:a16="http://schemas.microsoft.com/office/drawing/2014/main" id="{4B1C6857-BA09-452F-92FE-347A4499FB84}"/>
               </a:ext>
             </a:extLst>
           </p:cNvPr>
@@ -3736,9 +3662,9 @@
           <p:nvPr/>
         </p:nvSpPr>
         <p:spPr bwMode="auto">
-          <a:xfrm rot="4756550">
-            <a:off x="5876075" y="3871088"/>
-            <a:ext cx="914400" cy="284673"/>
+          <a:xfrm rot="-993217">
+            <a:off x="2313354" y="3345744"/>
+            <a:ext cx="338138" cy="215900"/>
           </a:xfrm>
           <a:prstGeom prst="rect">
             <a:avLst/>
@@ -3792,17 +3718,20 @@
           <a:p>
             <a:r>
               <a:rPr lang="en-US" altLang="en-US" dirty="0"/>
-              <a:t>Spring boot Web</a:t>
-            </a:r>
-          </a:p>
-        </p:txBody>
-      </p:sp>
-      <p:sp>
-        <p:nvSpPr>
-          <p:cNvPr id="8" name="Text Box 7">
-            <a:extLst>
-              <a:ext uri="{FF2B5EF4-FFF2-40B4-BE49-F238E27FC236}">
-                <a16:creationId xmlns:a16="http://schemas.microsoft.com/office/drawing/2014/main" id="{4217567E-0F26-4F82-A13F-6CD0700B393A}"/>
+              <a:t>SSL</a:t>
+            </a:r>
+          </a:p>
+          <a:p>
+            <a:endParaRPr lang="en-US" altLang="en-US" dirty="0"/>
+          </a:p>
+        </p:txBody>
+      </p:sp>
+      <p:sp>
+        <p:nvSpPr>
+          <p:cNvPr id="12" name="Text Box 11">
+            <a:extLst>
+              <a:ext uri="{FF2B5EF4-FFF2-40B4-BE49-F238E27FC236}">
+                <a16:creationId xmlns:a16="http://schemas.microsoft.com/office/drawing/2014/main" id="{F26A2B91-C1A5-49E4-9523-4F8950F8E371}"/>
               </a:ext>
             </a:extLst>
           </p:cNvPr>
@@ -3812,9 +3741,179 @@
           <p:nvPr/>
         </p:nvSpPr>
         <p:spPr bwMode="auto">
-          <a:xfrm rot="4756550">
-            <a:off x="5525110" y="3826117"/>
-            <a:ext cx="450170" cy="283036"/>
+          <a:xfrm rot="18858336">
+            <a:off x="4629009" y="1661343"/>
+            <a:ext cx="1154989" cy="340102"/>
+          </a:xfrm>
+          <a:prstGeom prst="rect">
+            <a:avLst/>
+          </a:prstGeom>
+          <a:noFill/>
+          <a:ln w="19050">
+            <a:solidFill>
+              <a:srgbClr val="FFFFFF"/>
+            </a:solidFill>
+            <a:miter lim="800000"/>
+            <a:headEnd/>
+            <a:tailEnd/>
+          </a:ln>
+        </p:spPr>
+        <p:txBody>
+          <a:bodyPr vert="horz" wrap="square" lIns="91440" tIns="45720" rIns="91440" bIns="45720" numCol="1" anchor="t" anchorCtr="0" compatLnSpc="1">
+            <a:prstTxWarp prst="textNoShape">
+              <a:avLst/>
+            </a:prstTxWarp>
+          </a:bodyPr>
+          <a:lstStyle/>
+          <a:p>
+            <a:pPr marL="0" marR="0" lvl="0" indent="0" algn="l" defTabSz="914400" rtl="0" eaLnBrk="0" fontAlgn="base" latinLnBrk="0" hangingPunct="0">
+              <a:lnSpc>
+                <a:spcPct val="100000"/>
+              </a:lnSpc>
+              <a:spcBef>
+                <a:spcPct val="0"/>
+              </a:spcBef>
+              <a:spcAft>
+                <a:spcPct val="0"/>
+              </a:spcAft>
+              <a:buClrTx/>
+              <a:buSzTx/>
+              <a:buFontTx/>
+              <a:buNone/>
+              <a:tabLst/>
+            </a:pPr>
+            <a:r>
+              <a:rPr kumimoji="0" lang="en-US" altLang="en-US" sz="1100" b="0" i="0" u="none" strike="noStrike" cap="none" normalizeH="0" baseline="0" dirty="0">
+                <a:ln>
+                  <a:noFill/>
+                </a:ln>
+                <a:solidFill>
+                  <a:schemeClr val="tx1"/>
+                </a:solidFill>
+                <a:effectLst/>
+                <a:latin typeface="Verdana" panose="020B0604030504040204" pitchFamily="34" charset="0"/>
+                <a:ea typeface="Verdana" panose="020B0604030504040204" pitchFamily="34" charset="0"/>
+                <a:cs typeface="Times New Roman" panose="02020603050405020304" pitchFamily="18" charset="0"/>
+              </a:rPr>
+              <a:t>API Gateway</a:t>
+            </a:r>
+            <a:endParaRPr kumimoji="0" lang="en-US" altLang="en-US" sz="1100" b="0" i="0" u="none" strike="noStrike" cap="none" normalizeH="0" baseline="0" dirty="0">
+              <a:ln>
+                <a:noFill/>
+              </a:ln>
+              <a:solidFill>
+                <a:schemeClr val="tx1"/>
+              </a:solidFill>
+              <a:effectLst/>
+              <a:latin typeface="Verdana" panose="020B0604030504040204" pitchFamily="34" charset="0"/>
+              <a:ea typeface="Verdana" panose="020B0604030504040204" pitchFamily="34" charset="0"/>
+            </a:endParaRPr>
+          </a:p>
+        </p:txBody>
+      </p:sp>
+      <p:sp>
+        <p:nvSpPr>
+          <p:cNvPr id="13" name="Text Box 12">
+            <a:extLst>
+              <a:ext uri="{FF2B5EF4-FFF2-40B4-BE49-F238E27FC236}">
+                <a16:creationId xmlns:a16="http://schemas.microsoft.com/office/drawing/2014/main" id="{F8136BFE-D6EA-4D37-A244-5C56B205640F}"/>
+              </a:ext>
+            </a:extLst>
+          </p:cNvPr>
+          <p:cNvSpPr txBox="1">
+            <a:spLocks noChangeArrowheads="1"/>
+          </p:cNvSpPr>
+          <p:nvPr/>
+        </p:nvSpPr>
+        <p:spPr bwMode="auto">
+          <a:xfrm rot="20177329">
+            <a:off x="5324438" y="1857084"/>
+            <a:ext cx="1426280" cy="271369"/>
+          </a:xfrm>
+          <a:prstGeom prst="rect">
+            <a:avLst/>
+          </a:prstGeom>
+          <a:noFill/>
+          <a:ln w="19050">
+            <a:solidFill>
+              <a:srgbClr val="FFFFFF"/>
+            </a:solidFill>
+            <a:miter lim="800000"/>
+            <a:headEnd/>
+            <a:tailEnd/>
+          </a:ln>
+        </p:spPr>
+        <p:txBody>
+          <a:bodyPr vert="horz" wrap="none" lIns="91440" tIns="45720" rIns="91440" bIns="45720" numCol="1" anchor="t" anchorCtr="0" compatLnSpc="1">
+            <a:prstTxWarp prst="textNoShape">
+              <a:avLst/>
+            </a:prstTxWarp>
+          </a:bodyPr>
+          <a:lstStyle/>
+          <a:p>
+            <a:pPr marL="0" marR="0" lvl="0" indent="0" algn="l" defTabSz="914400" rtl="0" eaLnBrk="0" fontAlgn="base" latinLnBrk="0" hangingPunct="0">
+              <a:lnSpc>
+                <a:spcPct val="100000"/>
+              </a:lnSpc>
+              <a:spcBef>
+                <a:spcPct val="0"/>
+              </a:spcBef>
+              <a:spcAft>
+                <a:spcPct val="0"/>
+              </a:spcAft>
+              <a:buClrTx/>
+              <a:buSzTx/>
+              <a:buFontTx/>
+              <a:buNone/>
+              <a:tabLst/>
+            </a:pPr>
+            <a:r>
+              <a:rPr kumimoji="0" lang="en-US" altLang="en-US" sz="1100" b="0" i="0" u="none" strike="noStrike" cap="none" normalizeH="0" baseline="0" dirty="0">
+                <a:ln>
+                  <a:noFill/>
+                </a:ln>
+                <a:solidFill>
+                  <a:schemeClr val="tx1"/>
+                </a:solidFill>
+                <a:effectLst/>
+                <a:latin typeface="Verdana" panose="020B0604030504040204" pitchFamily="34" charset="0"/>
+                <a:ea typeface="Verdana" panose="020B0604030504040204" pitchFamily="34" charset="0"/>
+                <a:cs typeface="Times New Roman" panose="02020603050405020304" pitchFamily="18" charset="0"/>
+              </a:rPr>
+              <a:t>Service Discovery</a:t>
+            </a:r>
+            <a:endParaRPr kumimoji="0" lang="en-US" altLang="en-US" sz="1100" b="0" i="0" u="none" strike="noStrike" cap="none" normalizeH="0" baseline="0" dirty="0">
+              <a:ln>
+                <a:noFill/>
+              </a:ln>
+              <a:solidFill>
+                <a:schemeClr val="tx1"/>
+              </a:solidFill>
+              <a:effectLst/>
+              <a:latin typeface="Verdana" panose="020B0604030504040204" pitchFamily="34" charset="0"/>
+              <a:ea typeface="Verdana" panose="020B0604030504040204" pitchFamily="34" charset="0"/>
+            </a:endParaRPr>
+          </a:p>
+        </p:txBody>
+      </p:sp>
+      <p:sp>
+        <p:nvSpPr>
+          <p:cNvPr id="14" name="Text Box 13">
+            <a:extLst>
+              <a:ext uri="{FF2B5EF4-FFF2-40B4-BE49-F238E27FC236}">
+                <a16:creationId xmlns:a16="http://schemas.microsoft.com/office/drawing/2014/main" id="{208E9156-EABF-4163-BA4D-D53073EDEEC2}"/>
+              </a:ext>
+            </a:extLst>
+          </p:cNvPr>
+          <p:cNvSpPr txBox="1">
+            <a:spLocks noChangeArrowheads="1"/>
+          </p:cNvSpPr>
+          <p:nvPr/>
+        </p:nvSpPr>
+        <p:spPr bwMode="auto">
+          <a:xfrm rot="18068768">
+            <a:off x="2722267" y="4142734"/>
+            <a:ext cx="740257" cy="291492"/>
           </a:xfrm>
           <a:prstGeom prst="rect">
             <a:avLst/>
@@ -3867,21 +3966,21 @@
           </a:lstStyle>
           <a:p>
             <a:r>
-              <a:rPr lang="en-US" altLang="en-US"/>
-              <a:t>JPA</a:t>
-            </a:r>
-          </a:p>
-          <a:p>
-            <a:endParaRPr lang="en-US" altLang="en-US"/>
-          </a:p>
-        </p:txBody>
-      </p:sp>
-      <p:sp>
-        <p:nvSpPr>
-          <p:cNvPr id="9" name="Text Box 8">
-            <a:extLst>
-              <a:ext uri="{FF2B5EF4-FFF2-40B4-BE49-F238E27FC236}">
-                <a16:creationId xmlns:a16="http://schemas.microsoft.com/office/drawing/2014/main" id="{237F9CAB-4473-41E7-ABB9-3587E6036EA1}"/>
+              <a:rPr lang="en-US" altLang="en-US" dirty="0"/>
+              <a:t>NO-SQL</a:t>
+            </a:r>
+          </a:p>
+          <a:p>
+            <a:endParaRPr lang="en-US" altLang="en-US" dirty="0"/>
+          </a:p>
+        </p:txBody>
+      </p:sp>
+      <p:sp>
+        <p:nvSpPr>
+          <p:cNvPr id="15" name="Text Box 14">
+            <a:extLst>
+              <a:ext uri="{FF2B5EF4-FFF2-40B4-BE49-F238E27FC236}">
+                <a16:creationId xmlns:a16="http://schemas.microsoft.com/office/drawing/2014/main" id="{09E0E49E-E693-4F1D-904F-E94F38F7B4FB}"/>
               </a:ext>
             </a:extLst>
           </p:cNvPr>
@@ -3891,9 +3990,9 @@
           <p:nvPr/>
         </p:nvSpPr>
         <p:spPr bwMode="auto">
-          <a:xfrm rot="-2727907">
-            <a:off x="4566748" y="3755231"/>
-            <a:ext cx="914400" cy="296018"/>
+          <a:xfrm rot="3790987">
+            <a:off x="2794303" y="2047565"/>
+            <a:ext cx="597059" cy="175074"/>
           </a:xfrm>
           <a:prstGeom prst="rect">
             <a:avLst/>
@@ -3946,21 +4045,21 @@
           </a:lstStyle>
           <a:p>
             <a:r>
-              <a:rPr lang="en-US" altLang="en-US"/>
-              <a:t>Security</a:t>
-            </a:r>
-          </a:p>
-          <a:p>
-            <a:endParaRPr lang="en-US" altLang="en-US"/>
-          </a:p>
-        </p:txBody>
-      </p:sp>
-      <p:sp>
-        <p:nvSpPr>
-          <p:cNvPr id="10" name="Text Box 9">
-            <a:extLst>
-              <a:ext uri="{FF2B5EF4-FFF2-40B4-BE49-F238E27FC236}">
-                <a16:creationId xmlns:a16="http://schemas.microsoft.com/office/drawing/2014/main" id="{4B1C6857-BA09-452F-92FE-347A4499FB84}"/>
+              <a:rPr lang="en-US" altLang="en-US" dirty="0"/>
+              <a:t>Cloud</a:t>
+            </a:r>
+          </a:p>
+          <a:p>
+            <a:endParaRPr lang="en-US" altLang="en-US" dirty="0"/>
+          </a:p>
+        </p:txBody>
+      </p:sp>
+      <p:sp>
+        <p:nvSpPr>
+          <p:cNvPr id="16" name="Text Box 15">
+            <a:extLst>
+              <a:ext uri="{FF2B5EF4-FFF2-40B4-BE49-F238E27FC236}">
+                <a16:creationId xmlns:a16="http://schemas.microsoft.com/office/drawing/2014/main" id="{EB1B7723-B4F4-43AB-B613-A660DD2EFFFB}"/>
               </a:ext>
             </a:extLst>
           </p:cNvPr>
@@ -3970,9 +4069,9 @@
           <p:nvPr/>
         </p:nvSpPr>
         <p:spPr bwMode="auto">
-          <a:xfrm rot="-993217">
-            <a:off x="4115645" y="3080704"/>
-            <a:ext cx="338138" cy="215900"/>
+          <a:xfrm rot="5676904">
+            <a:off x="3754915" y="1845060"/>
+            <a:ext cx="914400" cy="320726"/>
           </a:xfrm>
           <a:prstGeom prst="rect">
             <a:avLst/>
@@ -4026,7 +4125,7 @@
           <a:p>
             <a:r>
               <a:rPr lang="en-US" altLang="en-US" dirty="0"/>
-              <a:t>SSL</a:t>
+              <a:t>Containers</a:t>
             </a:r>
           </a:p>
           <a:p>
@@ -4034,12 +4133,1548 @@
           </a:p>
         </p:txBody>
       </p:sp>
-      <p:sp>
-        <p:nvSpPr>
-          <p:cNvPr id="11" name="Text Box 10">
-            <a:extLst>
-              <a:ext uri="{FF2B5EF4-FFF2-40B4-BE49-F238E27FC236}">
-                <a16:creationId xmlns:a16="http://schemas.microsoft.com/office/drawing/2014/main" id="{55E02A44-9174-4A37-8776-DD1D2AA785E3}"/>
+      <p:cxnSp>
+        <p:nvCxnSpPr>
+          <p:cNvPr id="18" name="Straight Arrow Connector 17">
+            <a:extLst>
+              <a:ext uri="{FF2B5EF4-FFF2-40B4-BE49-F238E27FC236}">
+                <a16:creationId xmlns:a16="http://schemas.microsoft.com/office/drawing/2014/main" id="{48BDB2C9-9E4F-4372-BBC0-FBCA855ACF56}"/>
+              </a:ext>
+            </a:extLst>
+          </p:cNvPr>
+          <p:cNvCxnSpPr>
+            <a:stCxn id="2" idx="0"/>
+            <a:endCxn id="16" idx="3"/>
+          </p:cNvCxnSpPr>
+          <p:nvPr/>
+        </p:nvCxnSpPr>
+        <p:spPr>
+          <a:xfrm flipV="1">
+            <a:off x="4111690" y="2461141"/>
+            <a:ext cx="63638" cy="589328"/>
+          </a:xfrm>
+          <a:prstGeom prst="straightConnector1">
+            <a:avLst/>
+          </a:prstGeom>
+          <a:ln>
+            <a:tailEnd type="triangle"/>
+          </a:ln>
+        </p:spPr>
+        <p:style>
+          <a:lnRef idx="1">
+            <a:schemeClr val="accent1"/>
+          </a:lnRef>
+          <a:fillRef idx="0">
+            <a:schemeClr val="accent1"/>
+          </a:fillRef>
+          <a:effectRef idx="0">
+            <a:schemeClr val="accent1"/>
+          </a:effectRef>
+          <a:fontRef idx="minor">
+            <a:schemeClr val="tx1"/>
+          </a:fontRef>
+        </p:style>
+      </p:cxnSp>
+      <p:cxnSp>
+        <p:nvCxnSpPr>
+          <p:cNvPr id="20" name="Straight Arrow Connector 19">
+            <a:extLst>
+              <a:ext uri="{FF2B5EF4-FFF2-40B4-BE49-F238E27FC236}">
+                <a16:creationId xmlns:a16="http://schemas.microsoft.com/office/drawing/2014/main" id="{3209729A-ED2A-48D6-8427-110B34B2065F}"/>
+              </a:ext>
+            </a:extLst>
+          </p:cNvPr>
+          <p:cNvCxnSpPr>
+            <a:cxnSpLocks/>
+            <a:stCxn id="2" idx="0"/>
+            <a:endCxn id="12" idx="1"/>
+          </p:cNvCxnSpPr>
+          <p:nvPr/>
+        </p:nvCxnSpPr>
+        <p:spPr>
+          <a:xfrm flipV="1">
+            <a:off x="4111690" y="2244663"/>
+            <a:ext cx="691442" cy="805806"/>
+          </a:xfrm>
+          <a:prstGeom prst="straightConnector1">
+            <a:avLst/>
+          </a:prstGeom>
+          <a:ln>
+            <a:tailEnd type="triangle"/>
+          </a:ln>
+        </p:spPr>
+        <p:style>
+          <a:lnRef idx="1">
+            <a:schemeClr val="accent1"/>
+          </a:lnRef>
+          <a:fillRef idx="0">
+            <a:schemeClr val="accent1"/>
+          </a:fillRef>
+          <a:effectRef idx="0">
+            <a:schemeClr val="accent1"/>
+          </a:effectRef>
+          <a:fontRef idx="minor">
+            <a:schemeClr val="tx1"/>
+          </a:fontRef>
+        </p:style>
+      </p:cxnSp>
+      <p:cxnSp>
+        <p:nvCxnSpPr>
+          <p:cNvPr id="23" name="Straight Arrow Connector 22">
+            <a:extLst>
+              <a:ext uri="{FF2B5EF4-FFF2-40B4-BE49-F238E27FC236}">
+                <a16:creationId xmlns:a16="http://schemas.microsoft.com/office/drawing/2014/main" id="{B919E9B3-7E6F-403B-B5B2-554C4E9DDAAA}"/>
+              </a:ext>
+            </a:extLst>
+          </p:cNvPr>
+          <p:cNvCxnSpPr>
+            <a:stCxn id="2" idx="0"/>
+            <a:endCxn id="13" idx="1"/>
+          </p:cNvCxnSpPr>
+          <p:nvPr/>
+        </p:nvCxnSpPr>
+        <p:spPr>
+          <a:xfrm flipV="1">
+            <a:off x="4111690" y="2279541"/>
+            <a:ext cx="1272949" cy="770928"/>
+          </a:xfrm>
+          <a:prstGeom prst="straightConnector1">
+            <a:avLst/>
+          </a:prstGeom>
+          <a:ln>
+            <a:tailEnd type="triangle"/>
+          </a:ln>
+        </p:spPr>
+        <p:style>
+          <a:lnRef idx="1">
+            <a:schemeClr val="accent1"/>
+          </a:lnRef>
+          <a:fillRef idx="0">
+            <a:schemeClr val="accent1"/>
+          </a:fillRef>
+          <a:effectRef idx="0">
+            <a:schemeClr val="accent1"/>
+          </a:effectRef>
+          <a:fontRef idx="minor">
+            <a:schemeClr val="tx1"/>
+          </a:fontRef>
+        </p:style>
+      </p:cxnSp>
+      <p:cxnSp>
+        <p:nvCxnSpPr>
+          <p:cNvPr id="27" name="Straight Arrow Connector 26">
+            <a:extLst>
+              <a:ext uri="{FF2B5EF4-FFF2-40B4-BE49-F238E27FC236}">
+                <a16:creationId xmlns:a16="http://schemas.microsoft.com/office/drawing/2014/main" id="{BE764E85-A6F1-4B9D-9B59-873947EDB8E1}"/>
+              </a:ext>
+            </a:extLst>
+          </p:cNvPr>
+          <p:cNvCxnSpPr>
+            <a:cxnSpLocks/>
+            <a:stCxn id="2" idx="6"/>
+            <a:endCxn id="4" idx="1"/>
+          </p:cNvCxnSpPr>
+          <p:nvPr/>
+        </p:nvCxnSpPr>
+        <p:spPr>
+          <a:xfrm>
+            <a:off x="4833363" y="3226682"/>
+            <a:ext cx="1114070" cy="233016"/>
+          </a:xfrm>
+          <a:prstGeom prst="straightConnector1">
+            <a:avLst/>
+          </a:prstGeom>
+          <a:ln>
+            <a:tailEnd type="triangle"/>
+          </a:ln>
+        </p:spPr>
+        <p:style>
+          <a:lnRef idx="1">
+            <a:schemeClr val="accent1"/>
+          </a:lnRef>
+          <a:fillRef idx="0">
+            <a:schemeClr val="accent1"/>
+          </a:fillRef>
+          <a:effectRef idx="0">
+            <a:schemeClr val="accent1"/>
+          </a:effectRef>
+          <a:fontRef idx="minor">
+            <a:schemeClr val="tx1"/>
+          </a:fontRef>
+        </p:style>
+      </p:cxnSp>
+      <p:cxnSp>
+        <p:nvCxnSpPr>
+          <p:cNvPr id="36" name="Straight Arrow Connector 35">
+            <a:extLst>
+              <a:ext uri="{FF2B5EF4-FFF2-40B4-BE49-F238E27FC236}">
+                <a16:creationId xmlns:a16="http://schemas.microsoft.com/office/drawing/2014/main" id="{A75C44F3-FAFB-402F-867D-702FB182F829}"/>
+              </a:ext>
+            </a:extLst>
+          </p:cNvPr>
+          <p:cNvCxnSpPr>
+            <a:cxnSpLocks/>
+            <a:stCxn id="2" idx="4"/>
+            <a:endCxn id="8" idx="1"/>
+          </p:cNvCxnSpPr>
+          <p:nvPr/>
+        </p:nvCxnSpPr>
+        <p:spPr>
+          <a:xfrm>
+            <a:off x="4111690" y="3402894"/>
+            <a:ext cx="431393" cy="506844"/>
+          </a:xfrm>
+          <a:prstGeom prst="straightConnector1">
+            <a:avLst/>
+          </a:prstGeom>
+          <a:ln>
+            <a:tailEnd type="triangle"/>
+          </a:ln>
+        </p:spPr>
+        <p:style>
+          <a:lnRef idx="1">
+            <a:schemeClr val="accent1"/>
+          </a:lnRef>
+          <a:fillRef idx="0">
+            <a:schemeClr val="accent1"/>
+          </a:fillRef>
+          <a:effectRef idx="0">
+            <a:schemeClr val="accent1"/>
+          </a:effectRef>
+          <a:fontRef idx="minor">
+            <a:schemeClr val="tx1"/>
+          </a:fontRef>
+        </p:style>
+      </p:cxnSp>
+      <p:cxnSp>
+        <p:nvCxnSpPr>
+          <p:cNvPr id="40" name="Straight Arrow Connector 39">
+            <a:extLst>
+              <a:ext uri="{FF2B5EF4-FFF2-40B4-BE49-F238E27FC236}">
+                <a16:creationId xmlns:a16="http://schemas.microsoft.com/office/drawing/2014/main" id="{94908CA3-974D-4337-881B-4842904BA655}"/>
+              </a:ext>
+            </a:extLst>
+          </p:cNvPr>
+          <p:cNvCxnSpPr>
+            <a:cxnSpLocks/>
+            <a:stCxn id="2" idx="3"/>
+            <a:endCxn id="14" idx="3"/>
+          </p:cNvCxnSpPr>
+          <p:nvPr/>
+        </p:nvCxnSpPr>
+        <p:spPr>
+          <a:xfrm flipH="1">
+            <a:off x="3283834" y="3351283"/>
+            <a:ext cx="317556" cy="620422"/>
+          </a:xfrm>
+          <a:prstGeom prst="straightConnector1">
+            <a:avLst/>
+          </a:prstGeom>
+          <a:ln>
+            <a:tailEnd type="triangle"/>
+          </a:ln>
+        </p:spPr>
+        <p:style>
+          <a:lnRef idx="1">
+            <a:schemeClr val="accent1"/>
+          </a:lnRef>
+          <a:fillRef idx="0">
+            <a:schemeClr val="accent1"/>
+          </a:fillRef>
+          <a:effectRef idx="0">
+            <a:schemeClr val="accent1"/>
+          </a:effectRef>
+          <a:fontRef idx="minor">
+            <a:schemeClr val="tx1"/>
+          </a:fontRef>
+        </p:style>
+      </p:cxnSp>
+      <p:cxnSp>
+        <p:nvCxnSpPr>
+          <p:cNvPr id="43" name="Straight Arrow Connector 42">
+            <a:extLst>
+              <a:ext uri="{FF2B5EF4-FFF2-40B4-BE49-F238E27FC236}">
+                <a16:creationId xmlns:a16="http://schemas.microsoft.com/office/drawing/2014/main" id="{9E5B642A-D186-4931-AEC8-6D7BEBE6F2B9}"/>
+              </a:ext>
+            </a:extLst>
+          </p:cNvPr>
+          <p:cNvCxnSpPr>
+            <a:stCxn id="2" idx="2"/>
+          </p:cNvCxnSpPr>
+          <p:nvPr/>
+        </p:nvCxnSpPr>
+        <p:spPr>
+          <a:xfrm flipH="1">
+            <a:off x="2795498" y="3226682"/>
+            <a:ext cx="594519" cy="176212"/>
+          </a:xfrm>
+          <a:prstGeom prst="straightConnector1">
+            <a:avLst/>
+          </a:prstGeom>
+          <a:ln>
+            <a:tailEnd type="triangle"/>
+          </a:ln>
+        </p:spPr>
+        <p:style>
+          <a:lnRef idx="1">
+            <a:schemeClr val="accent1"/>
+          </a:lnRef>
+          <a:fillRef idx="0">
+            <a:schemeClr val="accent1"/>
+          </a:fillRef>
+          <a:effectRef idx="0">
+            <a:schemeClr val="accent1"/>
+          </a:effectRef>
+          <a:fontRef idx="minor">
+            <a:schemeClr val="tx1"/>
+          </a:fontRef>
+        </p:style>
+      </p:cxnSp>
+      <p:cxnSp>
+        <p:nvCxnSpPr>
+          <p:cNvPr id="47" name="Straight Arrow Connector 46">
+            <a:extLst>
+              <a:ext uri="{FF2B5EF4-FFF2-40B4-BE49-F238E27FC236}">
+                <a16:creationId xmlns:a16="http://schemas.microsoft.com/office/drawing/2014/main" id="{78C91E6D-56C5-44DE-A56D-7980C789BE2F}"/>
+              </a:ext>
+            </a:extLst>
+          </p:cNvPr>
+          <p:cNvCxnSpPr>
+            <a:cxnSpLocks/>
+            <a:stCxn id="2" idx="1"/>
+            <a:endCxn id="15" idx="3"/>
+          </p:cNvCxnSpPr>
+          <p:nvPr/>
+        </p:nvCxnSpPr>
+        <p:spPr>
+          <a:xfrm flipH="1" flipV="1">
+            <a:off x="3227511" y="2401526"/>
+            <a:ext cx="373879" cy="700554"/>
+          </a:xfrm>
+          <a:prstGeom prst="straightConnector1">
+            <a:avLst/>
+          </a:prstGeom>
+          <a:ln>
+            <a:tailEnd type="triangle"/>
+          </a:ln>
+        </p:spPr>
+        <p:style>
+          <a:lnRef idx="1">
+            <a:schemeClr val="accent1"/>
+          </a:lnRef>
+          <a:fillRef idx="0">
+            <a:schemeClr val="accent1"/>
+          </a:fillRef>
+          <a:effectRef idx="0">
+            <a:schemeClr val="accent1"/>
+          </a:effectRef>
+          <a:fontRef idx="minor">
+            <a:schemeClr val="tx1"/>
+          </a:fontRef>
+        </p:style>
+      </p:cxnSp>
+      <p:sp>
+        <p:nvSpPr>
+          <p:cNvPr id="52" name="TextBox 51">
+            <a:extLst>
+              <a:ext uri="{FF2B5EF4-FFF2-40B4-BE49-F238E27FC236}">
+                <a16:creationId xmlns:a16="http://schemas.microsoft.com/office/drawing/2014/main" id="{BE9BA1D3-D0B0-4636-8426-E64EB37F72E1}"/>
+              </a:ext>
+            </a:extLst>
+          </p:cNvPr>
+          <p:cNvSpPr txBox="1"/>
+          <p:nvPr/>
+        </p:nvSpPr>
+        <p:spPr>
+          <a:xfrm>
+            <a:off x="5911986" y="339597"/>
+            <a:ext cx="429926" cy="261610"/>
+          </a:xfrm>
+          <a:prstGeom prst="rect">
+            <a:avLst/>
+          </a:prstGeom>
+          <a:noFill/>
+        </p:spPr>
+        <p:txBody>
+          <a:bodyPr wrap="square" rtlCol="0">
+            <a:spAutoFit/>
+          </a:bodyPr>
+          <a:lstStyle/>
+          <a:p>
+            <a:r>
+              <a:rPr lang="en-US" sz="1100" dirty="0" err="1"/>
+              <a:t>Zuul</a:t>
+            </a:r>
+            <a:endParaRPr lang="en-US" sz="1100" dirty="0"/>
+          </a:p>
+        </p:txBody>
+      </p:sp>
+      <p:sp>
+        <p:nvSpPr>
+          <p:cNvPr id="54" name="TextBox 53">
+            <a:extLst>
+              <a:ext uri="{FF2B5EF4-FFF2-40B4-BE49-F238E27FC236}">
+                <a16:creationId xmlns:a16="http://schemas.microsoft.com/office/drawing/2014/main" id="{605F944B-A296-4E70-A9BD-451D715A6D56}"/>
+              </a:ext>
+            </a:extLst>
+          </p:cNvPr>
+          <p:cNvSpPr txBox="1"/>
+          <p:nvPr/>
+        </p:nvSpPr>
+        <p:spPr>
+          <a:xfrm>
+            <a:off x="6447335" y="642007"/>
+            <a:ext cx="595490" cy="261610"/>
+          </a:xfrm>
+          <a:prstGeom prst="rect">
+            <a:avLst/>
+          </a:prstGeom>
+          <a:noFill/>
+        </p:spPr>
+        <p:txBody>
+          <a:bodyPr wrap="square" rtlCol="0">
+            <a:spAutoFit/>
+          </a:bodyPr>
+          <a:lstStyle/>
+          <a:p>
+            <a:r>
+              <a:rPr lang="en-US" sz="1100" dirty="0"/>
+              <a:t>NGINX</a:t>
+            </a:r>
+          </a:p>
+        </p:txBody>
+      </p:sp>
+      <p:sp>
+        <p:nvSpPr>
+          <p:cNvPr id="55" name="TextBox 54">
+            <a:extLst>
+              <a:ext uri="{FF2B5EF4-FFF2-40B4-BE49-F238E27FC236}">
+                <a16:creationId xmlns:a16="http://schemas.microsoft.com/office/drawing/2014/main" id="{B07E8B48-00BD-4D1E-A56C-37EE2CE130A9}"/>
+              </a:ext>
+            </a:extLst>
+          </p:cNvPr>
+          <p:cNvSpPr txBox="1"/>
+          <p:nvPr/>
+        </p:nvSpPr>
+        <p:spPr>
+          <a:xfrm>
+            <a:off x="7190629" y="1359696"/>
+            <a:ext cx="841896" cy="261610"/>
+          </a:xfrm>
+          <a:prstGeom prst="rect">
+            <a:avLst/>
+          </a:prstGeom>
+          <a:noFill/>
+        </p:spPr>
+        <p:txBody>
+          <a:bodyPr wrap="square" rtlCol="0">
+            <a:spAutoFit/>
+          </a:bodyPr>
+          <a:lstStyle/>
+          <a:p>
+            <a:r>
+              <a:rPr lang="en-US" sz="1100" dirty="0"/>
+              <a:t>EUREKA</a:t>
+            </a:r>
+          </a:p>
+        </p:txBody>
+      </p:sp>
+      <p:cxnSp>
+        <p:nvCxnSpPr>
+          <p:cNvPr id="3081" name="Straight Arrow Connector 3080">
+            <a:extLst>
+              <a:ext uri="{FF2B5EF4-FFF2-40B4-BE49-F238E27FC236}">
+                <a16:creationId xmlns:a16="http://schemas.microsoft.com/office/drawing/2014/main" id="{D0DA1E2F-5964-4EE5-9971-E94278AFB6B0}"/>
+              </a:ext>
+            </a:extLst>
+          </p:cNvPr>
+          <p:cNvCxnSpPr>
+            <a:cxnSpLocks/>
+            <a:stCxn id="15" idx="1"/>
+            <a:endCxn id="1032" idx="2"/>
+          </p:cNvCxnSpPr>
+          <p:nvPr/>
+        </p:nvCxnSpPr>
+        <p:spPr>
+          <a:xfrm flipH="1" flipV="1">
+            <a:off x="2782604" y="1465387"/>
+            <a:ext cx="175550" cy="403291"/>
+          </a:xfrm>
+          <a:prstGeom prst="straightConnector1">
+            <a:avLst/>
+          </a:prstGeom>
+          <a:ln>
+            <a:tailEnd type="triangle"/>
+          </a:ln>
+        </p:spPr>
+        <p:style>
+          <a:lnRef idx="1">
+            <a:schemeClr val="accent1"/>
+          </a:lnRef>
+          <a:fillRef idx="0">
+            <a:schemeClr val="accent1"/>
+          </a:fillRef>
+          <a:effectRef idx="0">
+            <a:schemeClr val="accent1"/>
+          </a:effectRef>
+          <a:fontRef idx="minor">
+            <a:schemeClr val="tx1"/>
+          </a:fontRef>
+        </p:style>
+      </p:cxnSp>
+      <p:cxnSp>
+        <p:nvCxnSpPr>
+          <p:cNvPr id="3088" name="Straight Arrow Connector 3087">
+            <a:extLst>
+              <a:ext uri="{FF2B5EF4-FFF2-40B4-BE49-F238E27FC236}">
+                <a16:creationId xmlns:a16="http://schemas.microsoft.com/office/drawing/2014/main" id="{AC82CF02-3B46-4A01-8BDA-66549447B135}"/>
+              </a:ext>
+            </a:extLst>
+          </p:cNvPr>
+          <p:cNvCxnSpPr>
+            <a:cxnSpLocks/>
+            <a:stCxn id="16" idx="1"/>
+            <a:endCxn id="1030" idx="2"/>
+          </p:cNvCxnSpPr>
+          <p:nvPr/>
+        </p:nvCxnSpPr>
+        <p:spPr>
+          <a:xfrm flipH="1" flipV="1">
+            <a:off x="3808295" y="902751"/>
+            <a:ext cx="440607" cy="646954"/>
+          </a:xfrm>
+          <a:prstGeom prst="straightConnector1">
+            <a:avLst/>
+          </a:prstGeom>
+          <a:ln>
+            <a:tailEnd type="triangle"/>
+          </a:ln>
+        </p:spPr>
+        <p:style>
+          <a:lnRef idx="1">
+            <a:schemeClr val="accent1"/>
+          </a:lnRef>
+          <a:fillRef idx="0">
+            <a:schemeClr val="accent1"/>
+          </a:fillRef>
+          <a:effectRef idx="0">
+            <a:schemeClr val="accent1"/>
+          </a:effectRef>
+          <a:fontRef idx="minor">
+            <a:schemeClr val="tx1"/>
+          </a:fontRef>
+        </p:style>
+      </p:cxnSp>
+      <p:cxnSp>
+        <p:nvCxnSpPr>
+          <p:cNvPr id="3090" name="Straight Arrow Connector 3089">
+            <a:extLst>
+              <a:ext uri="{FF2B5EF4-FFF2-40B4-BE49-F238E27FC236}">
+                <a16:creationId xmlns:a16="http://schemas.microsoft.com/office/drawing/2014/main" id="{6855B5AA-CAC1-451F-859B-962E3178300A}"/>
+              </a:ext>
+            </a:extLst>
+          </p:cNvPr>
+          <p:cNvCxnSpPr>
+            <a:cxnSpLocks/>
+            <a:stCxn id="16" idx="1"/>
+            <a:endCxn id="1028" idx="2"/>
+          </p:cNvCxnSpPr>
+          <p:nvPr/>
+        </p:nvCxnSpPr>
+        <p:spPr>
+          <a:xfrm flipV="1">
+            <a:off x="4248902" y="933711"/>
+            <a:ext cx="352049" cy="615994"/>
+          </a:xfrm>
+          <a:prstGeom prst="straightConnector1">
+            <a:avLst/>
+          </a:prstGeom>
+          <a:ln>
+            <a:tailEnd type="triangle"/>
+          </a:ln>
+        </p:spPr>
+        <p:style>
+          <a:lnRef idx="1">
+            <a:schemeClr val="accent1"/>
+          </a:lnRef>
+          <a:fillRef idx="0">
+            <a:schemeClr val="accent1"/>
+          </a:fillRef>
+          <a:effectRef idx="0">
+            <a:schemeClr val="accent1"/>
+          </a:effectRef>
+          <a:fontRef idx="minor">
+            <a:schemeClr val="tx1"/>
+          </a:fontRef>
+        </p:style>
+      </p:cxnSp>
+      <p:cxnSp>
+        <p:nvCxnSpPr>
+          <p:cNvPr id="3093" name="Straight Arrow Connector 3092">
+            <a:extLst>
+              <a:ext uri="{FF2B5EF4-FFF2-40B4-BE49-F238E27FC236}">
+                <a16:creationId xmlns:a16="http://schemas.microsoft.com/office/drawing/2014/main" id="{0E80E19E-2DC4-4F74-9828-302239DB55B4}"/>
+              </a:ext>
+            </a:extLst>
+          </p:cNvPr>
+          <p:cNvCxnSpPr>
+            <a:cxnSpLocks/>
+            <a:stCxn id="12" idx="3"/>
+            <a:endCxn id="100" idx="2"/>
+          </p:cNvCxnSpPr>
+          <p:nvPr/>
+        </p:nvCxnSpPr>
+        <p:spPr>
+          <a:xfrm flipV="1">
+            <a:off x="5609875" y="560187"/>
+            <a:ext cx="491814" cy="857938"/>
+          </a:xfrm>
+          <a:prstGeom prst="straightConnector1">
+            <a:avLst/>
+          </a:prstGeom>
+          <a:ln>
+            <a:tailEnd type="triangle"/>
+          </a:ln>
+        </p:spPr>
+        <p:style>
+          <a:lnRef idx="1">
+            <a:schemeClr val="accent1"/>
+          </a:lnRef>
+          <a:fillRef idx="0">
+            <a:schemeClr val="accent1"/>
+          </a:fillRef>
+          <a:effectRef idx="0">
+            <a:schemeClr val="accent1"/>
+          </a:effectRef>
+          <a:fontRef idx="minor">
+            <a:schemeClr val="tx1"/>
+          </a:fontRef>
+        </p:style>
+      </p:cxnSp>
+      <p:cxnSp>
+        <p:nvCxnSpPr>
+          <p:cNvPr id="3095" name="Straight Arrow Connector 3094">
+            <a:extLst>
+              <a:ext uri="{FF2B5EF4-FFF2-40B4-BE49-F238E27FC236}">
+                <a16:creationId xmlns:a16="http://schemas.microsoft.com/office/drawing/2014/main" id="{7701F50F-4C0F-485E-B382-970887A24059}"/>
+              </a:ext>
+            </a:extLst>
+          </p:cNvPr>
+          <p:cNvCxnSpPr>
+            <a:cxnSpLocks/>
+            <a:stCxn id="12" idx="3"/>
+            <a:endCxn id="1026" idx="2"/>
+          </p:cNvCxnSpPr>
+          <p:nvPr/>
+        </p:nvCxnSpPr>
+        <p:spPr>
+          <a:xfrm flipV="1">
+            <a:off x="5609875" y="853969"/>
+            <a:ext cx="1144231" cy="564156"/>
+          </a:xfrm>
+          <a:prstGeom prst="straightConnector1">
+            <a:avLst/>
+          </a:prstGeom>
+          <a:ln>
+            <a:tailEnd type="triangle"/>
+          </a:ln>
+        </p:spPr>
+        <p:style>
+          <a:lnRef idx="1">
+            <a:schemeClr val="accent1"/>
+          </a:lnRef>
+          <a:fillRef idx="0">
+            <a:schemeClr val="accent1"/>
+          </a:fillRef>
+          <a:effectRef idx="0">
+            <a:schemeClr val="accent1"/>
+          </a:effectRef>
+          <a:fontRef idx="minor">
+            <a:schemeClr val="tx1"/>
+          </a:fontRef>
+        </p:style>
+      </p:cxnSp>
+      <p:cxnSp>
+        <p:nvCxnSpPr>
+          <p:cNvPr id="3097" name="Straight Arrow Connector 3096">
+            <a:extLst>
+              <a:ext uri="{FF2B5EF4-FFF2-40B4-BE49-F238E27FC236}">
+                <a16:creationId xmlns:a16="http://schemas.microsoft.com/office/drawing/2014/main" id="{ED9F9401-B3B1-4DFD-933F-0C0F27297168}"/>
+              </a:ext>
+            </a:extLst>
+          </p:cNvPr>
+          <p:cNvCxnSpPr>
+            <a:cxnSpLocks/>
+            <a:stCxn id="13" idx="3"/>
+            <a:endCxn id="83" idx="1"/>
+          </p:cNvCxnSpPr>
+          <p:nvPr/>
+        </p:nvCxnSpPr>
+        <p:spPr>
+          <a:xfrm flipV="1">
+            <a:off x="6690518" y="1471830"/>
+            <a:ext cx="511275" cy="234166"/>
+          </a:xfrm>
+          <a:prstGeom prst="straightConnector1">
+            <a:avLst/>
+          </a:prstGeom>
+          <a:ln>
+            <a:tailEnd type="triangle"/>
+          </a:ln>
+        </p:spPr>
+        <p:style>
+          <a:lnRef idx="1">
+            <a:schemeClr val="accent1"/>
+          </a:lnRef>
+          <a:fillRef idx="0">
+            <a:schemeClr val="accent1"/>
+          </a:fillRef>
+          <a:effectRef idx="0">
+            <a:schemeClr val="accent1"/>
+          </a:effectRef>
+          <a:fontRef idx="minor">
+            <a:schemeClr val="tx1"/>
+          </a:fontRef>
+        </p:style>
+      </p:cxnSp>
+      <p:cxnSp>
+        <p:nvCxnSpPr>
+          <p:cNvPr id="3100" name="Straight Arrow Connector 3099">
+            <a:extLst>
+              <a:ext uri="{FF2B5EF4-FFF2-40B4-BE49-F238E27FC236}">
+                <a16:creationId xmlns:a16="http://schemas.microsoft.com/office/drawing/2014/main" id="{8931B146-F43E-47DC-9C4D-96520DCD72CB}"/>
+              </a:ext>
+            </a:extLst>
+          </p:cNvPr>
+          <p:cNvCxnSpPr>
+            <a:cxnSpLocks/>
+            <a:stCxn id="10" idx="1"/>
+            <a:endCxn id="1062" idx="3"/>
+          </p:cNvCxnSpPr>
+          <p:nvPr/>
+        </p:nvCxnSpPr>
+        <p:spPr>
+          <a:xfrm flipH="1">
+            <a:off x="1560102" y="3501864"/>
+            <a:ext cx="760259" cy="28518"/>
+          </a:xfrm>
+          <a:prstGeom prst="straightConnector1">
+            <a:avLst/>
+          </a:prstGeom>
+          <a:ln>
+            <a:tailEnd type="triangle"/>
+          </a:ln>
+        </p:spPr>
+        <p:style>
+          <a:lnRef idx="1">
+            <a:schemeClr val="accent1"/>
+          </a:lnRef>
+          <a:fillRef idx="0">
+            <a:schemeClr val="accent1"/>
+          </a:fillRef>
+          <a:effectRef idx="0">
+            <a:schemeClr val="accent1"/>
+          </a:effectRef>
+          <a:fontRef idx="minor">
+            <a:schemeClr val="tx1"/>
+          </a:fontRef>
+        </p:style>
+      </p:cxnSp>
+      <p:cxnSp>
+        <p:nvCxnSpPr>
+          <p:cNvPr id="3102" name="Straight Arrow Connector 3101">
+            <a:extLst>
+              <a:ext uri="{FF2B5EF4-FFF2-40B4-BE49-F238E27FC236}">
+                <a16:creationId xmlns:a16="http://schemas.microsoft.com/office/drawing/2014/main" id="{A3CBEBD1-4769-411A-AD21-484A85E249BA}"/>
+              </a:ext>
+            </a:extLst>
+          </p:cNvPr>
+          <p:cNvCxnSpPr>
+            <a:cxnSpLocks/>
+            <a:stCxn id="10" idx="1"/>
+            <a:endCxn id="1064" idx="3"/>
+          </p:cNvCxnSpPr>
+          <p:nvPr/>
+        </p:nvCxnSpPr>
+        <p:spPr>
+          <a:xfrm flipH="1">
+            <a:off x="1833983" y="3501864"/>
+            <a:ext cx="486378" cy="726959"/>
+          </a:xfrm>
+          <a:prstGeom prst="straightConnector1">
+            <a:avLst/>
+          </a:prstGeom>
+          <a:ln>
+            <a:tailEnd type="triangle"/>
+          </a:ln>
+        </p:spPr>
+        <p:style>
+          <a:lnRef idx="1">
+            <a:schemeClr val="accent1"/>
+          </a:lnRef>
+          <a:fillRef idx="0">
+            <a:schemeClr val="accent1"/>
+          </a:fillRef>
+          <a:effectRef idx="0">
+            <a:schemeClr val="accent1"/>
+          </a:effectRef>
+          <a:fontRef idx="minor">
+            <a:schemeClr val="tx1"/>
+          </a:fontRef>
+        </p:style>
+      </p:cxnSp>
+      <p:cxnSp>
+        <p:nvCxnSpPr>
+          <p:cNvPr id="66" name="Straight Arrow Connector 65">
+            <a:extLst>
+              <a:ext uri="{FF2B5EF4-FFF2-40B4-BE49-F238E27FC236}">
+                <a16:creationId xmlns:a16="http://schemas.microsoft.com/office/drawing/2014/main" id="{B94809A7-3829-41F2-BA4F-0A85D4C7840D}"/>
+              </a:ext>
+            </a:extLst>
+          </p:cNvPr>
+          <p:cNvCxnSpPr>
+            <a:cxnSpLocks/>
+            <a:stCxn id="8" idx="3"/>
+            <a:endCxn id="89" idx="1"/>
+          </p:cNvCxnSpPr>
+          <p:nvPr/>
+        </p:nvCxnSpPr>
+        <p:spPr>
+          <a:xfrm>
+            <a:off x="4847559" y="4241320"/>
+            <a:ext cx="429909" cy="581765"/>
+          </a:xfrm>
+          <a:prstGeom prst="straightConnector1">
+            <a:avLst/>
+          </a:prstGeom>
+          <a:ln>
+            <a:tailEnd type="triangle"/>
+          </a:ln>
+        </p:spPr>
+        <p:style>
+          <a:lnRef idx="1">
+            <a:schemeClr val="accent1"/>
+          </a:lnRef>
+          <a:fillRef idx="0">
+            <a:schemeClr val="accent1"/>
+          </a:fillRef>
+          <a:effectRef idx="0">
+            <a:schemeClr val="accent1"/>
+          </a:effectRef>
+          <a:fontRef idx="minor">
+            <a:schemeClr val="tx1"/>
+          </a:fontRef>
+        </p:style>
+      </p:cxnSp>
+      <p:sp>
+        <p:nvSpPr>
+          <p:cNvPr id="89" name="TextBox 88">
+            <a:extLst>
+              <a:ext uri="{FF2B5EF4-FFF2-40B4-BE49-F238E27FC236}">
+                <a16:creationId xmlns:a16="http://schemas.microsoft.com/office/drawing/2014/main" id="{87379513-AEAD-4C26-949D-CCC094E23881}"/>
+              </a:ext>
+            </a:extLst>
+          </p:cNvPr>
+          <p:cNvSpPr txBox="1"/>
+          <p:nvPr/>
+        </p:nvSpPr>
+        <p:spPr>
+          <a:xfrm>
+            <a:off x="5277468" y="4269087"/>
+            <a:ext cx="1312613" cy="1107996"/>
+          </a:xfrm>
+          <a:prstGeom prst="rect">
+            <a:avLst/>
+          </a:prstGeom>
+          <a:noFill/>
+          <a:ln>
+            <a:noFill/>
+          </a:ln>
+        </p:spPr>
+        <p:txBody>
+          <a:bodyPr wrap="square" rtlCol="0">
+            <a:spAutoFit/>
+          </a:bodyPr>
+          <a:lstStyle/>
+          <a:p>
+            <a:pPr marL="171450" indent="-171450">
+              <a:buFont typeface="Arial" panose="020B0604020202020204" pitchFamily="34" charset="0"/>
+              <a:buChar char="•"/>
+            </a:pPr>
+            <a:r>
+              <a:rPr lang="en-US" sz="1100" dirty="0"/>
+              <a:t>One to One</a:t>
+            </a:r>
+          </a:p>
+          <a:p>
+            <a:pPr marL="171450" indent="-171450">
+              <a:buFont typeface="Arial" panose="020B0604020202020204" pitchFamily="34" charset="0"/>
+              <a:buChar char="•"/>
+            </a:pPr>
+            <a:r>
+              <a:rPr lang="en-US" sz="1100" dirty="0"/>
+              <a:t>One to Many</a:t>
+            </a:r>
+          </a:p>
+          <a:p>
+            <a:pPr marL="171450" indent="-171450">
+              <a:buFont typeface="Arial" panose="020B0604020202020204" pitchFamily="34" charset="0"/>
+              <a:buChar char="•"/>
+            </a:pPr>
+            <a:r>
+              <a:rPr lang="en-US" sz="1100" dirty="0"/>
+              <a:t>Pageable</a:t>
+            </a:r>
+          </a:p>
+          <a:p>
+            <a:pPr marL="171450" indent="-171450">
+              <a:buFont typeface="Arial" panose="020B0604020202020204" pitchFamily="34" charset="0"/>
+              <a:buChar char="•"/>
+            </a:pPr>
+            <a:r>
+              <a:rPr lang="en-US" sz="1100" dirty="0"/>
+              <a:t>Specification</a:t>
+            </a:r>
+          </a:p>
+          <a:p>
+            <a:pPr marL="171450" indent="-171450">
+              <a:buFont typeface="Arial" panose="020B0604020202020204" pitchFamily="34" charset="0"/>
+              <a:buChar char="•"/>
+            </a:pPr>
+            <a:r>
+              <a:rPr lang="en-US" sz="1100" dirty="0"/>
+              <a:t> Dynamic Query</a:t>
+            </a:r>
+          </a:p>
+          <a:p>
+            <a:endParaRPr lang="en-US" sz="1100" dirty="0"/>
+          </a:p>
+        </p:txBody>
+      </p:sp>
+      <p:pic>
+        <p:nvPicPr>
+          <p:cNvPr id="83" name="Picture 82">
+            <a:extLst>
+              <a:ext uri="{FF2B5EF4-FFF2-40B4-BE49-F238E27FC236}">
+                <a16:creationId xmlns:a16="http://schemas.microsoft.com/office/drawing/2014/main" id="{4D0F2CAF-9C82-4ED7-A902-E2AAD71109A2}"/>
+              </a:ext>
+            </a:extLst>
+          </p:cNvPr>
+          <p:cNvPicPr>
+            <a:picLocks noChangeAspect="1"/>
+          </p:cNvPicPr>
+          <p:nvPr/>
+        </p:nvPicPr>
+        <p:blipFill>
+          <a:blip r:embed="rId2"/>
+          <a:stretch>
+            <a:fillRect/>
+          </a:stretch>
+        </p:blipFill>
+        <p:spPr>
+          <a:xfrm>
+            <a:off x="7201793" y="1323887"/>
+            <a:ext cx="582376" cy="295885"/>
+          </a:xfrm>
+          <a:prstGeom prst="rect">
+            <a:avLst/>
+          </a:prstGeom>
+        </p:spPr>
+      </p:pic>
+      <p:pic>
+        <p:nvPicPr>
+          <p:cNvPr id="100" name="Picture 99">
+            <a:extLst>
+              <a:ext uri="{FF2B5EF4-FFF2-40B4-BE49-F238E27FC236}">
+                <a16:creationId xmlns:a16="http://schemas.microsoft.com/office/drawing/2014/main" id="{1D23B70C-D28C-4FDA-AD10-77C6254307BD}"/>
+              </a:ext>
+            </a:extLst>
+          </p:cNvPr>
+          <p:cNvPicPr>
+            <a:picLocks noChangeAspect="1"/>
+          </p:cNvPicPr>
+          <p:nvPr/>
+        </p:nvPicPr>
+        <p:blipFill>
+          <a:blip r:embed="rId3"/>
+          <a:stretch>
+            <a:fillRect/>
+          </a:stretch>
+        </p:blipFill>
+        <p:spPr>
+          <a:xfrm>
+            <a:off x="5886726" y="310975"/>
+            <a:ext cx="429926" cy="249212"/>
+          </a:xfrm>
+          <a:prstGeom prst="rect">
+            <a:avLst/>
+          </a:prstGeom>
+        </p:spPr>
+      </p:pic>
+      <p:pic>
+        <p:nvPicPr>
+          <p:cNvPr id="1026" name="Picture 2" descr="Image result for nginx">
+            <a:extLst>
+              <a:ext uri="{FF2B5EF4-FFF2-40B4-BE49-F238E27FC236}">
+                <a16:creationId xmlns:a16="http://schemas.microsoft.com/office/drawing/2014/main" id="{810C1B46-547A-4FB6-A20D-7470BC413778}"/>
+              </a:ext>
+            </a:extLst>
+          </p:cNvPr>
+          <p:cNvPicPr>
+            <a:picLocks noChangeAspect="1" noChangeArrowheads="1"/>
+          </p:cNvPicPr>
+          <p:nvPr/>
+        </p:nvPicPr>
+        <p:blipFill>
+          <a:blip r:embed="rId4">
+            <a:extLst>
+              <a:ext uri="{28A0092B-C50C-407E-A947-70E740481C1C}">
+                <a14:useLocalDpi xmlns:a14="http://schemas.microsoft.com/office/drawing/2010/main" val="0"/>
+              </a:ext>
+            </a:extLst>
+          </a:blip>
+          <a:srcRect/>
+          <a:stretch>
+            <a:fillRect/>
+          </a:stretch>
+        </p:blipFill>
+        <p:spPr bwMode="auto">
+          <a:xfrm>
+            <a:off x="6504819" y="686921"/>
+            <a:ext cx="498574" cy="167048"/>
+          </a:xfrm>
+          <a:prstGeom prst="rect">
+            <a:avLst/>
+          </a:prstGeom>
+          <a:noFill/>
+          <a:extLst>
+            <a:ext uri="{909E8E84-426E-40DD-AFC4-6F175D3DCCD1}">
+              <a14:hiddenFill xmlns:a14="http://schemas.microsoft.com/office/drawing/2010/main">
+                <a:solidFill>
+                  <a:srgbClr val="FFFFFF"/>
+                </a:solidFill>
+              </a14:hiddenFill>
+            </a:ext>
+          </a:extLst>
+        </p:spPr>
+      </p:pic>
+      <p:pic>
+        <p:nvPicPr>
+          <p:cNvPr id="1028" name="Picture 4" descr="Image result for kubernetes">
+            <a:extLst>
+              <a:ext uri="{FF2B5EF4-FFF2-40B4-BE49-F238E27FC236}">
+                <a16:creationId xmlns:a16="http://schemas.microsoft.com/office/drawing/2014/main" id="{F16098E0-44F7-45D7-8C87-E29EA735BE8D}"/>
+              </a:ext>
+            </a:extLst>
+          </p:cNvPr>
+          <p:cNvPicPr>
+            <a:picLocks noChangeAspect="1" noChangeArrowheads="1"/>
+          </p:cNvPicPr>
+          <p:nvPr/>
+        </p:nvPicPr>
+        <p:blipFill>
+          <a:blip r:embed="rId5">
+            <a:extLst>
+              <a:ext uri="{28A0092B-C50C-407E-A947-70E740481C1C}">
+                <a14:useLocalDpi xmlns:a14="http://schemas.microsoft.com/office/drawing/2010/main" val="0"/>
+              </a:ext>
+            </a:extLst>
+          </a:blip>
+          <a:srcRect/>
+          <a:stretch>
+            <a:fillRect/>
+          </a:stretch>
+        </p:blipFill>
+        <p:spPr bwMode="auto">
+          <a:xfrm>
+            <a:off x="4272513" y="435581"/>
+            <a:ext cx="656875" cy="498130"/>
+          </a:xfrm>
+          <a:prstGeom prst="rect">
+            <a:avLst/>
+          </a:prstGeom>
+          <a:noFill/>
+          <a:extLst>
+            <a:ext uri="{909E8E84-426E-40DD-AFC4-6F175D3DCCD1}">
+              <a14:hiddenFill xmlns:a14="http://schemas.microsoft.com/office/drawing/2010/main">
+                <a:solidFill>
+                  <a:srgbClr val="FFFFFF"/>
+                </a:solidFill>
+              </a14:hiddenFill>
+            </a:ext>
+          </a:extLst>
+        </p:spPr>
+      </p:pic>
+      <p:pic>
+        <p:nvPicPr>
+          <p:cNvPr id="1030" name="Picture 6" descr="Image result for docker">
+            <a:extLst>
+              <a:ext uri="{FF2B5EF4-FFF2-40B4-BE49-F238E27FC236}">
+                <a16:creationId xmlns:a16="http://schemas.microsoft.com/office/drawing/2014/main" id="{F0F39C7A-260F-4593-865B-71A8CCE185BF}"/>
+              </a:ext>
+            </a:extLst>
+          </p:cNvPr>
+          <p:cNvPicPr>
+            <a:picLocks noChangeAspect="1" noChangeArrowheads="1"/>
+          </p:cNvPicPr>
+          <p:nvPr/>
+        </p:nvPicPr>
+        <p:blipFill>
+          <a:blip r:embed="rId6">
+            <a:extLst>
+              <a:ext uri="{28A0092B-C50C-407E-A947-70E740481C1C}">
+                <a14:useLocalDpi xmlns:a14="http://schemas.microsoft.com/office/drawing/2010/main" val="0"/>
+              </a:ext>
+            </a:extLst>
+          </a:blip>
+          <a:srcRect/>
+          <a:stretch>
+            <a:fillRect/>
+          </a:stretch>
+        </p:blipFill>
+        <p:spPr bwMode="auto">
+          <a:xfrm>
+            <a:off x="3475802" y="530359"/>
+            <a:ext cx="664986" cy="372392"/>
+          </a:xfrm>
+          <a:prstGeom prst="rect">
+            <a:avLst/>
+          </a:prstGeom>
+          <a:noFill/>
+          <a:extLst>
+            <a:ext uri="{909E8E84-426E-40DD-AFC4-6F175D3DCCD1}">
+              <a14:hiddenFill xmlns:a14="http://schemas.microsoft.com/office/drawing/2010/main">
+                <a:solidFill>
+                  <a:srgbClr val="FFFFFF"/>
+                </a:solidFill>
+              </a14:hiddenFill>
+            </a:ext>
+          </a:extLst>
+        </p:spPr>
+      </p:pic>
+      <p:pic>
+        <p:nvPicPr>
+          <p:cNvPr id="1032" name="Picture 8" descr="Image result for pivotal cloud foundry">
+            <a:extLst>
+              <a:ext uri="{FF2B5EF4-FFF2-40B4-BE49-F238E27FC236}">
+                <a16:creationId xmlns:a16="http://schemas.microsoft.com/office/drawing/2014/main" id="{B3EA0284-D7BD-4594-8D8B-9125331D4D01}"/>
+              </a:ext>
+            </a:extLst>
+          </p:cNvPr>
+          <p:cNvPicPr>
+            <a:picLocks noChangeAspect="1" noChangeArrowheads="1"/>
+          </p:cNvPicPr>
+          <p:nvPr/>
+        </p:nvPicPr>
+        <p:blipFill>
+          <a:blip r:embed="rId7">
+            <a:extLst>
+              <a:ext uri="{28A0092B-C50C-407E-A947-70E740481C1C}">
+                <a14:useLocalDpi xmlns:a14="http://schemas.microsoft.com/office/drawing/2010/main" val="0"/>
+              </a:ext>
+            </a:extLst>
+          </a:blip>
+          <a:srcRect/>
+          <a:stretch>
+            <a:fillRect/>
+          </a:stretch>
+        </p:blipFill>
+        <p:spPr bwMode="auto">
+          <a:xfrm>
+            <a:off x="2453264" y="806707"/>
+            <a:ext cx="658680" cy="658680"/>
+          </a:xfrm>
+          <a:prstGeom prst="rect">
+            <a:avLst/>
+          </a:prstGeom>
+          <a:noFill/>
+          <a:extLst>
+            <a:ext uri="{909E8E84-426E-40DD-AFC4-6F175D3DCCD1}">
+              <a14:hiddenFill xmlns:a14="http://schemas.microsoft.com/office/drawing/2010/main">
+                <a:solidFill>
+                  <a:srgbClr val="FFFFFF"/>
+                </a:solidFill>
+              </a14:hiddenFill>
+            </a:ext>
+          </a:extLst>
+        </p:spPr>
+      </p:pic>
+      <p:sp>
+        <p:nvSpPr>
+          <p:cNvPr id="1027" name="AutoShape 12" descr="Image result for elk stack">
+            <a:extLst>
+              <a:ext uri="{FF2B5EF4-FFF2-40B4-BE49-F238E27FC236}">
+                <a16:creationId xmlns:a16="http://schemas.microsoft.com/office/drawing/2014/main" id="{F3C9639C-BF4B-49FF-B60A-A6893CCDBD6B}"/>
+              </a:ext>
+            </a:extLst>
+          </p:cNvPr>
+          <p:cNvSpPr>
+            <a:spLocks noChangeAspect="1" noChangeArrowheads="1"/>
+          </p:cNvSpPr>
+          <p:nvPr/>
+        </p:nvSpPr>
+        <p:spPr bwMode="auto">
+          <a:xfrm>
+            <a:off x="5943600" y="3276600"/>
+            <a:ext cx="304800" cy="304800"/>
+          </a:xfrm>
+          <a:prstGeom prst="rect">
+            <a:avLst/>
+          </a:prstGeom>
+          <a:noFill/>
+          <a:extLst>
+            <a:ext uri="{909E8E84-426E-40DD-AFC4-6F175D3DCCD1}">
+              <a14:hiddenFill xmlns:a14="http://schemas.microsoft.com/office/drawing/2010/main">
+                <a:solidFill>
+                  <a:srgbClr val="FFFFFF"/>
+                </a:solidFill>
+              </a14:hiddenFill>
+            </a:ext>
+          </a:extLst>
+        </p:spPr>
+        <p:txBody>
+          <a:bodyPr vert="horz" wrap="square" lIns="91440" tIns="45720" rIns="91440" bIns="45720" numCol="1" anchor="t" anchorCtr="0" compatLnSpc="1">
+            <a:prstTxWarp prst="textNoShape">
+              <a:avLst/>
+            </a:prstTxWarp>
+          </a:bodyPr>
+          <a:lstStyle/>
+          <a:p>
+            <a:endParaRPr lang="en-US"/>
+          </a:p>
+        </p:txBody>
+      </p:sp>
+      <p:pic>
+        <p:nvPicPr>
+          <p:cNvPr id="1042" name="Picture 18" descr="Image result for beats elk logo">
+            <a:extLst>
+              <a:ext uri="{FF2B5EF4-FFF2-40B4-BE49-F238E27FC236}">
+                <a16:creationId xmlns:a16="http://schemas.microsoft.com/office/drawing/2014/main" id="{275CD212-BBC9-47BD-BD02-999958D27BD4}"/>
+              </a:ext>
+            </a:extLst>
+          </p:cNvPr>
+          <p:cNvPicPr>
+            <a:picLocks noChangeAspect="1" noChangeArrowheads="1"/>
+          </p:cNvPicPr>
+          <p:nvPr/>
+        </p:nvPicPr>
+        <p:blipFill>
+          <a:blip r:embed="rId8">
+            <a:extLst>
+              <a:ext uri="{28A0092B-C50C-407E-A947-70E740481C1C}">
+                <a14:useLocalDpi xmlns:a14="http://schemas.microsoft.com/office/drawing/2010/main" val="0"/>
+              </a:ext>
+            </a:extLst>
+          </a:blip>
+          <a:srcRect/>
+          <a:stretch>
+            <a:fillRect/>
+          </a:stretch>
+        </p:blipFill>
+        <p:spPr bwMode="auto">
+          <a:xfrm>
+            <a:off x="647886" y="2646901"/>
+            <a:ext cx="593321" cy="257512"/>
+          </a:xfrm>
+          <a:prstGeom prst="rect">
+            <a:avLst/>
+          </a:prstGeom>
+          <a:noFill/>
+          <a:extLst>
+            <a:ext uri="{909E8E84-426E-40DD-AFC4-6F175D3DCCD1}">
+              <a14:hiddenFill xmlns:a14="http://schemas.microsoft.com/office/drawing/2010/main">
+                <a:solidFill>
+                  <a:srgbClr val="FFFFFF"/>
+                </a:solidFill>
+              </a14:hiddenFill>
+            </a:ext>
+          </a:extLst>
+        </p:spPr>
+      </p:pic>
+      <p:pic>
+        <p:nvPicPr>
+          <p:cNvPr id="1044" name="Picture 20" descr="Image result for logstash logo">
+            <a:extLst>
+              <a:ext uri="{FF2B5EF4-FFF2-40B4-BE49-F238E27FC236}">
+                <a16:creationId xmlns:a16="http://schemas.microsoft.com/office/drawing/2014/main" id="{7336EE4D-AFDD-481B-A0A6-FD2EE8EF5195}"/>
+              </a:ext>
+            </a:extLst>
+          </p:cNvPr>
+          <p:cNvPicPr>
+            <a:picLocks noChangeAspect="1" noChangeArrowheads="1"/>
+          </p:cNvPicPr>
+          <p:nvPr/>
+        </p:nvPicPr>
+        <p:blipFill>
+          <a:blip r:embed="rId9">
+            <a:extLst>
+              <a:ext uri="{28A0092B-C50C-407E-A947-70E740481C1C}">
+                <a14:useLocalDpi xmlns:a14="http://schemas.microsoft.com/office/drawing/2010/main" val="0"/>
+              </a:ext>
+            </a:extLst>
+          </a:blip>
+          <a:srcRect/>
+          <a:stretch>
+            <a:fillRect/>
+          </a:stretch>
+        </p:blipFill>
+        <p:spPr bwMode="auto">
+          <a:xfrm>
+            <a:off x="647886" y="2218217"/>
+            <a:ext cx="756811" cy="257512"/>
+          </a:xfrm>
+          <a:prstGeom prst="rect">
+            <a:avLst/>
+          </a:prstGeom>
+          <a:noFill/>
+          <a:extLst>
+            <a:ext uri="{909E8E84-426E-40DD-AFC4-6F175D3DCCD1}">
+              <a14:hiddenFill xmlns:a14="http://schemas.microsoft.com/office/drawing/2010/main">
+                <a:solidFill>
+                  <a:srgbClr val="FFFFFF"/>
+                </a:solidFill>
+              </a14:hiddenFill>
+            </a:ext>
+          </a:extLst>
+        </p:spPr>
+      </p:pic>
+      <p:pic>
+        <p:nvPicPr>
+          <p:cNvPr id="1050" name="Picture 26" descr="Image result for kibana elk logo">
+            <a:extLst>
+              <a:ext uri="{FF2B5EF4-FFF2-40B4-BE49-F238E27FC236}">
+                <a16:creationId xmlns:a16="http://schemas.microsoft.com/office/drawing/2014/main" id="{BC6217E2-EE87-476C-9310-01EA2CBEC526}"/>
+              </a:ext>
+            </a:extLst>
+          </p:cNvPr>
+          <p:cNvPicPr>
+            <a:picLocks noChangeAspect="1" noChangeArrowheads="1"/>
+          </p:cNvPicPr>
+          <p:nvPr/>
+        </p:nvPicPr>
+        <p:blipFill>
+          <a:blip r:embed="rId10">
+            <a:extLst>
+              <a:ext uri="{28A0092B-C50C-407E-A947-70E740481C1C}">
+                <a14:useLocalDpi xmlns:a14="http://schemas.microsoft.com/office/drawing/2010/main" val="0"/>
+              </a:ext>
+            </a:extLst>
+          </a:blip>
+          <a:srcRect/>
+          <a:stretch>
+            <a:fillRect/>
+          </a:stretch>
+        </p:blipFill>
+        <p:spPr bwMode="auto">
+          <a:xfrm>
+            <a:off x="1310996" y="1633212"/>
+            <a:ext cx="687409" cy="263950"/>
+          </a:xfrm>
+          <a:prstGeom prst="rect">
+            <a:avLst/>
+          </a:prstGeom>
+          <a:noFill/>
+          <a:extLst>
+            <a:ext uri="{909E8E84-426E-40DD-AFC4-6F175D3DCCD1}">
+              <a14:hiddenFill xmlns:a14="http://schemas.microsoft.com/office/drawing/2010/main">
+                <a:solidFill>
+                  <a:srgbClr val="FFFFFF"/>
+                </a:solidFill>
+              </a14:hiddenFill>
+            </a:ext>
+          </a:extLst>
+        </p:spPr>
+      </p:pic>
+      <p:sp>
+        <p:nvSpPr>
+          <p:cNvPr id="1035" name="AutoShape 28" descr="Image result for kafka logo">
+            <a:extLst>
+              <a:ext uri="{FF2B5EF4-FFF2-40B4-BE49-F238E27FC236}">
+                <a16:creationId xmlns:a16="http://schemas.microsoft.com/office/drawing/2014/main" id="{84FD80F0-3008-4693-B47A-A206CD978222}"/>
+              </a:ext>
+            </a:extLst>
+          </p:cNvPr>
+          <p:cNvSpPr>
+            <a:spLocks noChangeAspect="1" noChangeArrowheads="1"/>
+          </p:cNvSpPr>
+          <p:nvPr/>
+        </p:nvSpPr>
+        <p:spPr bwMode="auto">
+          <a:xfrm>
+            <a:off x="6096000" y="3654344"/>
+            <a:ext cx="79455" cy="79455"/>
+          </a:xfrm>
+          <a:prstGeom prst="rect">
+            <a:avLst/>
+          </a:prstGeom>
+          <a:noFill/>
+          <a:extLst>
+            <a:ext uri="{909E8E84-426E-40DD-AFC4-6F175D3DCCD1}">
+              <a14:hiddenFill xmlns:a14="http://schemas.microsoft.com/office/drawing/2010/main">
+                <a:solidFill>
+                  <a:srgbClr val="FFFFFF"/>
+                </a:solidFill>
+              </a14:hiddenFill>
+            </a:ext>
+          </a:extLst>
+        </p:spPr>
+        <p:txBody>
+          <a:bodyPr vert="horz" wrap="square" lIns="91440" tIns="45720" rIns="91440" bIns="45720" numCol="1" anchor="t" anchorCtr="0" compatLnSpc="1">
+            <a:prstTxWarp prst="textNoShape">
+              <a:avLst/>
+            </a:prstTxWarp>
+          </a:bodyPr>
+          <a:lstStyle/>
+          <a:p>
+            <a:endParaRPr lang="en-US"/>
+          </a:p>
+        </p:txBody>
+      </p:sp>
+      <p:sp>
+        <p:nvSpPr>
+          <p:cNvPr id="1036" name="AutoShape 30" descr="Image result for kafka logo">
+            <a:extLst>
+              <a:ext uri="{FF2B5EF4-FFF2-40B4-BE49-F238E27FC236}">
+                <a16:creationId xmlns:a16="http://schemas.microsoft.com/office/drawing/2014/main" id="{2FC4A81C-A0F2-4F5B-89C0-29F6D3A609CB}"/>
+              </a:ext>
+            </a:extLst>
+          </p:cNvPr>
+          <p:cNvSpPr>
+            <a:spLocks noChangeAspect="1" noChangeArrowheads="1"/>
+          </p:cNvSpPr>
+          <p:nvPr/>
+        </p:nvSpPr>
+        <p:spPr bwMode="auto">
+          <a:xfrm>
+            <a:off x="6248400" y="3806744"/>
+            <a:ext cx="79455" cy="79455"/>
+          </a:xfrm>
+          <a:prstGeom prst="rect">
+            <a:avLst/>
+          </a:prstGeom>
+          <a:noFill/>
+          <a:extLst>
+            <a:ext uri="{909E8E84-426E-40DD-AFC4-6F175D3DCCD1}">
+              <a14:hiddenFill xmlns:a14="http://schemas.microsoft.com/office/drawing/2010/main">
+                <a:solidFill>
+                  <a:srgbClr val="FFFFFF"/>
+                </a:solidFill>
+              </a14:hiddenFill>
+            </a:ext>
+          </a:extLst>
+        </p:spPr>
+        <p:txBody>
+          <a:bodyPr vert="horz" wrap="square" lIns="91440" tIns="45720" rIns="91440" bIns="45720" numCol="1" anchor="t" anchorCtr="0" compatLnSpc="1">
+            <a:prstTxWarp prst="textNoShape">
+              <a:avLst/>
+            </a:prstTxWarp>
+          </a:bodyPr>
+          <a:lstStyle/>
+          <a:p>
+            <a:endParaRPr lang="en-US"/>
+          </a:p>
+        </p:txBody>
+      </p:sp>
+      <p:pic>
+        <p:nvPicPr>
+          <p:cNvPr id="1056" name="Picture 32" descr="Image result for kafka logo">
+            <a:extLst>
+              <a:ext uri="{FF2B5EF4-FFF2-40B4-BE49-F238E27FC236}">
+                <a16:creationId xmlns:a16="http://schemas.microsoft.com/office/drawing/2014/main" id="{6033E682-77E1-496C-9D8D-E632BDF98603}"/>
+              </a:ext>
+            </a:extLst>
+          </p:cNvPr>
+          <p:cNvPicPr>
+            <a:picLocks noChangeAspect="1" noChangeArrowheads="1"/>
+          </p:cNvPicPr>
+          <p:nvPr/>
+        </p:nvPicPr>
+        <p:blipFill>
+          <a:blip r:embed="rId11">
+            <a:extLst>
+              <a:ext uri="{28A0092B-C50C-407E-A947-70E740481C1C}">
+                <a14:useLocalDpi xmlns:a14="http://schemas.microsoft.com/office/drawing/2010/main" val="0"/>
+              </a:ext>
+            </a:extLst>
+          </a:blip>
+          <a:srcRect/>
+          <a:stretch>
+            <a:fillRect/>
+          </a:stretch>
+        </p:blipFill>
+        <p:spPr bwMode="auto">
+          <a:xfrm>
+            <a:off x="602582" y="2988269"/>
+            <a:ext cx="534042" cy="238412"/>
+          </a:xfrm>
+          <a:prstGeom prst="rect">
+            <a:avLst/>
+          </a:prstGeom>
+          <a:noFill/>
+          <a:extLst>
+            <a:ext uri="{909E8E84-426E-40DD-AFC4-6F175D3DCCD1}">
+              <a14:hiddenFill xmlns:a14="http://schemas.microsoft.com/office/drawing/2010/main">
+                <a:solidFill>
+                  <a:srgbClr val="FFFFFF"/>
+                </a:solidFill>
+              </a14:hiddenFill>
+            </a:ext>
+          </a:extLst>
+        </p:spPr>
+      </p:pic>
+      <p:pic>
+        <p:nvPicPr>
+          <p:cNvPr id="1058" name="Picture 34" descr="Image result for elastic search logo">
+            <a:extLst>
+              <a:ext uri="{FF2B5EF4-FFF2-40B4-BE49-F238E27FC236}">
+                <a16:creationId xmlns:a16="http://schemas.microsoft.com/office/drawing/2014/main" id="{CDCA05FA-62BA-49D7-A415-3AC1E1A2B0FE}"/>
+              </a:ext>
+            </a:extLst>
+          </p:cNvPr>
+          <p:cNvPicPr>
+            <a:picLocks noChangeAspect="1" noChangeArrowheads="1"/>
+          </p:cNvPicPr>
+          <p:nvPr/>
+        </p:nvPicPr>
+        <p:blipFill>
+          <a:blip r:embed="rId12">
+            <a:extLst>
+              <a:ext uri="{28A0092B-C50C-407E-A947-70E740481C1C}">
+                <a14:useLocalDpi xmlns:a14="http://schemas.microsoft.com/office/drawing/2010/main" val="0"/>
+              </a:ext>
+            </a:extLst>
+          </a:blip>
+          <a:srcRect/>
+          <a:stretch>
+            <a:fillRect/>
+          </a:stretch>
+        </p:blipFill>
+        <p:spPr bwMode="auto">
+          <a:xfrm>
+            <a:off x="634511" y="1922613"/>
+            <a:ext cx="1053246" cy="257512"/>
+          </a:xfrm>
+          <a:prstGeom prst="rect">
+            <a:avLst/>
+          </a:prstGeom>
+          <a:noFill/>
+          <a:extLst>
+            <a:ext uri="{909E8E84-426E-40DD-AFC4-6F175D3DCCD1}">
+              <a14:hiddenFill xmlns:a14="http://schemas.microsoft.com/office/drawing/2010/main">
+                <a:solidFill>
+                  <a:srgbClr val="FFFFFF"/>
+                </a:solidFill>
+              </a14:hiddenFill>
+            </a:ext>
+          </a:extLst>
+        </p:spPr>
+      </p:pic>
+      <p:sp>
+        <p:nvSpPr>
+          <p:cNvPr id="169" name="Text Box 9">
+            <a:extLst>
+              <a:ext uri="{FF2B5EF4-FFF2-40B4-BE49-F238E27FC236}">
+                <a16:creationId xmlns:a16="http://schemas.microsoft.com/office/drawing/2014/main" id="{746F012C-8559-4DE8-BC35-ACB56481E32B}"/>
               </a:ext>
             </a:extLst>
           </p:cNvPr>
@@ -4049,9 +5684,9 @@
           <p:nvPr/>
         </p:nvSpPr>
         <p:spPr bwMode="auto">
-          <a:xfrm rot="240961">
-            <a:off x="4071635" y="2681103"/>
-            <a:ext cx="472993" cy="218977"/>
+          <a:xfrm rot="-993217">
+            <a:off x="1958474" y="2592160"/>
+            <a:ext cx="338138" cy="215900"/>
           </a:xfrm>
           <a:prstGeom prst="rect">
             <a:avLst/>
@@ -4113,37 +5748,384 @@
           </a:p>
         </p:txBody>
       </p:sp>
-      <p:sp>
-        <p:nvSpPr>
-          <p:cNvPr id="12" name="Text Box 11">
-            <a:extLst>
-              <a:ext uri="{FF2B5EF4-FFF2-40B4-BE49-F238E27FC236}">
-                <a16:creationId xmlns:a16="http://schemas.microsoft.com/office/drawing/2014/main" id="{F26A2B91-C1A5-49E4-9523-4F8950F8E371}"/>
-              </a:ext>
-            </a:extLst>
-          </p:cNvPr>
-          <p:cNvSpPr txBox="1">
-            <a:spLocks noChangeArrowheads="1"/>
-          </p:cNvSpPr>
+      <p:cxnSp>
+        <p:nvCxnSpPr>
+          <p:cNvPr id="1040" name="Straight Arrow Connector 1039">
+            <a:extLst>
+              <a:ext uri="{FF2B5EF4-FFF2-40B4-BE49-F238E27FC236}">
+                <a16:creationId xmlns:a16="http://schemas.microsoft.com/office/drawing/2014/main" id="{D2ACC627-0622-496D-B413-A06F84E6964C}"/>
+              </a:ext>
+            </a:extLst>
+          </p:cNvPr>
+          <p:cNvCxnSpPr>
+            <a:stCxn id="2" idx="2"/>
+            <a:endCxn id="169" idx="3"/>
+          </p:cNvCxnSpPr>
           <p:nvPr/>
-        </p:nvSpPr>
+        </p:nvCxnSpPr>
+        <p:spPr>
+          <a:xfrm flipH="1" flipV="1">
+            <a:off x="2289605" y="2651940"/>
+            <a:ext cx="1100412" cy="574742"/>
+          </a:xfrm>
+          <a:prstGeom prst="straightConnector1">
+            <a:avLst/>
+          </a:prstGeom>
+          <a:ln>
+            <a:tailEnd type="triangle"/>
+          </a:ln>
+        </p:spPr>
+        <p:style>
+          <a:lnRef idx="1">
+            <a:schemeClr val="accent1"/>
+          </a:lnRef>
+          <a:fillRef idx="0">
+            <a:schemeClr val="accent1"/>
+          </a:fillRef>
+          <a:effectRef idx="0">
+            <a:schemeClr val="accent1"/>
+          </a:effectRef>
+          <a:fontRef idx="minor">
+            <a:schemeClr val="tx1"/>
+          </a:fontRef>
+        </p:style>
+      </p:cxnSp>
+      <p:cxnSp>
+        <p:nvCxnSpPr>
+          <p:cNvPr id="1045" name="Straight Arrow Connector 1044">
+            <a:extLst>
+              <a:ext uri="{FF2B5EF4-FFF2-40B4-BE49-F238E27FC236}">
+                <a16:creationId xmlns:a16="http://schemas.microsoft.com/office/drawing/2014/main" id="{3465BC3B-3CD7-4E6D-A67A-1766F0B9F594}"/>
+              </a:ext>
+            </a:extLst>
+          </p:cNvPr>
+          <p:cNvCxnSpPr>
+            <a:stCxn id="169" idx="1"/>
+            <a:endCxn id="1056" idx="3"/>
+          </p:cNvCxnSpPr>
+          <p:nvPr/>
+        </p:nvCxnSpPr>
+        <p:spPr>
+          <a:xfrm flipH="1">
+            <a:off x="1136624" y="2748280"/>
+            <a:ext cx="828857" cy="359195"/>
+          </a:xfrm>
+          <a:prstGeom prst="straightConnector1">
+            <a:avLst/>
+          </a:prstGeom>
+          <a:ln>
+            <a:tailEnd type="triangle"/>
+          </a:ln>
+        </p:spPr>
+        <p:style>
+          <a:lnRef idx="1">
+            <a:schemeClr val="accent1"/>
+          </a:lnRef>
+          <a:fillRef idx="0">
+            <a:schemeClr val="accent1"/>
+          </a:fillRef>
+          <a:effectRef idx="0">
+            <a:schemeClr val="accent1"/>
+          </a:effectRef>
+          <a:fontRef idx="minor">
+            <a:schemeClr val="tx1"/>
+          </a:fontRef>
+        </p:style>
+      </p:cxnSp>
+      <p:cxnSp>
+        <p:nvCxnSpPr>
+          <p:cNvPr id="1049" name="Straight Arrow Connector 1048">
+            <a:extLst>
+              <a:ext uri="{FF2B5EF4-FFF2-40B4-BE49-F238E27FC236}">
+                <a16:creationId xmlns:a16="http://schemas.microsoft.com/office/drawing/2014/main" id="{EB7A9F1A-F4AF-4E13-A882-50CF42EE62A9}"/>
+              </a:ext>
+            </a:extLst>
+          </p:cNvPr>
+          <p:cNvCxnSpPr>
+            <a:stCxn id="169" idx="1"/>
+            <a:endCxn id="1042" idx="3"/>
+          </p:cNvCxnSpPr>
+          <p:nvPr/>
+        </p:nvCxnSpPr>
+        <p:spPr>
+          <a:xfrm flipH="1">
+            <a:off x="1241207" y="2748280"/>
+            <a:ext cx="724274" cy="27377"/>
+          </a:xfrm>
+          <a:prstGeom prst="straightConnector1">
+            <a:avLst/>
+          </a:prstGeom>
+          <a:ln>
+            <a:tailEnd type="triangle"/>
+          </a:ln>
+        </p:spPr>
+        <p:style>
+          <a:lnRef idx="1">
+            <a:schemeClr val="accent1"/>
+          </a:lnRef>
+          <a:fillRef idx="0">
+            <a:schemeClr val="accent1"/>
+          </a:fillRef>
+          <a:effectRef idx="0">
+            <a:schemeClr val="accent1"/>
+          </a:effectRef>
+          <a:fontRef idx="minor">
+            <a:schemeClr val="tx1"/>
+          </a:fontRef>
+        </p:style>
+      </p:cxnSp>
+      <p:cxnSp>
+        <p:nvCxnSpPr>
+          <p:cNvPr id="1052" name="Straight Arrow Connector 1051">
+            <a:extLst>
+              <a:ext uri="{FF2B5EF4-FFF2-40B4-BE49-F238E27FC236}">
+                <a16:creationId xmlns:a16="http://schemas.microsoft.com/office/drawing/2014/main" id="{3C22BDB2-2FE5-4824-8F31-68D137A201A2}"/>
+              </a:ext>
+            </a:extLst>
+          </p:cNvPr>
+          <p:cNvCxnSpPr>
+            <a:stCxn id="169" idx="1"/>
+            <a:endCxn id="1044" idx="3"/>
+          </p:cNvCxnSpPr>
+          <p:nvPr/>
+        </p:nvCxnSpPr>
+        <p:spPr>
+          <a:xfrm flipH="1" flipV="1">
+            <a:off x="1404697" y="2346973"/>
+            <a:ext cx="560784" cy="401307"/>
+          </a:xfrm>
+          <a:prstGeom prst="straightConnector1">
+            <a:avLst/>
+          </a:prstGeom>
+          <a:ln>
+            <a:tailEnd type="triangle"/>
+          </a:ln>
+        </p:spPr>
+        <p:style>
+          <a:lnRef idx="1">
+            <a:schemeClr val="accent1"/>
+          </a:lnRef>
+          <a:fillRef idx="0">
+            <a:schemeClr val="accent1"/>
+          </a:fillRef>
+          <a:effectRef idx="0">
+            <a:schemeClr val="accent1"/>
+          </a:effectRef>
+          <a:fontRef idx="minor">
+            <a:schemeClr val="tx1"/>
+          </a:fontRef>
+        </p:style>
+      </p:cxnSp>
+      <p:cxnSp>
+        <p:nvCxnSpPr>
+          <p:cNvPr id="1054" name="Straight Arrow Connector 1053">
+            <a:extLst>
+              <a:ext uri="{FF2B5EF4-FFF2-40B4-BE49-F238E27FC236}">
+                <a16:creationId xmlns:a16="http://schemas.microsoft.com/office/drawing/2014/main" id="{16950144-8D9D-4133-A9AB-807D63EC48DB}"/>
+              </a:ext>
+            </a:extLst>
+          </p:cNvPr>
+          <p:cNvCxnSpPr>
+            <a:stCxn id="169" idx="1"/>
+            <a:endCxn id="1058" idx="3"/>
+          </p:cNvCxnSpPr>
+          <p:nvPr/>
+        </p:nvCxnSpPr>
+        <p:spPr>
+          <a:xfrm flipH="1" flipV="1">
+            <a:off x="1687757" y="2051369"/>
+            <a:ext cx="277724" cy="696911"/>
+          </a:xfrm>
+          <a:prstGeom prst="straightConnector1">
+            <a:avLst/>
+          </a:prstGeom>
+          <a:ln>
+            <a:tailEnd type="triangle"/>
+          </a:ln>
+        </p:spPr>
+        <p:style>
+          <a:lnRef idx="1">
+            <a:schemeClr val="accent1"/>
+          </a:lnRef>
+          <a:fillRef idx="0">
+            <a:schemeClr val="accent1"/>
+          </a:fillRef>
+          <a:effectRef idx="0">
+            <a:schemeClr val="accent1"/>
+          </a:effectRef>
+          <a:fontRef idx="minor">
+            <a:schemeClr val="tx1"/>
+          </a:fontRef>
+        </p:style>
+      </p:cxnSp>
+      <p:cxnSp>
+        <p:nvCxnSpPr>
+          <p:cNvPr id="1057" name="Straight Arrow Connector 1056">
+            <a:extLst>
+              <a:ext uri="{FF2B5EF4-FFF2-40B4-BE49-F238E27FC236}">
+                <a16:creationId xmlns:a16="http://schemas.microsoft.com/office/drawing/2014/main" id="{BE6589D8-9F04-414A-875B-93C716BC2C2B}"/>
+              </a:ext>
+            </a:extLst>
+          </p:cNvPr>
+          <p:cNvCxnSpPr>
+            <a:stCxn id="169" idx="1"/>
+            <a:endCxn id="1050" idx="3"/>
+          </p:cNvCxnSpPr>
+          <p:nvPr/>
+        </p:nvCxnSpPr>
+        <p:spPr>
+          <a:xfrm flipV="1">
+            <a:off x="1965481" y="1765187"/>
+            <a:ext cx="32924" cy="983093"/>
+          </a:xfrm>
+          <a:prstGeom prst="straightConnector1">
+            <a:avLst/>
+          </a:prstGeom>
+          <a:ln>
+            <a:tailEnd type="triangle"/>
+          </a:ln>
+        </p:spPr>
+        <p:style>
+          <a:lnRef idx="1">
+            <a:schemeClr val="accent1"/>
+          </a:lnRef>
+          <a:fillRef idx="0">
+            <a:schemeClr val="accent1"/>
+          </a:fillRef>
+          <a:effectRef idx="0">
+            <a:schemeClr val="accent1"/>
+          </a:effectRef>
+          <a:fontRef idx="minor">
+            <a:schemeClr val="tx1"/>
+          </a:fontRef>
+        </p:style>
+      </p:cxnSp>
+      <p:pic>
+        <p:nvPicPr>
+          <p:cNvPr id="1062" name="Picture 38" descr="Image result for SSL logo">
+            <a:extLst>
+              <a:ext uri="{FF2B5EF4-FFF2-40B4-BE49-F238E27FC236}">
+                <a16:creationId xmlns:a16="http://schemas.microsoft.com/office/drawing/2014/main" id="{BEC9C761-64ED-4909-BD6D-E477A04EEDDB}"/>
+              </a:ext>
+            </a:extLst>
+          </p:cNvPr>
+          <p:cNvPicPr>
+            <a:picLocks noChangeAspect="1" noChangeArrowheads="1"/>
+          </p:cNvPicPr>
+          <p:nvPr/>
+        </p:nvPicPr>
+        <p:blipFill>
+          <a:blip r:embed="rId13">
+            <a:extLst>
+              <a:ext uri="{28A0092B-C50C-407E-A947-70E740481C1C}">
+                <a14:useLocalDpi xmlns:a14="http://schemas.microsoft.com/office/drawing/2010/main" val="0"/>
+              </a:ext>
+            </a:extLst>
+          </a:blip>
+          <a:srcRect/>
+          <a:stretch>
+            <a:fillRect/>
+          </a:stretch>
+        </p:blipFill>
         <p:spPr bwMode="auto">
-          <a:xfrm rot="17000020">
-            <a:off x="5508321" y="1489941"/>
-            <a:ext cx="1154989" cy="340102"/>
+          <a:xfrm>
+            <a:off x="1087264" y="3293963"/>
+            <a:ext cx="472838" cy="472838"/>
           </a:xfrm>
           <a:prstGeom prst="rect">
             <a:avLst/>
           </a:prstGeom>
           <a:noFill/>
-          <a:ln w="19050">
-            <a:solidFill>
-              <a:srgbClr val="FFFFFF"/>
-            </a:solidFill>
-            <a:miter lim="800000"/>
-            <a:headEnd/>
-            <a:tailEnd/>
-          </a:ln>
+          <a:extLst>
+            <a:ext uri="{909E8E84-426E-40DD-AFC4-6F175D3DCCD1}">
+              <a14:hiddenFill xmlns:a14="http://schemas.microsoft.com/office/drawing/2010/main">
+                <a:solidFill>
+                  <a:srgbClr val="FFFFFF"/>
+                </a:solidFill>
+              </a14:hiddenFill>
+            </a:ext>
+          </a:extLst>
+        </p:spPr>
+      </p:pic>
+      <p:pic>
+        <p:nvPicPr>
+          <p:cNvPr id="1064" name="Picture 40" descr="Image result for TLS security logo">
+            <a:extLst>
+              <a:ext uri="{FF2B5EF4-FFF2-40B4-BE49-F238E27FC236}">
+                <a16:creationId xmlns:a16="http://schemas.microsoft.com/office/drawing/2014/main" id="{1B595E9D-D985-4C73-8896-80262D1E521C}"/>
+              </a:ext>
+            </a:extLst>
+          </p:cNvPr>
+          <p:cNvPicPr>
+            <a:picLocks noChangeAspect="1" noChangeArrowheads="1"/>
+          </p:cNvPicPr>
+          <p:nvPr/>
+        </p:nvPicPr>
+        <p:blipFill>
+          <a:blip r:embed="rId14">
+            <a:extLst>
+              <a:ext uri="{28A0092B-C50C-407E-A947-70E740481C1C}">
+                <a14:useLocalDpi xmlns:a14="http://schemas.microsoft.com/office/drawing/2010/main" val="0"/>
+              </a:ext>
+            </a:extLst>
+          </a:blip>
+          <a:srcRect/>
+          <a:stretch>
+            <a:fillRect/>
+          </a:stretch>
+        </p:blipFill>
+        <p:spPr bwMode="auto">
+          <a:xfrm>
+            <a:off x="787499" y="3935807"/>
+            <a:ext cx="1046484" cy="586031"/>
+          </a:xfrm>
+          <a:prstGeom prst="rect">
+            <a:avLst/>
+          </a:prstGeom>
+          <a:noFill/>
+          <a:extLst>
+            <a:ext uri="{909E8E84-426E-40DD-AFC4-6F175D3DCCD1}">
+              <a14:hiddenFill xmlns:a14="http://schemas.microsoft.com/office/drawing/2010/main">
+                <a:solidFill>
+                  <a:srgbClr val="FFFFFF"/>
+                </a:solidFill>
+              </a14:hiddenFill>
+            </a:ext>
+          </a:extLst>
+        </p:spPr>
+      </p:pic>
+      <p:sp>
+        <p:nvSpPr>
+          <p:cNvPr id="1077" name="AutoShape 44" descr="Image result for oauth 2.0 security logo">
+            <a:extLst>
+              <a:ext uri="{FF2B5EF4-FFF2-40B4-BE49-F238E27FC236}">
+                <a16:creationId xmlns:a16="http://schemas.microsoft.com/office/drawing/2014/main" id="{2D4E63FB-78E8-487A-98D0-E0FE1223C173}"/>
+              </a:ext>
+            </a:extLst>
+          </p:cNvPr>
+          <p:cNvSpPr>
+            <a:spLocks noChangeAspect="1" noChangeArrowheads="1"/>
+          </p:cNvSpPr>
+          <p:nvPr/>
+        </p:nvSpPr>
+        <p:spPr bwMode="auto">
+          <a:xfrm>
+            <a:off x="5300695" y="5263752"/>
+            <a:ext cx="148400" cy="148400"/>
+          </a:xfrm>
+          <a:prstGeom prst="rect">
+            <a:avLst/>
+          </a:prstGeom>
+          <a:noFill/>
+          <a:extLst>
+            <a:ext uri="{909E8E84-426E-40DD-AFC4-6F175D3DCCD1}">
+              <a14:hiddenFill xmlns:a14="http://schemas.microsoft.com/office/drawing/2010/main">
+                <a:solidFill>
+                  <a:srgbClr val="FFFFFF"/>
+                </a:solidFill>
+              </a14:hiddenFill>
+            </a:ext>
+          </a:extLst>
         </p:spPr>
         <p:txBody>
           <a:bodyPr vert="horz" wrap="square" lIns="91440" tIns="45720" rIns="91440" bIns="45720" numCol="1" anchor="t" anchorCtr="0" compatLnSpc="1">
@@ -4153,142 +6135,591 @@
           </a:bodyPr>
           <a:lstStyle/>
           <a:p>
-            <a:pPr marL="0" marR="0" lvl="0" indent="0" algn="l" defTabSz="914400" rtl="0" eaLnBrk="0" fontAlgn="base" latinLnBrk="0" hangingPunct="0">
-              <a:lnSpc>
-                <a:spcPct val="100000"/>
-              </a:lnSpc>
-              <a:spcBef>
-                <a:spcPct val="0"/>
-              </a:spcBef>
-              <a:spcAft>
-                <a:spcPct val="0"/>
-              </a:spcAft>
-              <a:buClrTx/>
-              <a:buSzTx/>
-              <a:buFontTx/>
-              <a:buNone/>
-              <a:tabLst/>
-            </a:pPr>
-            <a:r>
-              <a:rPr kumimoji="0" lang="en-US" altLang="en-US" sz="1100" b="0" i="0" u="none" strike="noStrike" cap="none" normalizeH="0" baseline="0" dirty="0">
-                <a:ln>
-                  <a:noFill/>
-                </a:ln>
+            <a:endParaRPr lang="en-US"/>
+          </a:p>
+        </p:txBody>
+      </p:sp>
+      <p:pic>
+        <p:nvPicPr>
+          <p:cNvPr id="1079" name="Picture 1078">
+            <a:extLst>
+              <a:ext uri="{FF2B5EF4-FFF2-40B4-BE49-F238E27FC236}">
+                <a16:creationId xmlns:a16="http://schemas.microsoft.com/office/drawing/2014/main" id="{93F6CEB1-E155-4A9D-A8D7-93143EC00FB9}"/>
+              </a:ext>
+            </a:extLst>
+          </p:cNvPr>
+          <p:cNvPicPr>
+            <a:picLocks noChangeAspect="1"/>
+          </p:cNvPicPr>
+          <p:nvPr/>
+        </p:nvPicPr>
+        <p:blipFill>
+          <a:blip r:embed="rId15"/>
+          <a:stretch>
+            <a:fillRect/>
+          </a:stretch>
+        </p:blipFill>
+        <p:spPr>
+          <a:xfrm rot="1264933">
+            <a:off x="7881368" y="1440466"/>
+            <a:ext cx="448043" cy="441537"/>
+          </a:xfrm>
+          <a:prstGeom prst="rect">
+            <a:avLst/>
+          </a:prstGeom>
+        </p:spPr>
+      </p:pic>
+      <p:sp>
+        <p:nvSpPr>
+          <p:cNvPr id="1082" name="AutoShape 48" descr="Image result for jwt security logo">
+            <a:extLst>
+              <a:ext uri="{FF2B5EF4-FFF2-40B4-BE49-F238E27FC236}">
+                <a16:creationId xmlns:a16="http://schemas.microsoft.com/office/drawing/2014/main" id="{9843612F-8FB8-43DF-9D22-03C6D1796F5F}"/>
+              </a:ext>
+            </a:extLst>
+          </p:cNvPr>
+          <p:cNvSpPr>
+            <a:spLocks noChangeAspect="1" noChangeArrowheads="1"/>
+          </p:cNvSpPr>
+          <p:nvPr/>
+        </p:nvSpPr>
+        <p:spPr bwMode="auto">
+          <a:xfrm>
+            <a:off x="6096000" y="3429000"/>
+            <a:ext cx="304800" cy="304800"/>
+          </a:xfrm>
+          <a:prstGeom prst="rect">
+            <a:avLst/>
+          </a:prstGeom>
+          <a:noFill/>
+          <a:extLst>
+            <a:ext uri="{909E8E84-426E-40DD-AFC4-6F175D3DCCD1}">
+              <a14:hiddenFill xmlns:a14="http://schemas.microsoft.com/office/drawing/2010/main">
                 <a:solidFill>
-                  <a:schemeClr val="tx1"/>
+                  <a:srgbClr val="FFFFFF"/>
                 </a:solidFill>
-                <a:effectLst/>
-                <a:latin typeface="Verdana" panose="020B0604030504040204" pitchFamily="34" charset="0"/>
-                <a:ea typeface="Verdana" panose="020B0604030504040204" pitchFamily="34" charset="0"/>
-                <a:cs typeface="Times New Roman" panose="02020603050405020304" pitchFamily="18" charset="0"/>
-              </a:rPr>
-              <a:t>API Gateway</a:t>
-            </a:r>
-            <a:endParaRPr kumimoji="0" lang="en-US" altLang="en-US" sz="1100" b="0" i="0" u="none" strike="noStrike" cap="none" normalizeH="0" baseline="0" dirty="0">
-              <a:ln>
-                <a:noFill/>
-              </a:ln>
-              <a:solidFill>
-                <a:schemeClr val="tx1"/>
-              </a:solidFill>
-              <a:effectLst/>
-              <a:latin typeface="Verdana" panose="020B0604030504040204" pitchFamily="34" charset="0"/>
-              <a:ea typeface="Verdana" panose="020B0604030504040204" pitchFamily="34" charset="0"/>
-            </a:endParaRPr>
-          </a:p>
-        </p:txBody>
-      </p:sp>
-      <p:sp>
-        <p:nvSpPr>
-          <p:cNvPr id="13" name="Text Box 12">
-            <a:extLst>
-              <a:ext uri="{FF2B5EF4-FFF2-40B4-BE49-F238E27FC236}">
-                <a16:creationId xmlns:a16="http://schemas.microsoft.com/office/drawing/2014/main" id="{F8136BFE-D6EA-4D37-A244-5C56B205640F}"/>
-              </a:ext>
-            </a:extLst>
-          </p:cNvPr>
-          <p:cNvSpPr txBox="1">
-            <a:spLocks noChangeArrowheads="1"/>
-          </p:cNvSpPr>
-          <p:nvPr/>
-        </p:nvSpPr>
-        <p:spPr bwMode="auto">
-          <a:xfrm rot="18471707">
-            <a:off x="6174903" y="1587875"/>
-            <a:ext cx="1426280" cy="271369"/>
-          </a:xfrm>
-          <a:prstGeom prst="rect">
-            <a:avLst/>
-          </a:prstGeom>
-          <a:noFill/>
-          <a:ln w="19050">
-            <a:solidFill>
-              <a:srgbClr val="FFFFFF"/>
-            </a:solidFill>
-            <a:miter lim="800000"/>
-            <a:headEnd/>
-            <a:tailEnd/>
-          </a:ln>
-        </p:spPr>
-        <p:txBody>
-          <a:bodyPr vert="horz" wrap="none" lIns="91440" tIns="45720" rIns="91440" bIns="45720" numCol="1" anchor="t" anchorCtr="0" compatLnSpc="1">
+              </a14:hiddenFill>
+            </a:ext>
+          </a:extLst>
+        </p:spPr>
+        <p:txBody>
+          <a:bodyPr vert="horz" wrap="square" lIns="91440" tIns="45720" rIns="91440" bIns="45720" numCol="1" anchor="t" anchorCtr="0" compatLnSpc="1">
             <a:prstTxWarp prst="textNoShape">
               <a:avLst/>
             </a:prstTxWarp>
           </a:bodyPr>
           <a:lstStyle/>
           <a:p>
-            <a:pPr marL="0" marR="0" lvl="0" indent="0" algn="l" defTabSz="914400" rtl="0" eaLnBrk="0" fontAlgn="base" latinLnBrk="0" hangingPunct="0">
-              <a:lnSpc>
-                <a:spcPct val="100000"/>
-              </a:lnSpc>
-              <a:spcBef>
-                <a:spcPct val="0"/>
-              </a:spcBef>
-              <a:spcAft>
-                <a:spcPct val="0"/>
-              </a:spcAft>
-              <a:buClrTx/>
-              <a:buSzTx/>
-              <a:buFontTx/>
-              <a:buNone/>
-              <a:tabLst/>
+            <a:endParaRPr lang="en-US"/>
+          </a:p>
+        </p:txBody>
+      </p:sp>
+      <p:pic>
+        <p:nvPicPr>
+          <p:cNvPr id="1083" name="Picture 1082">
+            <a:extLst>
+              <a:ext uri="{FF2B5EF4-FFF2-40B4-BE49-F238E27FC236}">
+                <a16:creationId xmlns:a16="http://schemas.microsoft.com/office/drawing/2014/main" id="{0329D1C6-AAF0-4829-8FFC-15DB5D994083}"/>
+              </a:ext>
+            </a:extLst>
+          </p:cNvPr>
+          <p:cNvPicPr>
+            <a:picLocks noChangeAspect="1"/>
+          </p:cNvPicPr>
+          <p:nvPr/>
+        </p:nvPicPr>
+        <p:blipFill>
+          <a:blip r:embed="rId16"/>
+          <a:stretch>
+            <a:fillRect/>
+          </a:stretch>
+        </p:blipFill>
+        <p:spPr>
+          <a:xfrm>
+            <a:off x="7735910" y="2263134"/>
+            <a:ext cx="947988" cy="277900"/>
+          </a:xfrm>
+          <a:prstGeom prst="rect">
+            <a:avLst/>
+          </a:prstGeom>
+        </p:spPr>
+      </p:pic>
+      <p:pic>
+        <p:nvPicPr>
+          <p:cNvPr id="144" name="Picture 50" descr="Image result for cassandra">
+            <a:extLst>
+              <a:ext uri="{FF2B5EF4-FFF2-40B4-BE49-F238E27FC236}">
+                <a16:creationId xmlns:a16="http://schemas.microsoft.com/office/drawing/2014/main" id="{71C9533E-F26F-4400-B111-59C7BEE87FCA}"/>
+              </a:ext>
+            </a:extLst>
+          </p:cNvPr>
+          <p:cNvPicPr>
+            <a:picLocks noChangeAspect="1" noChangeArrowheads="1"/>
+          </p:cNvPicPr>
+          <p:nvPr/>
+        </p:nvPicPr>
+        <p:blipFill>
+          <a:blip r:embed="rId17">
+            <a:extLst>
+              <a:ext uri="{28A0092B-C50C-407E-A947-70E740481C1C}">
+                <a14:useLocalDpi xmlns:a14="http://schemas.microsoft.com/office/drawing/2010/main" val="0"/>
+              </a:ext>
+            </a:extLst>
+          </a:blip>
+          <a:srcRect/>
+          <a:stretch>
+            <a:fillRect/>
+          </a:stretch>
+        </p:blipFill>
+        <p:spPr bwMode="auto">
+          <a:xfrm>
+            <a:off x="800426" y="4680191"/>
+            <a:ext cx="1947869" cy="535827"/>
+          </a:xfrm>
+          <a:prstGeom prst="rect">
+            <a:avLst/>
+          </a:prstGeom>
+          <a:noFill/>
+          <a:extLst>
+            <a:ext uri="{909E8E84-426E-40DD-AFC4-6F175D3DCCD1}">
+              <a14:hiddenFill xmlns:a14="http://schemas.microsoft.com/office/drawing/2010/main">
+                <a:solidFill>
+                  <a:srgbClr val="FFFFFF"/>
+                </a:solidFill>
+              </a14:hiddenFill>
+            </a:ext>
+          </a:extLst>
+        </p:spPr>
+      </p:pic>
+      <p:pic>
+        <p:nvPicPr>
+          <p:cNvPr id="145" name="Picture 52" descr="Image result for mongodb">
+            <a:extLst>
+              <a:ext uri="{FF2B5EF4-FFF2-40B4-BE49-F238E27FC236}">
+                <a16:creationId xmlns:a16="http://schemas.microsoft.com/office/drawing/2014/main" id="{01B8FEE4-D11E-4F10-A010-90389C558A57}"/>
+              </a:ext>
+            </a:extLst>
+          </p:cNvPr>
+          <p:cNvPicPr>
+            <a:picLocks noChangeAspect="1" noChangeArrowheads="1"/>
+          </p:cNvPicPr>
+          <p:nvPr/>
+        </p:nvPicPr>
+        <p:blipFill>
+          <a:blip r:embed="rId18">
+            <a:extLst>
+              <a:ext uri="{28A0092B-C50C-407E-A947-70E740481C1C}">
+                <a14:useLocalDpi xmlns:a14="http://schemas.microsoft.com/office/drawing/2010/main" val="0"/>
+              </a:ext>
+            </a:extLst>
+          </a:blip>
+          <a:srcRect/>
+          <a:stretch>
+            <a:fillRect/>
+          </a:stretch>
+        </p:blipFill>
+        <p:spPr bwMode="auto">
+          <a:xfrm>
+            <a:off x="2440038" y="4930160"/>
+            <a:ext cx="1560194" cy="423533"/>
+          </a:xfrm>
+          <a:prstGeom prst="rect">
+            <a:avLst/>
+          </a:prstGeom>
+          <a:noFill/>
+          <a:extLst>
+            <a:ext uri="{909E8E84-426E-40DD-AFC4-6F175D3DCCD1}">
+              <a14:hiddenFill xmlns:a14="http://schemas.microsoft.com/office/drawing/2010/main">
+                <a:solidFill>
+                  <a:srgbClr val="FFFFFF"/>
+                </a:solidFill>
+              </a14:hiddenFill>
+            </a:ext>
+          </a:extLst>
+        </p:spPr>
+      </p:pic>
+      <p:cxnSp>
+        <p:nvCxnSpPr>
+          <p:cNvPr id="147" name="Straight Arrow Connector 146">
+            <a:extLst>
+              <a:ext uri="{FF2B5EF4-FFF2-40B4-BE49-F238E27FC236}">
+                <a16:creationId xmlns:a16="http://schemas.microsoft.com/office/drawing/2014/main" id="{BF6B4472-D2BF-42DD-9578-3ED6D0851C14}"/>
+              </a:ext>
+            </a:extLst>
+          </p:cNvPr>
+          <p:cNvCxnSpPr>
+            <a:stCxn id="14" idx="1"/>
+            <a:endCxn id="144" idx="0"/>
+          </p:cNvCxnSpPr>
+          <p:nvPr/>
+        </p:nvCxnSpPr>
+        <p:spPr>
+          <a:xfrm flipH="1">
+            <a:off x="1774361" y="4605255"/>
+            <a:ext cx="1126596" cy="74936"/>
+          </a:xfrm>
+          <a:prstGeom prst="straightConnector1">
+            <a:avLst/>
+          </a:prstGeom>
+          <a:ln>
+            <a:tailEnd type="triangle"/>
+          </a:ln>
+        </p:spPr>
+        <p:style>
+          <a:lnRef idx="1">
+            <a:schemeClr val="accent1"/>
+          </a:lnRef>
+          <a:fillRef idx="0">
+            <a:schemeClr val="accent1"/>
+          </a:fillRef>
+          <a:effectRef idx="0">
+            <a:schemeClr val="accent1"/>
+          </a:effectRef>
+          <a:fontRef idx="minor">
+            <a:schemeClr val="tx1"/>
+          </a:fontRef>
+        </p:style>
+      </p:cxnSp>
+      <p:cxnSp>
+        <p:nvCxnSpPr>
+          <p:cNvPr id="149" name="Straight Arrow Connector 148">
+            <a:extLst>
+              <a:ext uri="{FF2B5EF4-FFF2-40B4-BE49-F238E27FC236}">
+                <a16:creationId xmlns:a16="http://schemas.microsoft.com/office/drawing/2014/main" id="{45F3E964-3F46-48D2-AE24-E757CF60EB6E}"/>
+              </a:ext>
+            </a:extLst>
+          </p:cNvPr>
+          <p:cNvCxnSpPr>
+            <a:endCxn id="145" idx="0"/>
+          </p:cNvCxnSpPr>
+          <p:nvPr/>
+        </p:nvCxnSpPr>
+        <p:spPr>
+          <a:xfrm>
+            <a:off x="2810965" y="4623212"/>
+            <a:ext cx="409170" cy="306948"/>
+          </a:xfrm>
+          <a:prstGeom prst="straightConnector1">
+            <a:avLst/>
+          </a:prstGeom>
+          <a:ln>
+            <a:tailEnd type="triangle"/>
+          </a:ln>
+        </p:spPr>
+        <p:style>
+          <a:lnRef idx="1">
+            <a:schemeClr val="accent1"/>
+          </a:lnRef>
+          <a:fillRef idx="0">
+            <a:schemeClr val="accent1"/>
+          </a:fillRef>
+          <a:effectRef idx="0">
+            <a:schemeClr val="accent1"/>
+          </a:effectRef>
+          <a:fontRef idx="minor">
+            <a:schemeClr val="tx1"/>
+          </a:fontRef>
+        </p:style>
+      </p:cxnSp>
+      <p:sp>
+        <p:nvSpPr>
+          <p:cNvPr id="74" name="TextBox 73">
+            <a:extLst>
+              <a:ext uri="{FF2B5EF4-FFF2-40B4-BE49-F238E27FC236}">
+                <a16:creationId xmlns:a16="http://schemas.microsoft.com/office/drawing/2014/main" id="{0D415552-0A3D-46A9-9DA9-56CB6D062C8D}"/>
+              </a:ext>
+            </a:extLst>
+          </p:cNvPr>
+          <p:cNvSpPr txBox="1"/>
+          <p:nvPr/>
+        </p:nvSpPr>
+        <p:spPr>
+          <a:xfrm>
+            <a:off x="7870989" y="3127893"/>
+            <a:ext cx="2022753" cy="1615827"/>
+          </a:xfrm>
+          <a:prstGeom prst="rect">
+            <a:avLst/>
+          </a:prstGeom>
+          <a:noFill/>
+          <a:ln>
+            <a:noFill/>
+          </a:ln>
+        </p:spPr>
+        <p:txBody>
+          <a:bodyPr wrap="square" rtlCol="0">
+            <a:spAutoFit/>
+          </a:bodyPr>
+          <a:lstStyle/>
+          <a:p>
+            <a:pPr marL="171450" indent="-171450">
+              <a:buFont typeface="Arial" panose="020B0604020202020204" pitchFamily="34" charset="0"/>
+              <a:buChar char="•"/>
             </a:pPr>
             <a:r>
-              <a:rPr kumimoji="0" lang="en-US" altLang="en-US" sz="1100" b="0" i="0" u="none" strike="noStrike" cap="none" normalizeH="0" baseline="0" dirty="0">
-                <a:ln>
-                  <a:noFill/>
-                </a:ln>
-                <a:solidFill>
-                  <a:schemeClr val="tx1"/>
-                </a:solidFill>
-                <a:effectLst/>
-                <a:latin typeface="Verdana" panose="020B0604030504040204" pitchFamily="34" charset="0"/>
-                <a:ea typeface="Verdana" panose="020B0604030504040204" pitchFamily="34" charset="0"/>
-                <a:cs typeface="Times New Roman" panose="02020603050405020304" pitchFamily="18" charset="0"/>
-              </a:rPr>
-              <a:t>Service Discovery</a:t>
-            </a:r>
-            <a:endParaRPr kumimoji="0" lang="en-US" altLang="en-US" sz="1100" b="0" i="0" u="none" strike="noStrike" cap="none" normalizeH="0" baseline="0" dirty="0">
-              <a:ln>
-                <a:noFill/>
-              </a:ln>
-              <a:solidFill>
-                <a:schemeClr val="tx1"/>
-              </a:solidFill>
-              <a:effectLst/>
-              <a:latin typeface="Verdana" panose="020B0604030504040204" pitchFamily="34" charset="0"/>
-              <a:ea typeface="Verdana" panose="020B0604030504040204" pitchFamily="34" charset="0"/>
-            </a:endParaRPr>
-          </a:p>
-        </p:txBody>
-      </p:sp>
-      <p:sp>
-        <p:nvSpPr>
-          <p:cNvPr id="14" name="Text Box 13">
-            <a:extLst>
-              <a:ext uri="{FF2B5EF4-FFF2-40B4-BE49-F238E27FC236}">
-                <a16:creationId xmlns:a16="http://schemas.microsoft.com/office/drawing/2014/main" id="{208E9156-EABF-4163-BA4D-D53073EDEEC2}"/>
+              <a:rPr lang="en-US" sz="1100" dirty="0"/>
+              <a:t>Introduction to spring boot</a:t>
+            </a:r>
+          </a:p>
+          <a:p>
+            <a:pPr marL="171450" indent="-171450">
+              <a:buFont typeface="Arial" panose="020B0604020202020204" pitchFamily="34" charset="0"/>
+              <a:buChar char="•"/>
+            </a:pPr>
+            <a:r>
+              <a:rPr lang="en-US" sz="1100" dirty="0"/>
+              <a:t>Spring Boot Sample</a:t>
+            </a:r>
+          </a:p>
+          <a:p>
+            <a:pPr marL="171450" indent="-171450">
+              <a:buFont typeface="Arial" panose="020B0604020202020204" pitchFamily="34" charset="0"/>
+              <a:buChar char="•"/>
+            </a:pPr>
+            <a:r>
+              <a:rPr lang="en-US" sz="1100" dirty="0"/>
+              <a:t>Running Spring boot</a:t>
+            </a:r>
+          </a:p>
+          <a:p>
+            <a:pPr marL="171450" indent="-171450">
+              <a:buFont typeface="Arial" panose="020B0604020202020204" pitchFamily="34" charset="0"/>
+              <a:buChar char="•"/>
+            </a:pPr>
+            <a:r>
+              <a:rPr lang="en-US" sz="1100" dirty="0"/>
+              <a:t>Git Basics</a:t>
+            </a:r>
+          </a:p>
+          <a:p>
+            <a:pPr marL="171450" indent="-171450">
+              <a:buFont typeface="Arial" panose="020B0604020202020204" pitchFamily="34" charset="0"/>
+              <a:buChar char="•"/>
+            </a:pPr>
+            <a:r>
+              <a:rPr lang="en-US" sz="1100" dirty="0"/>
+              <a:t>Logging</a:t>
+            </a:r>
+          </a:p>
+          <a:p>
+            <a:pPr marL="171450" indent="-171450">
+              <a:buFont typeface="Arial" panose="020B0604020202020204" pitchFamily="34" charset="0"/>
+              <a:buChar char="•"/>
+            </a:pPr>
+            <a:r>
+              <a:rPr lang="en-US" sz="1100" dirty="0"/>
+              <a:t>Validation</a:t>
+            </a:r>
+          </a:p>
+          <a:p>
+            <a:pPr marL="171450" indent="-171450">
+              <a:buFont typeface="Arial" panose="020B0604020202020204" pitchFamily="34" charset="0"/>
+              <a:buChar char="•"/>
+            </a:pPr>
+            <a:r>
+              <a:rPr lang="en-US" sz="1100" dirty="0"/>
+              <a:t>Model Mappers</a:t>
+            </a:r>
+          </a:p>
+          <a:p>
+            <a:pPr marL="171450" indent="-171450">
+              <a:buFont typeface="Arial" panose="020B0604020202020204" pitchFamily="34" charset="0"/>
+              <a:buChar char="•"/>
+            </a:pPr>
+            <a:r>
+              <a:rPr lang="en-US" sz="1100" dirty="0"/>
+              <a:t>Swagger</a:t>
+            </a:r>
+          </a:p>
+          <a:p>
+            <a:pPr marL="171450" indent="-171450">
+              <a:buFont typeface="Arial" panose="020B0604020202020204" pitchFamily="34" charset="0"/>
+              <a:buChar char="•"/>
+            </a:pPr>
+            <a:r>
+              <a:rPr lang="en-US" sz="1100" dirty="0"/>
+              <a:t>Exception Handling</a:t>
+            </a:r>
+          </a:p>
+        </p:txBody>
+      </p:sp>
+      <p:cxnSp>
+        <p:nvCxnSpPr>
+          <p:cNvPr id="17" name="Straight Arrow Connector 16">
+            <a:extLst>
+              <a:ext uri="{FF2B5EF4-FFF2-40B4-BE49-F238E27FC236}">
+                <a16:creationId xmlns:a16="http://schemas.microsoft.com/office/drawing/2014/main" id="{91BFCB19-0772-4BC2-914C-5A35DEBDF03E}"/>
+              </a:ext>
+            </a:extLst>
+          </p:cNvPr>
+          <p:cNvCxnSpPr>
+            <a:cxnSpLocks/>
+            <a:stCxn id="4" idx="3"/>
+            <a:endCxn id="74" idx="1"/>
+          </p:cNvCxnSpPr>
+          <p:nvPr/>
+        </p:nvCxnSpPr>
+        <p:spPr>
+          <a:xfrm>
+            <a:off x="7172148" y="3719800"/>
+            <a:ext cx="698841" cy="216007"/>
+          </a:xfrm>
+          <a:prstGeom prst="straightConnector1">
+            <a:avLst/>
+          </a:prstGeom>
+          <a:ln>
+            <a:tailEnd type="triangle"/>
+          </a:ln>
+        </p:spPr>
+        <p:style>
+          <a:lnRef idx="1">
+            <a:schemeClr val="accent1"/>
+          </a:lnRef>
+          <a:fillRef idx="0">
+            <a:schemeClr val="accent1"/>
+          </a:fillRef>
+          <a:effectRef idx="0">
+            <a:schemeClr val="accent1"/>
+          </a:effectRef>
+          <a:fontRef idx="minor">
+            <a:schemeClr val="tx1"/>
+          </a:fontRef>
+        </p:style>
+      </p:cxnSp>
+      <p:cxnSp>
+        <p:nvCxnSpPr>
+          <p:cNvPr id="62" name="Straight Arrow Connector 61">
+            <a:extLst>
+              <a:ext uri="{FF2B5EF4-FFF2-40B4-BE49-F238E27FC236}">
+                <a16:creationId xmlns:a16="http://schemas.microsoft.com/office/drawing/2014/main" id="{19B93572-B688-463C-B0B8-79FF2EAA5FDD}"/>
+              </a:ext>
+            </a:extLst>
+          </p:cNvPr>
+          <p:cNvCxnSpPr>
+            <a:stCxn id="2" idx="6"/>
+            <a:endCxn id="9" idx="1"/>
+          </p:cNvCxnSpPr>
+          <p:nvPr/>
+        </p:nvCxnSpPr>
+        <p:spPr>
+          <a:xfrm flipV="1">
+            <a:off x="4833363" y="2602629"/>
+            <a:ext cx="1169132" cy="624053"/>
+          </a:xfrm>
+          <a:prstGeom prst="straightConnector1">
+            <a:avLst/>
+          </a:prstGeom>
+          <a:ln>
+            <a:tailEnd type="triangle"/>
+          </a:ln>
+        </p:spPr>
+        <p:style>
+          <a:lnRef idx="1">
+            <a:schemeClr val="accent1"/>
+          </a:lnRef>
+          <a:fillRef idx="0">
+            <a:schemeClr val="accent1"/>
+          </a:fillRef>
+          <a:effectRef idx="0">
+            <a:schemeClr val="accent1"/>
+          </a:effectRef>
+          <a:fontRef idx="minor">
+            <a:schemeClr val="tx1"/>
+          </a:fontRef>
+        </p:style>
+      </p:cxnSp>
+      <p:cxnSp>
+        <p:nvCxnSpPr>
+          <p:cNvPr id="68" name="Straight Arrow Connector 67">
+            <a:extLst>
+              <a:ext uri="{FF2B5EF4-FFF2-40B4-BE49-F238E27FC236}">
+                <a16:creationId xmlns:a16="http://schemas.microsoft.com/office/drawing/2014/main" id="{E6DFAEC3-29A0-4739-9D50-740D4611B600}"/>
+              </a:ext>
+            </a:extLst>
+          </p:cNvPr>
+          <p:cNvCxnSpPr>
+            <a:cxnSpLocks/>
+            <a:stCxn id="9" idx="3"/>
+            <a:endCxn id="1079" idx="2"/>
+          </p:cNvCxnSpPr>
+          <p:nvPr/>
+        </p:nvCxnSpPr>
+        <p:spPr>
+          <a:xfrm flipV="1">
+            <a:off x="6630807" y="1867226"/>
+            <a:ext cx="1395171" cy="516067"/>
+          </a:xfrm>
+          <a:prstGeom prst="straightConnector1">
+            <a:avLst/>
+          </a:prstGeom>
+          <a:ln>
+            <a:tailEnd type="triangle"/>
+          </a:ln>
+        </p:spPr>
+        <p:style>
+          <a:lnRef idx="1">
+            <a:schemeClr val="accent1"/>
+          </a:lnRef>
+          <a:fillRef idx="0">
+            <a:schemeClr val="accent1"/>
+          </a:fillRef>
+          <a:effectRef idx="0">
+            <a:schemeClr val="accent1"/>
+          </a:effectRef>
+          <a:fontRef idx="minor">
+            <a:schemeClr val="tx1"/>
+          </a:fontRef>
+        </p:style>
+      </p:cxnSp>
+      <p:cxnSp>
+        <p:nvCxnSpPr>
+          <p:cNvPr id="71" name="Straight Arrow Connector 70">
+            <a:extLst>
+              <a:ext uri="{FF2B5EF4-FFF2-40B4-BE49-F238E27FC236}">
+                <a16:creationId xmlns:a16="http://schemas.microsoft.com/office/drawing/2014/main" id="{F17DD4CC-255B-4E18-B034-0E4D01D97BB4}"/>
+              </a:ext>
+            </a:extLst>
+          </p:cNvPr>
+          <p:cNvCxnSpPr>
+            <a:cxnSpLocks/>
+            <a:stCxn id="9" idx="3"/>
+            <a:endCxn id="1083" idx="1"/>
+          </p:cNvCxnSpPr>
+          <p:nvPr/>
+        </p:nvCxnSpPr>
+        <p:spPr>
+          <a:xfrm>
+            <a:off x="6630807" y="2383293"/>
+            <a:ext cx="1105103" cy="18791"/>
+          </a:xfrm>
+          <a:prstGeom prst="straightConnector1">
+            <a:avLst/>
+          </a:prstGeom>
+          <a:ln>
+            <a:tailEnd type="triangle"/>
+          </a:ln>
+        </p:spPr>
+        <p:style>
+          <a:lnRef idx="1">
+            <a:schemeClr val="accent1"/>
+          </a:lnRef>
+          <a:fillRef idx="0">
+            <a:schemeClr val="accent1"/>
+          </a:fillRef>
+          <a:effectRef idx="0">
+            <a:schemeClr val="accent1"/>
+          </a:effectRef>
+          <a:fontRef idx="minor">
+            <a:schemeClr val="tx1"/>
+          </a:fontRef>
+        </p:style>
+      </p:cxnSp>
+      <p:sp>
+        <p:nvSpPr>
+          <p:cNvPr id="118" name="Text Box 8">
+            <a:extLst>
+              <a:ext uri="{FF2B5EF4-FFF2-40B4-BE49-F238E27FC236}">
+                <a16:creationId xmlns:a16="http://schemas.microsoft.com/office/drawing/2014/main" id="{2EDD4804-FB97-43B3-8B2E-8E781BCFB950}"/>
               </a:ext>
             </a:extLst>
           </p:cNvPr>
@@ -4298,9 +6729,9 @@
           <p:nvPr/>
         </p:nvSpPr>
         <p:spPr bwMode="auto">
-          <a:xfrm rot="19560190">
-            <a:off x="3973847" y="3658932"/>
-            <a:ext cx="740257" cy="98126"/>
+          <a:xfrm rot="21069686">
+            <a:off x="6063592" y="2763792"/>
+            <a:ext cx="1392851" cy="248718"/>
           </a:xfrm>
           <a:prstGeom prst="rect">
             <a:avLst/>
@@ -4354,165 +6785,7 @@
           <a:p>
             <a:r>
               <a:rPr lang="en-US" altLang="en-US" dirty="0"/>
-              <a:t>NO-SQL</a:t>
-            </a:r>
-          </a:p>
-          <a:p>
-            <a:endParaRPr lang="en-US" altLang="en-US" dirty="0"/>
-          </a:p>
-        </p:txBody>
-      </p:sp>
-      <p:sp>
-        <p:nvSpPr>
-          <p:cNvPr id="15" name="Text Box 14">
-            <a:extLst>
-              <a:ext uri="{FF2B5EF4-FFF2-40B4-BE49-F238E27FC236}">
-                <a16:creationId xmlns:a16="http://schemas.microsoft.com/office/drawing/2014/main" id="{09E0E49E-E693-4F1D-904F-E94F38F7B4FB}"/>
-              </a:ext>
-            </a:extLst>
-          </p:cNvPr>
-          <p:cNvSpPr txBox="1">
-            <a:spLocks noChangeArrowheads="1"/>
-          </p:cNvSpPr>
-          <p:nvPr/>
-        </p:nvSpPr>
-        <p:spPr bwMode="auto">
-          <a:xfrm rot="2184403">
-            <a:off x="4408569" y="2099107"/>
-            <a:ext cx="597059" cy="175074"/>
-          </a:xfrm>
-          <a:prstGeom prst="rect">
-            <a:avLst/>
-          </a:prstGeom>
-          <a:noFill/>
-          <a:ln w="19050">
-            <a:solidFill>
-              <a:srgbClr val="FFFFFF"/>
-            </a:solidFill>
-            <a:miter lim="800000"/>
-            <a:headEnd/>
-            <a:tailEnd/>
-          </a:ln>
-        </p:spPr>
-        <p:txBody>
-          <a:bodyPr vert="horz" wrap="none" lIns="91440" tIns="45720" rIns="91440" bIns="45720" numCol="1" anchor="t" anchorCtr="0" compatLnSpc="1">
-            <a:prstTxWarp prst="textNoShape">
-              <a:avLst/>
-            </a:prstTxWarp>
-          </a:bodyPr>
-          <a:lstStyle>
-            <a:defPPr>
-              <a:defRPr lang="en-US"/>
-            </a:defPPr>
-            <a:lvl1pPr marR="0" lvl="0" indent="0" eaLnBrk="0" fontAlgn="base" hangingPunct="0">
-              <a:lnSpc>
-                <a:spcPct val="100000"/>
-              </a:lnSpc>
-              <a:spcBef>
-                <a:spcPct val="0"/>
-              </a:spcBef>
-              <a:spcAft>
-                <a:spcPct val="0"/>
-              </a:spcAft>
-              <a:buClrTx/>
-              <a:buSzTx/>
-              <a:buFontTx/>
-              <a:buNone/>
-              <a:tabLst/>
-              <a:defRPr kumimoji="0" sz="1100" b="0" i="0" u="none" strike="noStrike" cap="none" normalizeH="0" baseline="0">
-                <a:ln>
-                  <a:noFill/>
-                </a:ln>
-                <a:effectLst/>
-                <a:latin typeface="Verdana" panose="020B0604030504040204" pitchFamily="34" charset="0"/>
-                <a:ea typeface="Verdana" panose="020B0604030504040204" pitchFamily="34" charset="0"/>
-                <a:cs typeface="Times New Roman" panose="02020603050405020304" pitchFamily="18" charset="0"/>
-              </a:defRPr>
-            </a:lvl1pPr>
-          </a:lstStyle>
-          <a:p>
-            <a:r>
-              <a:rPr lang="en-US" altLang="en-US"/>
-              <a:t>Cloud</a:t>
-            </a:r>
-          </a:p>
-          <a:p>
-            <a:endParaRPr lang="en-US" altLang="en-US"/>
-          </a:p>
-        </p:txBody>
-      </p:sp>
-      <p:sp>
-        <p:nvSpPr>
-          <p:cNvPr id="16" name="Text Box 15">
-            <a:extLst>
-              <a:ext uri="{FF2B5EF4-FFF2-40B4-BE49-F238E27FC236}">
-                <a16:creationId xmlns:a16="http://schemas.microsoft.com/office/drawing/2014/main" id="{EB1B7723-B4F4-43AB-B613-A660DD2EFFFB}"/>
-              </a:ext>
-            </a:extLst>
-          </p:cNvPr>
-          <p:cNvSpPr txBox="1">
-            <a:spLocks noChangeArrowheads="1"/>
-          </p:cNvSpPr>
-          <p:nvPr/>
-        </p:nvSpPr>
-        <p:spPr bwMode="auto">
-          <a:xfrm rot="4672938">
-            <a:off x="4891382" y="1560082"/>
-            <a:ext cx="914400" cy="320726"/>
-          </a:xfrm>
-          <a:prstGeom prst="rect">
-            <a:avLst/>
-          </a:prstGeom>
-          <a:noFill/>
-          <a:ln w="19050">
-            <a:solidFill>
-              <a:srgbClr val="FFFFFF"/>
-            </a:solidFill>
-            <a:miter lim="800000"/>
-            <a:headEnd/>
-            <a:tailEnd/>
-          </a:ln>
-        </p:spPr>
-        <p:txBody>
-          <a:bodyPr vert="horz" wrap="none" lIns="91440" tIns="45720" rIns="91440" bIns="45720" numCol="1" anchor="t" anchorCtr="0" compatLnSpc="1">
-            <a:prstTxWarp prst="textNoShape">
-              <a:avLst/>
-            </a:prstTxWarp>
-          </a:bodyPr>
-          <a:lstStyle>
-            <a:defPPr>
-              <a:defRPr lang="en-US"/>
-            </a:defPPr>
-            <a:lvl1pPr marR="0" lvl="0" indent="0" eaLnBrk="0" fontAlgn="base" hangingPunct="0">
-              <a:lnSpc>
-                <a:spcPct val="100000"/>
-              </a:lnSpc>
-              <a:spcBef>
-                <a:spcPct val="0"/>
-              </a:spcBef>
-              <a:spcAft>
-                <a:spcPct val="0"/>
-              </a:spcAft>
-              <a:buClrTx/>
-              <a:buSzTx/>
-              <a:buFontTx/>
-              <a:buNone/>
-              <a:tabLst/>
-              <a:defRPr kumimoji="0" sz="1100" b="0" i="0" u="none" strike="noStrike" cap="none" normalizeH="0" baseline="0">
-                <a:ln>
-                  <a:noFill/>
-                </a:ln>
-                <a:effectLst/>
-                <a:latin typeface="Verdana" panose="020B0604030504040204" pitchFamily="34" charset="0"/>
-                <a:ea typeface="Verdana" panose="020B0604030504040204" pitchFamily="34" charset="0"/>
-                <a:cs typeface="Times New Roman" panose="02020603050405020304" pitchFamily="18" charset="0"/>
-              </a:defRPr>
-            </a:lvl1pPr>
-          </a:lstStyle>
-          <a:p>
-            <a:r>
-              <a:rPr lang="en-US" altLang="en-US" dirty="0"/>
-              <a:t>Containers</a:t>
+              <a:t>Circuit Breaker</a:t>
             </a:r>
           </a:p>
           <a:p>
@@ -4522,23 +6795,23 @@
       </p:sp>
       <p:cxnSp>
         <p:nvCxnSpPr>
-          <p:cNvPr id="18" name="Straight Arrow Connector 17">
-            <a:extLst>
-              <a:ext uri="{FF2B5EF4-FFF2-40B4-BE49-F238E27FC236}">
-                <a16:creationId xmlns:a16="http://schemas.microsoft.com/office/drawing/2014/main" id="{48BDB2C9-9E4F-4372-BBC0-FBCA855ACF56}"/>
+          <p:cNvPr id="77" name="Straight Arrow Connector 76">
+            <a:extLst>
+              <a:ext uri="{FF2B5EF4-FFF2-40B4-BE49-F238E27FC236}">
+                <a16:creationId xmlns:a16="http://schemas.microsoft.com/office/drawing/2014/main" id="{0641BFAF-A93E-487C-80D9-EF224057726D}"/>
               </a:ext>
             </a:extLst>
           </p:cNvPr>
           <p:cNvCxnSpPr>
-            <a:stCxn id="2" idx="0"/>
-            <a:endCxn id="16" idx="3"/>
+            <a:cxnSpLocks/>
+            <a:endCxn id="118" idx="1"/>
           </p:cNvCxnSpPr>
           <p:nvPr/>
         </p:nvCxnSpPr>
         <p:spPr>
-          <a:xfrm flipH="1" flipV="1">
-            <a:off x="5444558" y="2167458"/>
-            <a:ext cx="469423" cy="617971"/>
+          <a:xfrm flipV="1">
+            <a:off x="4951798" y="2995157"/>
+            <a:ext cx="1120064" cy="231526"/>
           </a:xfrm>
           <a:prstGeom prst="straightConnector1">
             <a:avLst/>
@@ -4564,24 +6837,24 @@
       </p:cxnSp>
       <p:cxnSp>
         <p:nvCxnSpPr>
-          <p:cNvPr id="20" name="Straight Arrow Connector 19">
-            <a:extLst>
-              <a:ext uri="{FF2B5EF4-FFF2-40B4-BE49-F238E27FC236}">
-                <a16:creationId xmlns:a16="http://schemas.microsoft.com/office/drawing/2014/main" id="{3209729A-ED2A-48D6-8427-110B34B2065F}"/>
+          <p:cNvPr id="85" name="Straight Arrow Connector 84">
+            <a:extLst>
+              <a:ext uri="{FF2B5EF4-FFF2-40B4-BE49-F238E27FC236}">
+                <a16:creationId xmlns:a16="http://schemas.microsoft.com/office/drawing/2014/main" id="{EE8952BD-19B9-41E4-8DB1-EFA67BD33A91}"/>
               </a:ext>
             </a:extLst>
           </p:cNvPr>
           <p:cNvCxnSpPr>
             <a:cxnSpLocks/>
-            <a:stCxn id="2" idx="0"/>
-            <a:endCxn id="12" idx="1"/>
+            <a:stCxn id="118" idx="3"/>
+            <a:endCxn id="90" idx="1"/>
           </p:cNvCxnSpPr>
           <p:nvPr/>
         </p:nvCxnSpPr>
         <p:spPr>
           <a:xfrm flipV="1">
-            <a:off x="5913981" y="2221919"/>
-            <a:ext cx="38652" cy="563510"/>
+            <a:off x="7448173" y="2770919"/>
+            <a:ext cx="335997" cy="10226"/>
           </a:xfrm>
           <a:prstGeom prst="straightConnector1">
             <a:avLst/>
@@ -4605,1783 +6878,53 @@
           </a:fontRef>
         </p:style>
       </p:cxnSp>
-      <p:cxnSp>
-        <p:nvCxnSpPr>
-          <p:cNvPr id="23" name="Straight Arrow Connector 22">
-            <a:extLst>
-              <a:ext uri="{FF2B5EF4-FFF2-40B4-BE49-F238E27FC236}">
-                <a16:creationId xmlns:a16="http://schemas.microsoft.com/office/drawing/2014/main" id="{B919E9B3-7E6F-403B-B5B2-554C4E9DDAAA}"/>
-              </a:ext>
-            </a:extLst>
-          </p:cNvPr>
-          <p:cNvCxnSpPr>
-            <a:stCxn id="2" idx="0"/>
-            <a:endCxn id="13" idx="1"/>
-          </p:cNvCxnSpPr>
+      <p:pic>
+        <p:nvPicPr>
+          <p:cNvPr id="90" name="Picture 2" descr="Image result for hystrix logo">
+            <a:extLst>
+              <a:ext uri="{FF2B5EF4-FFF2-40B4-BE49-F238E27FC236}">
+                <a16:creationId xmlns:a16="http://schemas.microsoft.com/office/drawing/2014/main" id="{D9C29E1D-3F5A-447C-AB98-DF84B688CDB4}"/>
+              </a:ext>
+            </a:extLst>
+          </p:cNvPr>
+          <p:cNvPicPr>
+            <a:picLocks noChangeAspect="1" noChangeArrowheads="1"/>
+          </p:cNvPicPr>
           <p:nvPr/>
-        </p:nvCxnSpPr>
-        <p:spPr>
-          <a:xfrm flipV="1">
-            <a:off x="5913981" y="2286579"/>
-            <a:ext cx="536366" cy="498850"/>
-          </a:xfrm>
-          <a:prstGeom prst="straightConnector1">
-            <a:avLst/>
-          </a:prstGeom>
-          <a:ln>
-            <a:tailEnd type="triangle"/>
-          </a:ln>
-        </p:spPr>
-        <p:style>
-          <a:lnRef idx="1">
-            <a:schemeClr val="accent1"/>
-          </a:lnRef>
-          <a:fillRef idx="0">
-            <a:schemeClr val="accent1"/>
-          </a:fillRef>
-          <a:effectRef idx="0">
-            <a:schemeClr val="accent1"/>
-          </a:effectRef>
-          <a:fontRef idx="minor">
-            <a:schemeClr val="tx1"/>
-          </a:fontRef>
-        </p:style>
-      </p:cxnSp>
-      <p:cxnSp>
-        <p:nvCxnSpPr>
-          <p:cNvPr id="25" name="Straight Arrow Connector 24">
-            <a:extLst>
-              <a:ext uri="{FF2B5EF4-FFF2-40B4-BE49-F238E27FC236}">
-                <a16:creationId xmlns:a16="http://schemas.microsoft.com/office/drawing/2014/main" id="{D188DF6A-D0BB-4004-A419-3FD9123A7C7B}"/>
-              </a:ext>
-            </a:extLst>
-          </p:cNvPr>
-          <p:cNvCxnSpPr>
-            <a:stCxn id="2" idx="7"/>
-            <a:endCxn id="3" idx="1"/>
-          </p:cNvCxnSpPr>
-          <p:nvPr/>
-        </p:nvCxnSpPr>
-        <p:spPr>
-          <a:xfrm flipV="1">
-            <a:off x="6424281" y="2396503"/>
-            <a:ext cx="555582" cy="440537"/>
-          </a:xfrm>
-          <a:prstGeom prst="straightConnector1">
-            <a:avLst/>
-          </a:prstGeom>
-          <a:ln>
-            <a:tailEnd type="triangle"/>
-          </a:ln>
-        </p:spPr>
-        <p:style>
-          <a:lnRef idx="1">
-            <a:schemeClr val="accent1"/>
-          </a:lnRef>
-          <a:fillRef idx="0">
-            <a:schemeClr val="accent1"/>
-          </a:fillRef>
-          <a:effectRef idx="0">
-            <a:schemeClr val="accent1"/>
-          </a:effectRef>
-          <a:fontRef idx="minor">
-            <a:schemeClr val="tx1"/>
-          </a:fontRef>
-        </p:style>
-      </p:cxnSp>
-      <p:cxnSp>
-        <p:nvCxnSpPr>
-          <p:cNvPr id="27" name="Straight Arrow Connector 26">
-            <a:extLst>
-              <a:ext uri="{FF2B5EF4-FFF2-40B4-BE49-F238E27FC236}">
-                <a16:creationId xmlns:a16="http://schemas.microsoft.com/office/drawing/2014/main" id="{BE764E85-A6F1-4B9D-9B59-873947EDB8E1}"/>
-              </a:ext>
-            </a:extLst>
-          </p:cNvPr>
-          <p:cNvCxnSpPr>
-            <a:cxnSpLocks/>
-            <a:stCxn id="2" idx="7"/>
-            <a:endCxn id="4" idx="1"/>
-          </p:cNvCxnSpPr>
-          <p:nvPr/>
-        </p:nvCxnSpPr>
-        <p:spPr>
+        </p:nvPicPr>
+        <p:blipFill>
+          <a:blip r:embed="rId19">
+            <a:extLst>
+              <a:ext uri="{28A0092B-C50C-407E-A947-70E740481C1C}">
+                <a14:useLocalDpi xmlns:a14="http://schemas.microsoft.com/office/drawing/2010/main" val="0"/>
+              </a:ext>
+            </a:extLst>
+          </a:blip>
+          <a:srcRect/>
+          <a:stretch>
+            <a:fillRect/>
+          </a:stretch>
+        </p:blipFill>
+        <p:spPr bwMode="auto">
           <a:xfrm>
-            <a:off x="6424281" y="2837040"/>
-            <a:ext cx="718937" cy="93843"/>
-          </a:xfrm>
-          <a:prstGeom prst="straightConnector1">
-            <a:avLst/>
-          </a:prstGeom>
-          <a:ln>
-            <a:tailEnd type="triangle"/>
-          </a:ln>
-        </p:spPr>
-        <p:style>
-          <a:lnRef idx="1">
-            <a:schemeClr val="accent1"/>
-          </a:lnRef>
-          <a:fillRef idx="0">
-            <a:schemeClr val="accent1"/>
-          </a:fillRef>
-          <a:effectRef idx="0">
-            <a:schemeClr val="accent1"/>
-          </a:effectRef>
-          <a:fontRef idx="minor">
-            <a:schemeClr val="tx1"/>
-          </a:fontRef>
-        </p:style>
-      </p:cxnSp>
-      <p:cxnSp>
-        <p:nvCxnSpPr>
-          <p:cNvPr id="30" name="Straight Arrow Connector 29">
-            <a:extLst>
-              <a:ext uri="{FF2B5EF4-FFF2-40B4-BE49-F238E27FC236}">
-                <a16:creationId xmlns:a16="http://schemas.microsoft.com/office/drawing/2014/main" id="{D0E581E1-BB90-45EE-B486-BE03949DFD15}"/>
-              </a:ext>
-            </a:extLst>
-          </p:cNvPr>
-          <p:cNvCxnSpPr>
-            <a:stCxn id="2" idx="6"/>
-            <a:endCxn id="5" idx="1"/>
-          </p:cNvCxnSpPr>
-          <p:nvPr/>
-        </p:nvCxnSpPr>
-        <p:spPr>
-          <a:xfrm>
-            <a:off x="6635654" y="2961642"/>
-            <a:ext cx="384117" cy="400780"/>
-          </a:xfrm>
-          <a:prstGeom prst="straightConnector1">
-            <a:avLst/>
-          </a:prstGeom>
-          <a:ln>
-            <a:tailEnd type="triangle"/>
-          </a:ln>
-        </p:spPr>
-        <p:style>
-          <a:lnRef idx="1">
-            <a:schemeClr val="accent1"/>
-          </a:lnRef>
-          <a:fillRef idx="0">
-            <a:schemeClr val="accent1"/>
-          </a:fillRef>
-          <a:effectRef idx="0">
-            <a:schemeClr val="accent1"/>
-          </a:effectRef>
-          <a:fontRef idx="minor">
-            <a:schemeClr val="tx1"/>
-          </a:fontRef>
-        </p:style>
-      </p:cxnSp>
-      <p:cxnSp>
-        <p:nvCxnSpPr>
-          <p:cNvPr id="32" name="Straight Arrow Connector 31">
-            <a:extLst>
-              <a:ext uri="{FF2B5EF4-FFF2-40B4-BE49-F238E27FC236}">
-                <a16:creationId xmlns:a16="http://schemas.microsoft.com/office/drawing/2014/main" id="{985E04DE-885A-4192-9CCB-8A021BC6AF99}"/>
-              </a:ext>
-            </a:extLst>
-          </p:cNvPr>
-          <p:cNvCxnSpPr>
-            <a:stCxn id="2" idx="5"/>
-            <a:endCxn id="6" idx="1"/>
-          </p:cNvCxnSpPr>
-          <p:nvPr/>
-        </p:nvCxnSpPr>
-        <p:spPr>
-          <a:xfrm>
-            <a:off x="6424281" y="3086243"/>
-            <a:ext cx="290545" cy="436379"/>
-          </a:xfrm>
-          <a:prstGeom prst="straightConnector1">
-            <a:avLst/>
-          </a:prstGeom>
-          <a:ln>
-            <a:tailEnd type="triangle"/>
-          </a:ln>
-        </p:spPr>
-        <p:style>
-          <a:lnRef idx="1">
-            <a:schemeClr val="accent1"/>
-          </a:lnRef>
-          <a:fillRef idx="0">
-            <a:schemeClr val="accent1"/>
-          </a:fillRef>
-          <a:effectRef idx="0">
-            <a:schemeClr val="accent1"/>
-          </a:effectRef>
-          <a:fontRef idx="minor">
-            <a:schemeClr val="tx1"/>
-          </a:fontRef>
-        </p:style>
-      </p:cxnSp>
-      <p:cxnSp>
-        <p:nvCxnSpPr>
-          <p:cNvPr id="34" name="Straight Arrow Connector 33">
-            <a:extLst>
-              <a:ext uri="{FF2B5EF4-FFF2-40B4-BE49-F238E27FC236}">
-                <a16:creationId xmlns:a16="http://schemas.microsoft.com/office/drawing/2014/main" id="{16EADB20-0AAE-459B-AE02-5854F6279695}"/>
-              </a:ext>
-            </a:extLst>
-          </p:cNvPr>
-          <p:cNvCxnSpPr>
-            <a:stCxn id="2" idx="4"/>
-            <a:endCxn id="7" idx="1"/>
-          </p:cNvCxnSpPr>
-          <p:nvPr/>
-        </p:nvCxnSpPr>
-        <p:spPr>
-          <a:xfrm>
-            <a:off x="5913981" y="3137854"/>
-            <a:ext cx="334217" cy="426356"/>
-          </a:xfrm>
-          <a:prstGeom prst="straightConnector1">
-            <a:avLst/>
-          </a:prstGeom>
-          <a:ln>
-            <a:tailEnd type="triangle"/>
-          </a:ln>
-        </p:spPr>
-        <p:style>
-          <a:lnRef idx="1">
-            <a:schemeClr val="accent1"/>
-          </a:lnRef>
-          <a:fillRef idx="0">
-            <a:schemeClr val="accent1"/>
-          </a:fillRef>
-          <a:effectRef idx="0">
-            <a:schemeClr val="accent1"/>
-          </a:effectRef>
-          <a:fontRef idx="minor">
-            <a:schemeClr val="tx1"/>
-          </a:fontRef>
-        </p:style>
-      </p:cxnSp>
-      <p:cxnSp>
-        <p:nvCxnSpPr>
-          <p:cNvPr id="36" name="Straight Arrow Connector 35">
-            <a:extLst>
-              <a:ext uri="{FF2B5EF4-FFF2-40B4-BE49-F238E27FC236}">
-                <a16:creationId xmlns:a16="http://schemas.microsoft.com/office/drawing/2014/main" id="{A75C44F3-FAFB-402F-867D-702FB182F829}"/>
-              </a:ext>
-            </a:extLst>
-          </p:cNvPr>
-          <p:cNvCxnSpPr>
-            <a:stCxn id="2" idx="4"/>
-            <a:endCxn id="8" idx="1"/>
-          </p:cNvCxnSpPr>
-          <p:nvPr/>
-        </p:nvCxnSpPr>
-        <p:spPr>
-          <a:xfrm flipH="1">
-            <a:off x="5708311" y="3137854"/>
-            <a:ext cx="205670" cy="608627"/>
-          </a:xfrm>
-          <a:prstGeom prst="straightConnector1">
-            <a:avLst/>
-          </a:prstGeom>
-          <a:ln>
-            <a:tailEnd type="triangle"/>
-          </a:ln>
-        </p:spPr>
-        <p:style>
-          <a:lnRef idx="1">
-            <a:schemeClr val="accent1"/>
-          </a:lnRef>
-          <a:fillRef idx="0">
-            <a:schemeClr val="accent1"/>
-          </a:fillRef>
-          <a:effectRef idx="0">
-            <a:schemeClr val="accent1"/>
-          </a:effectRef>
-          <a:fontRef idx="minor">
-            <a:schemeClr val="tx1"/>
-          </a:fontRef>
-        </p:style>
-      </p:cxnSp>
-      <p:cxnSp>
-        <p:nvCxnSpPr>
-          <p:cNvPr id="38" name="Straight Arrow Connector 37">
-            <a:extLst>
-              <a:ext uri="{FF2B5EF4-FFF2-40B4-BE49-F238E27FC236}">
-                <a16:creationId xmlns:a16="http://schemas.microsoft.com/office/drawing/2014/main" id="{404FB0C3-3E56-4C68-8AAD-2BAE0896EF8E}"/>
-              </a:ext>
-            </a:extLst>
-          </p:cNvPr>
-          <p:cNvCxnSpPr>
-            <a:stCxn id="2" idx="4"/>
-            <a:endCxn id="9" idx="3"/>
-          </p:cNvCxnSpPr>
-          <p:nvPr/>
-        </p:nvCxnSpPr>
-        <p:spPr>
-          <a:xfrm flipH="1">
-            <a:off x="5344602" y="3137854"/>
-            <a:ext cx="569379" cy="439483"/>
-          </a:xfrm>
-          <a:prstGeom prst="straightConnector1">
-            <a:avLst/>
-          </a:prstGeom>
-          <a:ln>
-            <a:tailEnd type="triangle"/>
-          </a:ln>
-        </p:spPr>
-        <p:style>
-          <a:lnRef idx="1">
-            <a:schemeClr val="accent1"/>
-          </a:lnRef>
-          <a:fillRef idx="0">
-            <a:schemeClr val="accent1"/>
-          </a:fillRef>
-          <a:effectRef idx="0">
-            <a:schemeClr val="accent1"/>
-          </a:effectRef>
-          <a:fontRef idx="minor">
-            <a:schemeClr val="tx1"/>
-          </a:fontRef>
-        </p:style>
-      </p:cxnSp>
-      <p:cxnSp>
-        <p:nvCxnSpPr>
-          <p:cNvPr id="40" name="Straight Arrow Connector 39">
-            <a:extLst>
-              <a:ext uri="{FF2B5EF4-FFF2-40B4-BE49-F238E27FC236}">
-                <a16:creationId xmlns:a16="http://schemas.microsoft.com/office/drawing/2014/main" id="{94908CA3-974D-4337-881B-4842904BA655}"/>
-              </a:ext>
-            </a:extLst>
-          </p:cNvPr>
-          <p:cNvCxnSpPr>
-            <a:cxnSpLocks/>
-            <a:stCxn id="2" idx="3"/>
-            <a:endCxn id="14" idx="3"/>
-          </p:cNvCxnSpPr>
-          <p:nvPr/>
-        </p:nvCxnSpPr>
-        <p:spPr>
-          <a:xfrm flipH="1">
-            <a:off x="4650837" y="3086243"/>
-            <a:ext cx="752844" cy="414796"/>
-          </a:xfrm>
-          <a:prstGeom prst="straightConnector1">
-            <a:avLst/>
-          </a:prstGeom>
-          <a:ln>
-            <a:tailEnd type="triangle"/>
-          </a:ln>
-        </p:spPr>
-        <p:style>
-          <a:lnRef idx="1">
-            <a:schemeClr val="accent1"/>
-          </a:lnRef>
-          <a:fillRef idx="0">
-            <a:schemeClr val="accent1"/>
-          </a:fillRef>
-          <a:effectRef idx="0">
-            <a:schemeClr val="accent1"/>
-          </a:effectRef>
-          <a:fontRef idx="minor">
-            <a:schemeClr val="tx1"/>
-          </a:fontRef>
-        </p:style>
-      </p:cxnSp>
-      <p:cxnSp>
-        <p:nvCxnSpPr>
-          <p:cNvPr id="43" name="Straight Arrow Connector 42">
-            <a:extLst>
-              <a:ext uri="{FF2B5EF4-FFF2-40B4-BE49-F238E27FC236}">
-                <a16:creationId xmlns:a16="http://schemas.microsoft.com/office/drawing/2014/main" id="{9E5B642A-D186-4931-AEC8-6D7BEBE6F2B9}"/>
-              </a:ext>
-            </a:extLst>
-          </p:cNvPr>
-          <p:cNvCxnSpPr>
-            <a:stCxn id="2" idx="2"/>
-          </p:cNvCxnSpPr>
-          <p:nvPr/>
-        </p:nvCxnSpPr>
-        <p:spPr>
-          <a:xfrm flipH="1">
-            <a:off x="4597789" y="2961642"/>
-            <a:ext cx="594519" cy="176212"/>
-          </a:xfrm>
-          <a:prstGeom prst="straightConnector1">
-            <a:avLst/>
-          </a:prstGeom>
-          <a:ln>
-            <a:tailEnd type="triangle"/>
-          </a:ln>
-        </p:spPr>
-        <p:style>
-          <a:lnRef idx="1">
-            <a:schemeClr val="accent1"/>
-          </a:lnRef>
-          <a:fillRef idx="0">
-            <a:schemeClr val="accent1"/>
-          </a:fillRef>
-          <a:effectRef idx="0">
-            <a:schemeClr val="accent1"/>
-          </a:effectRef>
-          <a:fontRef idx="minor">
-            <a:schemeClr val="tx1"/>
-          </a:fontRef>
-        </p:style>
-      </p:cxnSp>
-      <p:cxnSp>
-        <p:nvCxnSpPr>
-          <p:cNvPr id="47" name="Straight Arrow Connector 46">
-            <a:extLst>
-              <a:ext uri="{FF2B5EF4-FFF2-40B4-BE49-F238E27FC236}">
-                <a16:creationId xmlns:a16="http://schemas.microsoft.com/office/drawing/2014/main" id="{78C91E6D-56C5-44DE-A56D-7980C789BE2F}"/>
-              </a:ext>
-            </a:extLst>
-          </p:cNvPr>
-          <p:cNvCxnSpPr>
-            <a:cxnSpLocks/>
-            <a:stCxn id="2" idx="1"/>
-            <a:endCxn id="15" idx="3"/>
-          </p:cNvCxnSpPr>
-          <p:nvPr/>
-        </p:nvCxnSpPr>
-        <p:spPr>
-          <a:xfrm flipH="1" flipV="1">
-            <a:off x="4947362" y="2363825"/>
-            <a:ext cx="456319" cy="473215"/>
-          </a:xfrm>
-          <a:prstGeom prst="straightConnector1">
-            <a:avLst/>
-          </a:prstGeom>
-          <a:ln>
-            <a:tailEnd type="triangle"/>
-          </a:ln>
-        </p:spPr>
-        <p:style>
-          <a:lnRef idx="1">
-            <a:schemeClr val="accent1"/>
-          </a:lnRef>
-          <a:fillRef idx="0">
-            <a:schemeClr val="accent1"/>
-          </a:fillRef>
-          <a:effectRef idx="0">
-            <a:schemeClr val="accent1"/>
-          </a:effectRef>
-          <a:fontRef idx="minor">
-            <a:schemeClr val="tx1"/>
-          </a:fontRef>
-        </p:style>
-      </p:cxnSp>
-      <p:sp>
-        <p:nvSpPr>
-          <p:cNvPr id="49" name="TextBox 48">
-            <a:extLst>
-              <a:ext uri="{FF2B5EF4-FFF2-40B4-BE49-F238E27FC236}">
-                <a16:creationId xmlns:a16="http://schemas.microsoft.com/office/drawing/2014/main" id="{9EAAD97B-CCDA-4F2E-AA13-538AFBFE0831}"/>
-              </a:ext>
-            </a:extLst>
-          </p:cNvPr>
-          <p:cNvSpPr txBox="1"/>
-          <p:nvPr/>
-        </p:nvSpPr>
-        <p:spPr>
-          <a:xfrm rot="2506675">
-            <a:off x="4487406" y="753681"/>
-            <a:ext cx="588623" cy="261610"/>
+            <a:off x="7784170" y="2546680"/>
+            <a:ext cx="673941" cy="448477"/>
           </a:xfrm>
           <a:prstGeom prst="rect">
             <a:avLst/>
           </a:prstGeom>
           <a:noFill/>
-        </p:spPr>
-        <p:txBody>
-          <a:bodyPr wrap="none" rtlCol="0">
-            <a:spAutoFit/>
-          </a:bodyPr>
-          <a:lstStyle/>
-          <a:p>
-            <a:r>
-              <a:rPr lang="en-US" sz="1100" dirty="0"/>
-              <a:t>Docker</a:t>
-            </a:r>
-          </a:p>
-        </p:txBody>
-      </p:sp>
-      <p:sp>
-        <p:nvSpPr>
-          <p:cNvPr id="50" name="TextBox 49">
-            <a:extLst>
-              <a:ext uri="{FF2B5EF4-FFF2-40B4-BE49-F238E27FC236}">
-                <a16:creationId xmlns:a16="http://schemas.microsoft.com/office/drawing/2014/main" id="{923738E6-6B48-47F5-97BC-DC3BC64467A1}"/>
-              </a:ext>
-            </a:extLst>
-          </p:cNvPr>
-          <p:cNvSpPr txBox="1"/>
-          <p:nvPr/>
-        </p:nvSpPr>
-        <p:spPr>
-          <a:xfrm rot="3523267">
-            <a:off x="4866414" y="588558"/>
-            <a:ext cx="841897" cy="261610"/>
-          </a:xfrm>
-          <a:prstGeom prst="rect">
-            <a:avLst/>
-          </a:prstGeom>
-          <a:noFill/>
-        </p:spPr>
-        <p:txBody>
-          <a:bodyPr wrap="none" rtlCol="0">
-            <a:spAutoFit/>
-          </a:bodyPr>
-          <a:lstStyle/>
-          <a:p>
-            <a:r>
-              <a:rPr lang="en-US" sz="1100" dirty="0"/>
-              <a:t>Kubernetes</a:t>
-            </a:r>
-          </a:p>
-        </p:txBody>
-      </p:sp>
-      <p:sp>
-        <p:nvSpPr>
-          <p:cNvPr id="52" name="TextBox 51">
-            <a:extLst>
-              <a:ext uri="{FF2B5EF4-FFF2-40B4-BE49-F238E27FC236}">
-                <a16:creationId xmlns:a16="http://schemas.microsoft.com/office/drawing/2014/main" id="{BE9BA1D3-D0B0-4636-8426-E64EB37F72E1}"/>
-              </a:ext>
-            </a:extLst>
-          </p:cNvPr>
-          <p:cNvSpPr txBox="1"/>
-          <p:nvPr/>
-        </p:nvSpPr>
-        <p:spPr>
-          <a:xfrm>
-            <a:off x="5872929" y="376967"/>
-            <a:ext cx="429926" cy="261610"/>
-          </a:xfrm>
-          <a:prstGeom prst="rect">
-            <a:avLst/>
-          </a:prstGeom>
-          <a:noFill/>
-        </p:spPr>
-        <p:txBody>
-          <a:bodyPr wrap="square" rtlCol="0">
-            <a:spAutoFit/>
-          </a:bodyPr>
-          <a:lstStyle/>
-          <a:p>
-            <a:r>
-              <a:rPr lang="en-US" sz="1100" dirty="0" err="1"/>
-              <a:t>Zuul</a:t>
-            </a:r>
-            <a:endParaRPr lang="en-US" sz="1100" dirty="0"/>
-          </a:p>
-        </p:txBody>
-      </p:sp>
-      <p:sp>
-        <p:nvSpPr>
-          <p:cNvPr id="54" name="TextBox 53">
-            <a:extLst>
-              <a:ext uri="{FF2B5EF4-FFF2-40B4-BE49-F238E27FC236}">
-                <a16:creationId xmlns:a16="http://schemas.microsoft.com/office/drawing/2014/main" id="{605F944B-A296-4E70-A9BD-451D715A6D56}"/>
-              </a:ext>
-            </a:extLst>
-          </p:cNvPr>
-          <p:cNvSpPr txBox="1"/>
-          <p:nvPr/>
-        </p:nvSpPr>
-        <p:spPr>
-          <a:xfrm>
-            <a:off x="6424281" y="588558"/>
-            <a:ext cx="595490" cy="261610"/>
-          </a:xfrm>
-          <a:prstGeom prst="rect">
-            <a:avLst/>
-          </a:prstGeom>
-          <a:noFill/>
-        </p:spPr>
-        <p:txBody>
-          <a:bodyPr wrap="square" rtlCol="0">
-            <a:spAutoFit/>
-          </a:bodyPr>
-          <a:lstStyle/>
-          <a:p>
-            <a:r>
-              <a:rPr lang="en-US" sz="1100" dirty="0"/>
-              <a:t>NGINX</a:t>
-            </a:r>
-          </a:p>
-        </p:txBody>
-      </p:sp>
-      <p:sp>
-        <p:nvSpPr>
-          <p:cNvPr id="55" name="TextBox 54">
-            <a:extLst>
-              <a:ext uri="{FF2B5EF4-FFF2-40B4-BE49-F238E27FC236}">
-                <a16:creationId xmlns:a16="http://schemas.microsoft.com/office/drawing/2014/main" id="{B07E8B48-00BD-4D1E-A56C-37EE2CE130A9}"/>
-              </a:ext>
-            </a:extLst>
-          </p:cNvPr>
-          <p:cNvSpPr txBox="1"/>
-          <p:nvPr/>
-        </p:nvSpPr>
-        <p:spPr>
-          <a:xfrm>
-            <a:off x="7752777" y="719363"/>
-            <a:ext cx="841896" cy="261610"/>
-          </a:xfrm>
-          <a:prstGeom prst="rect">
-            <a:avLst/>
-          </a:prstGeom>
-          <a:noFill/>
-        </p:spPr>
-        <p:txBody>
-          <a:bodyPr wrap="square" rtlCol="0">
-            <a:spAutoFit/>
-          </a:bodyPr>
-          <a:lstStyle/>
-          <a:p>
-            <a:r>
-              <a:rPr lang="en-US" sz="1100" dirty="0"/>
-              <a:t>EUREKA</a:t>
-            </a:r>
-          </a:p>
-        </p:txBody>
-      </p:sp>
-      <p:sp>
-        <p:nvSpPr>
-          <p:cNvPr id="56" name="TextBox 55">
-            <a:extLst>
-              <a:ext uri="{FF2B5EF4-FFF2-40B4-BE49-F238E27FC236}">
-                <a16:creationId xmlns:a16="http://schemas.microsoft.com/office/drawing/2014/main" id="{A8132CF2-8B13-4AD3-BE57-69749B4043D0}"/>
-              </a:ext>
-            </a:extLst>
-          </p:cNvPr>
-          <p:cNvSpPr txBox="1"/>
-          <p:nvPr/>
-        </p:nvSpPr>
-        <p:spPr>
-          <a:xfrm rot="2689111">
-            <a:off x="3521750" y="1650906"/>
-            <a:ext cx="497252" cy="261610"/>
-          </a:xfrm>
-          <a:prstGeom prst="rect">
-            <a:avLst/>
-          </a:prstGeom>
-          <a:noFill/>
-        </p:spPr>
-        <p:txBody>
-          <a:bodyPr wrap="square" rtlCol="0">
-            <a:spAutoFit/>
-          </a:bodyPr>
-          <a:lstStyle/>
-          <a:p>
-            <a:r>
-              <a:rPr lang="en-US" sz="1100" dirty="0"/>
-              <a:t>beats</a:t>
-            </a:r>
-          </a:p>
-        </p:txBody>
-      </p:sp>
-      <p:sp>
-        <p:nvSpPr>
-          <p:cNvPr id="57" name="TextBox 56">
-            <a:extLst>
-              <a:ext uri="{FF2B5EF4-FFF2-40B4-BE49-F238E27FC236}">
-                <a16:creationId xmlns:a16="http://schemas.microsoft.com/office/drawing/2014/main" id="{5A423F6B-2C83-4599-A49A-1BABF039A9E0}"/>
-              </a:ext>
-            </a:extLst>
-          </p:cNvPr>
-          <p:cNvSpPr txBox="1"/>
-          <p:nvPr/>
-        </p:nvSpPr>
-        <p:spPr>
-          <a:xfrm rot="2262459">
-            <a:off x="3145903" y="1856622"/>
-            <a:ext cx="679994" cy="261610"/>
-          </a:xfrm>
-          <a:prstGeom prst="rect">
-            <a:avLst/>
-          </a:prstGeom>
-          <a:noFill/>
-        </p:spPr>
-        <p:txBody>
-          <a:bodyPr wrap="none" rtlCol="0">
-            <a:spAutoFit/>
-          </a:bodyPr>
-          <a:lstStyle/>
-          <a:p>
-            <a:r>
-              <a:rPr lang="en-US" sz="1100" dirty="0"/>
-              <a:t>Logstash</a:t>
-            </a:r>
-          </a:p>
-        </p:txBody>
-      </p:sp>
-      <p:sp>
-        <p:nvSpPr>
-          <p:cNvPr id="58" name="TextBox 57">
-            <a:extLst>
-              <a:ext uri="{FF2B5EF4-FFF2-40B4-BE49-F238E27FC236}">
-                <a16:creationId xmlns:a16="http://schemas.microsoft.com/office/drawing/2014/main" id="{554335EE-3674-41BE-8C06-7A9406C80F53}"/>
-              </a:ext>
-            </a:extLst>
-          </p:cNvPr>
-          <p:cNvSpPr txBox="1"/>
-          <p:nvPr/>
-        </p:nvSpPr>
-        <p:spPr>
-          <a:xfrm rot="1005581">
-            <a:off x="2728824" y="2128695"/>
-            <a:ext cx="954107" cy="261610"/>
-          </a:xfrm>
-          <a:prstGeom prst="rect">
-            <a:avLst/>
-          </a:prstGeom>
-          <a:noFill/>
-        </p:spPr>
-        <p:txBody>
-          <a:bodyPr wrap="none" rtlCol="0">
-            <a:spAutoFit/>
-          </a:bodyPr>
-          <a:lstStyle/>
-          <a:p>
-            <a:r>
-              <a:rPr lang="en-US" sz="1100" dirty="0"/>
-              <a:t>Elastic search</a:t>
-            </a:r>
-          </a:p>
-        </p:txBody>
-      </p:sp>
-      <p:sp>
-        <p:nvSpPr>
-          <p:cNvPr id="59" name="TextBox 58">
-            <a:extLst>
-              <a:ext uri="{FF2B5EF4-FFF2-40B4-BE49-F238E27FC236}">
-                <a16:creationId xmlns:a16="http://schemas.microsoft.com/office/drawing/2014/main" id="{1EAE8ACC-CE8E-47DC-8348-631574FEC6FB}"/>
-              </a:ext>
-            </a:extLst>
-          </p:cNvPr>
-          <p:cNvSpPr txBox="1"/>
-          <p:nvPr/>
-        </p:nvSpPr>
-        <p:spPr>
-          <a:xfrm>
-            <a:off x="2950013" y="2523819"/>
-            <a:ext cx="572593" cy="261610"/>
-          </a:xfrm>
-          <a:prstGeom prst="rect">
-            <a:avLst/>
-          </a:prstGeom>
-          <a:noFill/>
-        </p:spPr>
-        <p:txBody>
-          <a:bodyPr wrap="none" rtlCol="0">
-            <a:spAutoFit/>
-          </a:bodyPr>
-          <a:lstStyle/>
-          <a:p>
-            <a:r>
-              <a:rPr lang="en-US" sz="1100" dirty="0"/>
-              <a:t>Kibana</a:t>
-            </a:r>
-          </a:p>
-        </p:txBody>
-      </p:sp>
-      <p:sp>
-        <p:nvSpPr>
-          <p:cNvPr id="60" name="TextBox 59">
-            <a:extLst>
-              <a:ext uri="{FF2B5EF4-FFF2-40B4-BE49-F238E27FC236}">
-                <a16:creationId xmlns:a16="http://schemas.microsoft.com/office/drawing/2014/main" id="{95265F39-27E3-4303-ACC6-85644B45929E}"/>
-              </a:ext>
-            </a:extLst>
-          </p:cNvPr>
-          <p:cNvSpPr txBox="1"/>
-          <p:nvPr/>
-        </p:nvSpPr>
-        <p:spPr>
-          <a:xfrm>
-            <a:off x="3236310" y="3049748"/>
-            <a:ext cx="372218" cy="261610"/>
-          </a:xfrm>
-          <a:prstGeom prst="rect">
-            <a:avLst/>
-          </a:prstGeom>
-          <a:noFill/>
-        </p:spPr>
-        <p:txBody>
-          <a:bodyPr wrap="none" rtlCol="0">
-            <a:spAutoFit/>
-          </a:bodyPr>
-          <a:lstStyle/>
-          <a:p>
-            <a:r>
-              <a:rPr lang="en-US" sz="1100" dirty="0"/>
-              <a:t>SSL</a:t>
-            </a:r>
-          </a:p>
-        </p:txBody>
-      </p:sp>
-      <p:sp>
-        <p:nvSpPr>
-          <p:cNvPr id="61" name="TextBox 60">
-            <a:extLst>
-              <a:ext uri="{FF2B5EF4-FFF2-40B4-BE49-F238E27FC236}">
-                <a16:creationId xmlns:a16="http://schemas.microsoft.com/office/drawing/2014/main" id="{9C18B20B-604B-4228-B210-9D2EBE605115}"/>
-              </a:ext>
-            </a:extLst>
-          </p:cNvPr>
-          <p:cNvSpPr txBox="1"/>
-          <p:nvPr/>
-        </p:nvSpPr>
-        <p:spPr>
-          <a:xfrm>
-            <a:off x="2942132" y="3591668"/>
-            <a:ext cx="593321" cy="261610"/>
-          </a:xfrm>
-          <a:prstGeom prst="rect">
-            <a:avLst/>
-          </a:prstGeom>
-          <a:noFill/>
-        </p:spPr>
-        <p:txBody>
-          <a:bodyPr wrap="square" rtlCol="0">
-            <a:spAutoFit/>
-          </a:bodyPr>
-          <a:lstStyle/>
-          <a:p>
-            <a:r>
-              <a:rPr lang="en-US" sz="1100" dirty="0"/>
-              <a:t>TLS</a:t>
-            </a:r>
-          </a:p>
-        </p:txBody>
-      </p:sp>
-      <p:sp>
-        <p:nvSpPr>
-          <p:cNvPr id="62" name="TextBox 61">
-            <a:extLst>
-              <a:ext uri="{FF2B5EF4-FFF2-40B4-BE49-F238E27FC236}">
-                <a16:creationId xmlns:a16="http://schemas.microsoft.com/office/drawing/2014/main" id="{8206D4E1-329E-47F0-A9E9-DBC6C6181CB2}"/>
-              </a:ext>
-            </a:extLst>
-          </p:cNvPr>
-          <p:cNvSpPr txBox="1"/>
-          <p:nvPr/>
-        </p:nvSpPr>
-        <p:spPr>
-          <a:xfrm rot="4239160">
-            <a:off x="3632391" y="1094656"/>
-            <a:ext cx="954436" cy="261610"/>
-          </a:xfrm>
-          <a:prstGeom prst="rect">
-            <a:avLst/>
-          </a:prstGeom>
-          <a:noFill/>
-        </p:spPr>
-        <p:txBody>
-          <a:bodyPr wrap="square" rtlCol="0">
-            <a:spAutoFit/>
-          </a:bodyPr>
-          <a:lstStyle/>
-          <a:p>
-            <a:r>
-              <a:rPr lang="en-US" sz="1100" dirty="0"/>
-              <a:t>Spring Cloud</a:t>
-            </a:r>
-          </a:p>
-        </p:txBody>
-      </p:sp>
-      <p:cxnSp>
-        <p:nvCxnSpPr>
-          <p:cNvPr id="63" name="Straight Arrow Connector 62">
-            <a:extLst>
-              <a:ext uri="{FF2B5EF4-FFF2-40B4-BE49-F238E27FC236}">
-                <a16:creationId xmlns:a16="http://schemas.microsoft.com/office/drawing/2014/main" id="{26FBF334-D3BF-4D51-A1C3-BD466933689B}"/>
-              </a:ext>
-            </a:extLst>
-          </p:cNvPr>
-          <p:cNvCxnSpPr>
-            <a:stCxn id="11" idx="1"/>
-            <a:endCxn id="56" idx="3"/>
-          </p:cNvCxnSpPr>
-          <p:nvPr/>
-        </p:nvCxnSpPr>
-        <p:spPr>
-          <a:xfrm flipH="1" flipV="1">
-            <a:off x="3946737" y="1956958"/>
-            <a:ext cx="125479" cy="817071"/>
-          </a:xfrm>
-          <a:prstGeom prst="straightConnector1">
-            <a:avLst/>
-          </a:prstGeom>
-          <a:ln>
-            <a:tailEnd type="triangle"/>
-          </a:ln>
-        </p:spPr>
-        <p:style>
-          <a:lnRef idx="1">
-            <a:schemeClr val="accent1"/>
-          </a:lnRef>
-          <a:fillRef idx="0">
-            <a:schemeClr val="accent1"/>
-          </a:fillRef>
-          <a:effectRef idx="0">
-            <a:schemeClr val="accent1"/>
-          </a:effectRef>
-          <a:fontRef idx="minor">
-            <a:schemeClr val="tx1"/>
-          </a:fontRef>
-        </p:style>
-      </p:cxnSp>
-      <p:cxnSp>
-        <p:nvCxnSpPr>
-          <p:cNvPr id="3073" name="Straight Arrow Connector 3072">
-            <a:extLst>
-              <a:ext uri="{FF2B5EF4-FFF2-40B4-BE49-F238E27FC236}">
-                <a16:creationId xmlns:a16="http://schemas.microsoft.com/office/drawing/2014/main" id="{44F53BF4-47E0-4B23-93B6-91744DE49063}"/>
-              </a:ext>
-            </a:extLst>
-          </p:cNvPr>
-          <p:cNvCxnSpPr>
-            <a:stCxn id="11" idx="1"/>
-            <a:endCxn id="57" idx="3"/>
-          </p:cNvCxnSpPr>
-          <p:nvPr/>
-        </p:nvCxnSpPr>
-        <p:spPr>
-          <a:xfrm flipH="1" flipV="1">
-            <a:off x="3754886" y="2195380"/>
-            <a:ext cx="317330" cy="578649"/>
-          </a:xfrm>
-          <a:prstGeom prst="straightConnector1">
-            <a:avLst/>
-          </a:prstGeom>
-          <a:ln>
-            <a:tailEnd type="triangle"/>
-          </a:ln>
-        </p:spPr>
-        <p:style>
-          <a:lnRef idx="1">
-            <a:schemeClr val="accent1"/>
-          </a:lnRef>
-          <a:fillRef idx="0">
-            <a:schemeClr val="accent1"/>
-          </a:fillRef>
-          <a:effectRef idx="0">
-            <a:schemeClr val="accent1"/>
-          </a:effectRef>
-          <a:fontRef idx="minor">
-            <a:schemeClr val="tx1"/>
-          </a:fontRef>
-        </p:style>
-      </p:cxnSp>
-      <p:cxnSp>
-        <p:nvCxnSpPr>
-          <p:cNvPr id="3076" name="Straight Arrow Connector 3075">
-            <a:extLst>
-              <a:ext uri="{FF2B5EF4-FFF2-40B4-BE49-F238E27FC236}">
-                <a16:creationId xmlns:a16="http://schemas.microsoft.com/office/drawing/2014/main" id="{9640EFE4-888F-4009-9739-7ACBE56FE7D0}"/>
-              </a:ext>
-            </a:extLst>
-          </p:cNvPr>
-          <p:cNvCxnSpPr>
-            <a:cxnSpLocks/>
-            <a:stCxn id="11" idx="1"/>
-            <a:endCxn id="58" idx="3"/>
-          </p:cNvCxnSpPr>
-          <p:nvPr/>
-        </p:nvCxnSpPr>
-        <p:spPr>
-          <a:xfrm flipH="1" flipV="1">
-            <a:off x="3662667" y="2397062"/>
-            <a:ext cx="409549" cy="376967"/>
-          </a:xfrm>
-          <a:prstGeom prst="straightConnector1">
-            <a:avLst/>
-          </a:prstGeom>
-          <a:ln>
-            <a:tailEnd type="triangle"/>
-          </a:ln>
-        </p:spPr>
-        <p:style>
-          <a:lnRef idx="1">
-            <a:schemeClr val="accent1"/>
-          </a:lnRef>
-          <a:fillRef idx="0">
-            <a:schemeClr val="accent1"/>
-          </a:fillRef>
-          <a:effectRef idx="0">
-            <a:schemeClr val="accent1"/>
-          </a:effectRef>
-          <a:fontRef idx="minor">
-            <a:schemeClr val="tx1"/>
-          </a:fontRef>
-        </p:style>
-      </p:cxnSp>
-      <p:cxnSp>
-        <p:nvCxnSpPr>
-          <p:cNvPr id="3078" name="Straight Arrow Connector 3077">
-            <a:extLst>
-              <a:ext uri="{FF2B5EF4-FFF2-40B4-BE49-F238E27FC236}">
-                <a16:creationId xmlns:a16="http://schemas.microsoft.com/office/drawing/2014/main" id="{198DAF51-921C-4F12-8223-D722345F5FB1}"/>
-              </a:ext>
-            </a:extLst>
-          </p:cNvPr>
-          <p:cNvCxnSpPr>
-            <a:stCxn id="11" idx="1"/>
-            <a:endCxn id="59" idx="3"/>
-          </p:cNvCxnSpPr>
-          <p:nvPr/>
-        </p:nvCxnSpPr>
-        <p:spPr>
-          <a:xfrm flipH="1" flipV="1">
-            <a:off x="3522606" y="2654624"/>
-            <a:ext cx="549610" cy="119405"/>
-          </a:xfrm>
-          <a:prstGeom prst="straightConnector1">
-            <a:avLst/>
-          </a:prstGeom>
-          <a:ln>
-            <a:tailEnd type="triangle"/>
-          </a:ln>
-        </p:spPr>
-        <p:style>
-          <a:lnRef idx="1">
-            <a:schemeClr val="accent1"/>
-          </a:lnRef>
-          <a:fillRef idx="0">
-            <a:schemeClr val="accent1"/>
-          </a:fillRef>
-          <a:effectRef idx="0">
-            <a:schemeClr val="accent1"/>
-          </a:effectRef>
-          <a:fontRef idx="minor">
-            <a:schemeClr val="tx1"/>
-          </a:fontRef>
-        </p:style>
-      </p:cxnSp>
-      <p:cxnSp>
-        <p:nvCxnSpPr>
-          <p:cNvPr id="3081" name="Straight Arrow Connector 3080">
-            <a:extLst>
-              <a:ext uri="{FF2B5EF4-FFF2-40B4-BE49-F238E27FC236}">
-                <a16:creationId xmlns:a16="http://schemas.microsoft.com/office/drawing/2014/main" id="{D0DA1E2F-5964-4EE5-9971-E94278AFB6B0}"/>
-              </a:ext>
-            </a:extLst>
-          </p:cNvPr>
-          <p:cNvCxnSpPr>
-            <a:cxnSpLocks/>
-            <a:stCxn id="15" idx="1"/>
-            <a:endCxn id="62" idx="3"/>
-          </p:cNvCxnSpPr>
-          <p:nvPr/>
-        </p:nvCxnSpPr>
-        <p:spPr>
-          <a:xfrm flipH="1" flipV="1">
-            <a:off x="4267708" y="1675729"/>
-            <a:ext cx="199127" cy="333734"/>
-          </a:xfrm>
-          <a:prstGeom prst="straightConnector1">
-            <a:avLst/>
-          </a:prstGeom>
-          <a:ln>
-            <a:tailEnd type="triangle"/>
-          </a:ln>
-        </p:spPr>
-        <p:style>
-          <a:lnRef idx="1">
-            <a:schemeClr val="accent1"/>
-          </a:lnRef>
-          <a:fillRef idx="0">
-            <a:schemeClr val="accent1"/>
-          </a:fillRef>
-          <a:effectRef idx="0">
-            <a:schemeClr val="accent1"/>
-          </a:effectRef>
-          <a:fontRef idx="minor">
-            <a:schemeClr val="tx1"/>
-          </a:fontRef>
-        </p:style>
-      </p:cxnSp>
-      <p:cxnSp>
-        <p:nvCxnSpPr>
-          <p:cNvPr id="3088" name="Straight Arrow Connector 3087">
-            <a:extLst>
-              <a:ext uri="{FF2B5EF4-FFF2-40B4-BE49-F238E27FC236}">
-                <a16:creationId xmlns:a16="http://schemas.microsoft.com/office/drawing/2014/main" id="{AC82CF02-3B46-4A01-8BDA-66549447B135}"/>
-              </a:ext>
-            </a:extLst>
-          </p:cNvPr>
-          <p:cNvCxnSpPr>
-            <a:stCxn id="16" idx="1"/>
-            <a:endCxn id="49" idx="3"/>
-          </p:cNvCxnSpPr>
-          <p:nvPr/>
-        </p:nvCxnSpPr>
-        <p:spPr>
-          <a:xfrm flipH="1" flipV="1">
-            <a:off x="5001195" y="1080570"/>
-            <a:ext cx="251411" cy="192862"/>
-          </a:xfrm>
-          <a:prstGeom prst="straightConnector1">
-            <a:avLst/>
-          </a:prstGeom>
-          <a:ln>
-            <a:tailEnd type="triangle"/>
-          </a:ln>
-        </p:spPr>
-        <p:style>
-          <a:lnRef idx="1">
-            <a:schemeClr val="accent1"/>
-          </a:lnRef>
-          <a:fillRef idx="0">
-            <a:schemeClr val="accent1"/>
-          </a:fillRef>
-          <a:effectRef idx="0">
-            <a:schemeClr val="accent1"/>
-          </a:effectRef>
-          <a:fontRef idx="minor">
-            <a:schemeClr val="tx1"/>
-          </a:fontRef>
-        </p:style>
-      </p:cxnSp>
-      <p:cxnSp>
-        <p:nvCxnSpPr>
-          <p:cNvPr id="3090" name="Straight Arrow Connector 3089">
-            <a:extLst>
-              <a:ext uri="{FF2B5EF4-FFF2-40B4-BE49-F238E27FC236}">
-                <a16:creationId xmlns:a16="http://schemas.microsoft.com/office/drawing/2014/main" id="{6855B5AA-CAC1-451F-859B-962E3178300A}"/>
-              </a:ext>
-            </a:extLst>
-          </p:cNvPr>
-          <p:cNvCxnSpPr>
-            <a:stCxn id="16" idx="1"/>
-            <a:endCxn id="50" idx="3"/>
-          </p:cNvCxnSpPr>
-          <p:nvPr/>
-        </p:nvCxnSpPr>
-        <p:spPr>
-          <a:xfrm flipV="1">
-            <a:off x="5252606" y="1079127"/>
-            <a:ext cx="253315" cy="194305"/>
-          </a:xfrm>
-          <a:prstGeom prst="straightConnector1">
-            <a:avLst/>
-          </a:prstGeom>
-          <a:ln>
-            <a:tailEnd type="triangle"/>
-          </a:ln>
-        </p:spPr>
-        <p:style>
-          <a:lnRef idx="1">
-            <a:schemeClr val="accent1"/>
-          </a:lnRef>
-          <a:fillRef idx="0">
-            <a:schemeClr val="accent1"/>
-          </a:fillRef>
-          <a:effectRef idx="0">
-            <a:schemeClr val="accent1"/>
-          </a:effectRef>
-          <a:fontRef idx="minor">
-            <a:schemeClr val="tx1"/>
-          </a:fontRef>
-        </p:style>
-      </p:cxnSp>
-      <p:cxnSp>
-        <p:nvCxnSpPr>
-          <p:cNvPr id="3093" name="Straight Arrow Connector 3092">
-            <a:extLst>
-              <a:ext uri="{FF2B5EF4-FFF2-40B4-BE49-F238E27FC236}">
-                <a16:creationId xmlns:a16="http://schemas.microsoft.com/office/drawing/2014/main" id="{0E80E19E-2DC4-4F74-9828-302239DB55B4}"/>
-              </a:ext>
-            </a:extLst>
-          </p:cNvPr>
-          <p:cNvCxnSpPr>
-            <a:stCxn id="12" idx="3"/>
-            <a:endCxn id="52" idx="2"/>
-          </p:cNvCxnSpPr>
-          <p:nvPr/>
-        </p:nvCxnSpPr>
-        <p:spPr>
-          <a:xfrm flipH="1" flipV="1">
-            <a:off x="6087892" y="638577"/>
-            <a:ext cx="131106" cy="459488"/>
-          </a:xfrm>
-          <a:prstGeom prst="straightConnector1">
-            <a:avLst/>
-          </a:prstGeom>
-          <a:ln>
-            <a:tailEnd type="triangle"/>
-          </a:ln>
-        </p:spPr>
-        <p:style>
-          <a:lnRef idx="1">
-            <a:schemeClr val="accent1"/>
-          </a:lnRef>
-          <a:fillRef idx="0">
-            <a:schemeClr val="accent1"/>
-          </a:fillRef>
-          <a:effectRef idx="0">
-            <a:schemeClr val="accent1"/>
-          </a:effectRef>
-          <a:fontRef idx="minor">
-            <a:schemeClr val="tx1"/>
-          </a:fontRef>
-        </p:style>
-      </p:cxnSp>
-      <p:cxnSp>
-        <p:nvCxnSpPr>
-          <p:cNvPr id="3095" name="Straight Arrow Connector 3094">
-            <a:extLst>
-              <a:ext uri="{FF2B5EF4-FFF2-40B4-BE49-F238E27FC236}">
-                <a16:creationId xmlns:a16="http://schemas.microsoft.com/office/drawing/2014/main" id="{7701F50F-4C0F-485E-B382-970887A24059}"/>
-              </a:ext>
-            </a:extLst>
-          </p:cNvPr>
-          <p:cNvCxnSpPr>
-            <a:stCxn id="12" idx="3"/>
-            <a:endCxn id="54" idx="2"/>
-          </p:cNvCxnSpPr>
-          <p:nvPr/>
-        </p:nvCxnSpPr>
-        <p:spPr>
-          <a:xfrm flipV="1">
-            <a:off x="6218998" y="850168"/>
-            <a:ext cx="503028" cy="247897"/>
-          </a:xfrm>
-          <a:prstGeom prst="straightConnector1">
-            <a:avLst/>
-          </a:prstGeom>
-          <a:ln>
-            <a:tailEnd type="triangle"/>
-          </a:ln>
-        </p:spPr>
-        <p:style>
-          <a:lnRef idx="1">
-            <a:schemeClr val="accent1"/>
-          </a:lnRef>
-          <a:fillRef idx="0">
-            <a:schemeClr val="accent1"/>
-          </a:fillRef>
-          <a:effectRef idx="0">
-            <a:schemeClr val="accent1"/>
-          </a:effectRef>
-          <a:fontRef idx="minor">
-            <a:schemeClr val="tx1"/>
-          </a:fontRef>
-        </p:style>
-      </p:cxnSp>
-      <p:cxnSp>
-        <p:nvCxnSpPr>
-          <p:cNvPr id="3097" name="Straight Arrow Connector 3096">
-            <a:extLst>
-              <a:ext uri="{FF2B5EF4-FFF2-40B4-BE49-F238E27FC236}">
-                <a16:creationId xmlns:a16="http://schemas.microsoft.com/office/drawing/2014/main" id="{ED9F9401-B3B1-4DFD-933F-0C0F27297168}"/>
-              </a:ext>
-            </a:extLst>
-          </p:cNvPr>
-          <p:cNvCxnSpPr>
-            <a:stCxn id="13" idx="3"/>
-            <a:endCxn id="55" idx="1"/>
-          </p:cNvCxnSpPr>
-          <p:nvPr/>
-        </p:nvCxnSpPr>
-        <p:spPr>
-          <a:xfrm flipV="1">
-            <a:off x="7325739" y="850168"/>
-            <a:ext cx="427038" cy="310372"/>
-          </a:xfrm>
-          <a:prstGeom prst="straightConnector1">
-            <a:avLst/>
-          </a:prstGeom>
-          <a:ln>
-            <a:tailEnd type="triangle"/>
-          </a:ln>
-        </p:spPr>
-        <p:style>
-          <a:lnRef idx="1">
-            <a:schemeClr val="accent1"/>
-          </a:lnRef>
-          <a:fillRef idx="0">
-            <a:schemeClr val="accent1"/>
-          </a:fillRef>
-          <a:effectRef idx="0">
-            <a:schemeClr val="accent1"/>
-          </a:effectRef>
-          <a:fontRef idx="minor">
-            <a:schemeClr val="tx1"/>
-          </a:fontRef>
-        </p:style>
-      </p:cxnSp>
-      <p:cxnSp>
-        <p:nvCxnSpPr>
-          <p:cNvPr id="3100" name="Straight Arrow Connector 3099">
-            <a:extLst>
-              <a:ext uri="{FF2B5EF4-FFF2-40B4-BE49-F238E27FC236}">
-                <a16:creationId xmlns:a16="http://schemas.microsoft.com/office/drawing/2014/main" id="{8931B146-F43E-47DC-9C4D-96520DCD72CB}"/>
-              </a:ext>
-            </a:extLst>
-          </p:cNvPr>
-          <p:cNvCxnSpPr>
-            <a:stCxn id="10" idx="1"/>
-            <a:endCxn id="60" idx="3"/>
-          </p:cNvCxnSpPr>
-          <p:nvPr/>
-        </p:nvCxnSpPr>
-        <p:spPr>
-          <a:xfrm flipH="1" flipV="1">
-            <a:off x="3608528" y="3180553"/>
-            <a:ext cx="514124" cy="56271"/>
-          </a:xfrm>
-          <a:prstGeom prst="straightConnector1">
-            <a:avLst/>
-          </a:prstGeom>
-          <a:ln>
-            <a:tailEnd type="triangle"/>
-          </a:ln>
-        </p:spPr>
-        <p:style>
-          <a:lnRef idx="1">
-            <a:schemeClr val="accent1"/>
-          </a:lnRef>
-          <a:fillRef idx="0">
-            <a:schemeClr val="accent1"/>
-          </a:fillRef>
-          <a:effectRef idx="0">
-            <a:schemeClr val="accent1"/>
-          </a:effectRef>
-          <a:fontRef idx="minor">
-            <a:schemeClr val="tx1"/>
-          </a:fontRef>
-        </p:style>
-      </p:cxnSp>
-      <p:cxnSp>
-        <p:nvCxnSpPr>
-          <p:cNvPr id="3102" name="Straight Arrow Connector 3101">
-            <a:extLst>
-              <a:ext uri="{FF2B5EF4-FFF2-40B4-BE49-F238E27FC236}">
-                <a16:creationId xmlns:a16="http://schemas.microsoft.com/office/drawing/2014/main" id="{A3CBEBD1-4769-411A-AD21-484A85E249BA}"/>
-              </a:ext>
-            </a:extLst>
-          </p:cNvPr>
-          <p:cNvCxnSpPr>
-            <a:stCxn id="10" idx="1"/>
-            <a:endCxn id="61" idx="3"/>
-          </p:cNvCxnSpPr>
-          <p:nvPr/>
-        </p:nvCxnSpPr>
-        <p:spPr>
-          <a:xfrm flipH="1">
-            <a:off x="3535453" y="3236824"/>
-            <a:ext cx="587199" cy="485649"/>
-          </a:xfrm>
-          <a:prstGeom prst="straightConnector1">
-            <a:avLst/>
-          </a:prstGeom>
-          <a:ln>
-            <a:tailEnd type="triangle"/>
-          </a:ln>
-        </p:spPr>
-        <p:style>
-          <a:lnRef idx="1">
-            <a:schemeClr val="accent1"/>
-          </a:lnRef>
-          <a:fillRef idx="0">
-            <a:schemeClr val="accent1"/>
-          </a:fillRef>
-          <a:effectRef idx="0">
-            <a:schemeClr val="accent1"/>
-          </a:effectRef>
-          <a:fontRef idx="minor">
-            <a:schemeClr val="tx1"/>
-          </a:fontRef>
-        </p:style>
-      </p:cxnSp>
-      <p:sp>
-        <p:nvSpPr>
-          <p:cNvPr id="3104" name="TextBox 3103">
-            <a:extLst>
-              <a:ext uri="{FF2B5EF4-FFF2-40B4-BE49-F238E27FC236}">
-                <a16:creationId xmlns:a16="http://schemas.microsoft.com/office/drawing/2014/main" id="{2D265E4C-D2B2-4750-9E17-157D679B5A1B}"/>
-              </a:ext>
-            </a:extLst>
-          </p:cNvPr>
-          <p:cNvSpPr txBox="1"/>
-          <p:nvPr/>
-        </p:nvSpPr>
-        <p:spPr>
-          <a:xfrm>
-            <a:off x="2736435" y="4111446"/>
-            <a:ext cx="768159" cy="261610"/>
-          </a:xfrm>
-          <a:prstGeom prst="rect">
-            <a:avLst/>
-          </a:prstGeom>
-          <a:noFill/>
-        </p:spPr>
-        <p:txBody>
-          <a:bodyPr wrap="none" rtlCol="0">
-            <a:spAutoFit/>
-          </a:bodyPr>
-          <a:lstStyle/>
-          <a:p>
-            <a:r>
-              <a:rPr lang="en-US" sz="1100" dirty="0"/>
-              <a:t>Cassandra</a:t>
-            </a:r>
-          </a:p>
-        </p:txBody>
-      </p:sp>
-      <p:sp>
-        <p:nvSpPr>
-          <p:cNvPr id="97" name="TextBox 96">
-            <a:extLst>
-              <a:ext uri="{FF2B5EF4-FFF2-40B4-BE49-F238E27FC236}">
-                <a16:creationId xmlns:a16="http://schemas.microsoft.com/office/drawing/2014/main" id="{AFFB3381-25C9-48C5-8F45-1DA6F619A231}"/>
-              </a:ext>
-            </a:extLst>
-          </p:cNvPr>
-          <p:cNvSpPr txBox="1"/>
-          <p:nvPr/>
-        </p:nvSpPr>
-        <p:spPr>
-          <a:xfrm rot="18472523">
-            <a:off x="3165754" y="4638883"/>
-            <a:ext cx="780983" cy="261610"/>
-          </a:xfrm>
-          <a:prstGeom prst="rect">
-            <a:avLst/>
-          </a:prstGeom>
-          <a:noFill/>
-        </p:spPr>
-        <p:txBody>
-          <a:bodyPr wrap="none" rtlCol="0">
-            <a:spAutoFit/>
-          </a:bodyPr>
-          <a:lstStyle/>
-          <a:p>
-            <a:r>
-              <a:rPr lang="en-US" sz="1100" dirty="0"/>
-              <a:t>Mango DB</a:t>
-            </a:r>
-          </a:p>
-        </p:txBody>
-      </p:sp>
-      <p:cxnSp>
-        <p:nvCxnSpPr>
-          <p:cNvPr id="3106" name="Straight Arrow Connector 3105">
-            <a:extLst>
-              <a:ext uri="{FF2B5EF4-FFF2-40B4-BE49-F238E27FC236}">
-                <a16:creationId xmlns:a16="http://schemas.microsoft.com/office/drawing/2014/main" id="{89938E88-FB03-49A7-BA42-A85C66C9A29D}"/>
-              </a:ext>
-            </a:extLst>
-          </p:cNvPr>
-          <p:cNvCxnSpPr>
-            <a:stCxn id="14" idx="1"/>
-            <a:endCxn id="3104" idx="3"/>
-          </p:cNvCxnSpPr>
-          <p:nvPr/>
-        </p:nvCxnSpPr>
-        <p:spPr>
-          <a:xfrm flipH="1">
-            <a:off x="3504594" y="3914951"/>
-            <a:ext cx="532520" cy="327300"/>
-          </a:xfrm>
-          <a:prstGeom prst="straightConnector1">
-            <a:avLst/>
-          </a:prstGeom>
-          <a:ln>
-            <a:tailEnd type="triangle"/>
-          </a:ln>
-        </p:spPr>
-        <p:style>
-          <a:lnRef idx="1">
-            <a:schemeClr val="accent1"/>
-          </a:lnRef>
-          <a:fillRef idx="0">
-            <a:schemeClr val="accent1"/>
-          </a:fillRef>
-          <a:effectRef idx="0">
-            <a:schemeClr val="accent1"/>
-          </a:effectRef>
-          <a:fontRef idx="minor">
-            <a:schemeClr val="tx1"/>
-          </a:fontRef>
-        </p:style>
-      </p:cxnSp>
-      <p:cxnSp>
-        <p:nvCxnSpPr>
-          <p:cNvPr id="3108" name="Straight Arrow Connector 3107">
-            <a:extLst>
-              <a:ext uri="{FF2B5EF4-FFF2-40B4-BE49-F238E27FC236}">
-                <a16:creationId xmlns:a16="http://schemas.microsoft.com/office/drawing/2014/main" id="{A5714C3C-FE93-4929-85B8-D63B49D4D77D}"/>
-              </a:ext>
-            </a:extLst>
-          </p:cNvPr>
-          <p:cNvCxnSpPr>
-            <a:stCxn id="14" idx="1"/>
-            <a:endCxn id="97" idx="3"/>
-          </p:cNvCxnSpPr>
-          <p:nvPr/>
-        </p:nvCxnSpPr>
-        <p:spPr>
-          <a:xfrm flipH="1">
-            <a:off x="3795986" y="3914951"/>
-            <a:ext cx="241128" cy="546503"/>
-          </a:xfrm>
-          <a:prstGeom prst="straightConnector1">
-            <a:avLst/>
-          </a:prstGeom>
-          <a:ln>
-            <a:tailEnd type="triangle"/>
-          </a:ln>
-        </p:spPr>
-        <p:style>
-          <a:lnRef idx="1">
-            <a:schemeClr val="accent1"/>
-          </a:lnRef>
-          <a:fillRef idx="0">
-            <a:schemeClr val="accent1"/>
-          </a:fillRef>
-          <a:effectRef idx="0">
-            <a:schemeClr val="accent1"/>
-          </a:effectRef>
-          <a:fontRef idx="minor">
-            <a:schemeClr val="tx1"/>
-          </a:fontRef>
-        </p:style>
-      </p:cxnSp>
-      <p:sp>
-        <p:nvSpPr>
-          <p:cNvPr id="3110" name="TextBox 3109">
-            <a:extLst>
-              <a:ext uri="{FF2B5EF4-FFF2-40B4-BE49-F238E27FC236}">
-                <a16:creationId xmlns:a16="http://schemas.microsoft.com/office/drawing/2014/main" id="{A146F8EC-55E9-4139-AEE1-26B004F4463C}"/>
-              </a:ext>
-            </a:extLst>
-          </p:cNvPr>
-          <p:cNvSpPr txBox="1"/>
-          <p:nvPr/>
-        </p:nvSpPr>
-        <p:spPr>
-          <a:xfrm rot="18810400">
-            <a:off x="3882678" y="4617752"/>
-            <a:ext cx="768159" cy="261610"/>
-          </a:xfrm>
-          <a:prstGeom prst="rect">
-            <a:avLst/>
-          </a:prstGeom>
-          <a:noFill/>
-        </p:spPr>
-        <p:txBody>
-          <a:bodyPr wrap="none" rtlCol="0">
-            <a:spAutoFit/>
-          </a:bodyPr>
-          <a:lstStyle/>
-          <a:p>
-            <a:r>
-              <a:rPr lang="en-US" sz="1100" dirty="0"/>
-              <a:t>Basic auth</a:t>
-            </a:r>
-          </a:p>
-        </p:txBody>
-      </p:sp>
-      <p:sp>
-        <p:nvSpPr>
-          <p:cNvPr id="105" name="TextBox 104">
-            <a:extLst>
-              <a:ext uri="{FF2B5EF4-FFF2-40B4-BE49-F238E27FC236}">
-                <a16:creationId xmlns:a16="http://schemas.microsoft.com/office/drawing/2014/main" id="{261EE5CA-F5E4-4717-A13F-BEAD2A6D5CB2}"/>
-              </a:ext>
-            </a:extLst>
-          </p:cNvPr>
-          <p:cNvSpPr txBox="1"/>
-          <p:nvPr/>
-        </p:nvSpPr>
-        <p:spPr>
-          <a:xfrm rot="17516231">
-            <a:off x="4344826" y="4791780"/>
-            <a:ext cx="611065" cy="261610"/>
-          </a:xfrm>
-          <a:prstGeom prst="rect">
-            <a:avLst/>
-          </a:prstGeom>
-          <a:noFill/>
-        </p:spPr>
-        <p:txBody>
-          <a:bodyPr wrap="square" rtlCol="0">
-            <a:spAutoFit/>
-          </a:bodyPr>
-          <a:lstStyle/>
-          <a:p>
-            <a:r>
-              <a:rPr lang="en-US" sz="1100" dirty="0"/>
-              <a:t>Oauth2</a:t>
-            </a:r>
-          </a:p>
-        </p:txBody>
-      </p:sp>
-      <p:sp>
-        <p:nvSpPr>
-          <p:cNvPr id="106" name="TextBox 105">
-            <a:extLst>
-              <a:ext uri="{FF2B5EF4-FFF2-40B4-BE49-F238E27FC236}">
-                <a16:creationId xmlns:a16="http://schemas.microsoft.com/office/drawing/2014/main" id="{88833E98-41CE-4EE6-B22B-98B3B294D15D}"/>
-              </a:ext>
-            </a:extLst>
-          </p:cNvPr>
-          <p:cNvSpPr txBox="1"/>
-          <p:nvPr/>
-        </p:nvSpPr>
-        <p:spPr>
-          <a:xfrm rot="17516231">
-            <a:off x="4714714" y="4870099"/>
-            <a:ext cx="611065" cy="261610"/>
-          </a:xfrm>
-          <a:prstGeom prst="rect">
-            <a:avLst/>
-          </a:prstGeom>
-          <a:noFill/>
-        </p:spPr>
-        <p:txBody>
-          <a:bodyPr wrap="square" rtlCol="0">
-            <a:spAutoFit/>
-          </a:bodyPr>
-          <a:lstStyle/>
-          <a:p>
-            <a:r>
-              <a:rPr lang="en-US" sz="1100" dirty="0" err="1"/>
-              <a:t>jwt</a:t>
-            </a:r>
-            <a:endParaRPr lang="en-US" sz="1100" dirty="0"/>
-          </a:p>
-        </p:txBody>
-      </p:sp>
-      <p:cxnSp>
-        <p:nvCxnSpPr>
-          <p:cNvPr id="3112" name="Straight Arrow Connector 3111">
-            <a:extLst>
-              <a:ext uri="{FF2B5EF4-FFF2-40B4-BE49-F238E27FC236}">
-                <a16:creationId xmlns:a16="http://schemas.microsoft.com/office/drawing/2014/main" id="{CD969402-DBA0-4AF9-915F-B907D69F6724}"/>
-              </a:ext>
-            </a:extLst>
-          </p:cNvPr>
-          <p:cNvCxnSpPr>
-            <a:stCxn id="9" idx="1"/>
-            <a:endCxn id="3110" idx="3"/>
-          </p:cNvCxnSpPr>
-          <p:nvPr/>
-        </p:nvCxnSpPr>
-        <p:spPr>
-          <a:xfrm flipH="1">
-            <a:off x="4531173" y="4229143"/>
-            <a:ext cx="172121" cy="240843"/>
-          </a:xfrm>
-          <a:prstGeom prst="straightConnector1">
-            <a:avLst/>
-          </a:prstGeom>
-          <a:ln>
-            <a:tailEnd type="triangle"/>
-          </a:ln>
-        </p:spPr>
-        <p:style>
-          <a:lnRef idx="1">
-            <a:schemeClr val="accent1"/>
-          </a:lnRef>
-          <a:fillRef idx="0">
-            <a:schemeClr val="accent1"/>
-          </a:fillRef>
-          <a:effectRef idx="0">
-            <a:schemeClr val="accent1"/>
-          </a:effectRef>
-          <a:fontRef idx="minor">
-            <a:schemeClr val="tx1"/>
-          </a:fontRef>
-        </p:style>
-      </p:cxnSp>
-      <p:cxnSp>
-        <p:nvCxnSpPr>
-          <p:cNvPr id="3114" name="Straight Arrow Connector 3113">
-            <a:extLst>
-              <a:ext uri="{FF2B5EF4-FFF2-40B4-BE49-F238E27FC236}">
-                <a16:creationId xmlns:a16="http://schemas.microsoft.com/office/drawing/2014/main" id="{062C1367-EFE6-49F0-959E-FB3A8BA85B0E}"/>
-              </a:ext>
-            </a:extLst>
-          </p:cNvPr>
-          <p:cNvCxnSpPr>
-            <a:stCxn id="9" idx="1"/>
-            <a:endCxn id="105" idx="3"/>
-          </p:cNvCxnSpPr>
-          <p:nvPr/>
-        </p:nvCxnSpPr>
-        <p:spPr>
-          <a:xfrm>
-            <a:off x="4703294" y="4229143"/>
-            <a:ext cx="61208" cy="410032"/>
-          </a:xfrm>
-          <a:prstGeom prst="straightConnector1">
-            <a:avLst/>
-          </a:prstGeom>
-          <a:ln>
-            <a:tailEnd type="triangle"/>
-          </a:ln>
-        </p:spPr>
-        <p:style>
-          <a:lnRef idx="1">
-            <a:schemeClr val="accent1"/>
-          </a:lnRef>
-          <a:fillRef idx="0">
-            <a:schemeClr val="accent1"/>
-          </a:fillRef>
-          <a:effectRef idx="0">
-            <a:schemeClr val="accent1"/>
-          </a:effectRef>
-          <a:fontRef idx="minor">
-            <a:schemeClr val="tx1"/>
-          </a:fontRef>
-        </p:style>
-      </p:cxnSp>
-      <p:cxnSp>
-        <p:nvCxnSpPr>
-          <p:cNvPr id="3116" name="Straight Arrow Connector 3115">
-            <a:extLst>
-              <a:ext uri="{FF2B5EF4-FFF2-40B4-BE49-F238E27FC236}">
-                <a16:creationId xmlns:a16="http://schemas.microsoft.com/office/drawing/2014/main" id="{25EB841F-124D-4E6E-BE7B-52289E9B6E52}"/>
-              </a:ext>
-            </a:extLst>
-          </p:cNvPr>
-          <p:cNvCxnSpPr>
-            <a:stCxn id="9" idx="1"/>
-            <a:endCxn id="106" idx="3"/>
-          </p:cNvCxnSpPr>
-          <p:nvPr/>
-        </p:nvCxnSpPr>
-        <p:spPr>
-          <a:xfrm>
-            <a:off x="4703294" y="4229143"/>
-            <a:ext cx="431096" cy="488351"/>
-          </a:xfrm>
-          <a:prstGeom prst="straightConnector1">
-            <a:avLst/>
-          </a:prstGeom>
-          <a:ln>
-            <a:tailEnd type="triangle"/>
-          </a:ln>
-        </p:spPr>
-        <p:style>
-          <a:lnRef idx="1">
-            <a:schemeClr val="accent1"/>
-          </a:lnRef>
-          <a:fillRef idx="0">
-            <a:schemeClr val="accent1"/>
-          </a:fillRef>
-          <a:effectRef idx="0">
-            <a:schemeClr val="accent1"/>
-          </a:effectRef>
-          <a:fontRef idx="minor">
-            <a:schemeClr val="tx1"/>
-          </a:fontRef>
-        </p:style>
-      </p:cxnSp>
+          <a:extLst>
+            <a:ext uri="{909E8E84-426E-40DD-AFC4-6F175D3DCCD1}">
+              <a14:hiddenFill xmlns:a14="http://schemas.microsoft.com/office/drawing/2010/main">
+                <a:solidFill>
+                  <a:srgbClr val="FFFFFF"/>
+                </a:solidFill>
+              </a14:hiddenFill>
+            </a:ext>
+          </a:extLst>
+        </p:spPr>
+      </p:pic>
     </p:spTree>
     <p:extLst>
       <p:ext uri="{BB962C8B-B14F-4D97-AF65-F5344CB8AC3E}">
